--- a/Theory/Minimum Enclosing Ball for FW.pptx
+++ b/Theory/Minimum Enclosing Ball for FW.pptx
@@ -5,10 +5,10 @@
     <p:sldMasterId id="2147483666" r:id="rId4"/>
   </p:sldMasterIdLst>
   <p:notesMasterIdLst>
-    <p:notesMasterId r:id="rId30"/>
+    <p:notesMasterId r:id="rId28"/>
   </p:notesMasterIdLst>
   <p:handoutMasterIdLst>
-    <p:handoutMasterId r:id="rId31"/>
+    <p:handoutMasterId r:id="rId29"/>
   </p:handoutMasterIdLst>
   <p:sldIdLst>
     <p:sldId id="256" r:id="rId5"/>
@@ -16,26 +16,24 @@
     <p:sldId id="289" r:id="rId7"/>
     <p:sldId id="311" r:id="rId8"/>
     <p:sldId id="312" r:id="rId9"/>
-    <p:sldId id="266" r:id="rId10"/>
-    <p:sldId id="261" r:id="rId11"/>
-    <p:sldId id="262" r:id="rId12"/>
-    <p:sldId id="294" r:id="rId13"/>
-    <p:sldId id="295" r:id="rId14"/>
-    <p:sldId id="296" r:id="rId15"/>
-    <p:sldId id="300" r:id="rId16"/>
-    <p:sldId id="298" r:id="rId17"/>
-    <p:sldId id="307" r:id="rId18"/>
-    <p:sldId id="304" r:id="rId19"/>
-    <p:sldId id="308" r:id="rId20"/>
-    <p:sldId id="299" r:id="rId21"/>
-    <p:sldId id="302" r:id="rId22"/>
-    <p:sldId id="309" r:id="rId23"/>
-    <p:sldId id="305" r:id="rId24"/>
-    <p:sldId id="303" r:id="rId25"/>
-    <p:sldId id="310" r:id="rId26"/>
-    <p:sldId id="306" r:id="rId27"/>
-    <p:sldId id="275" r:id="rId28"/>
-    <p:sldId id="276" r:id="rId29"/>
+    <p:sldId id="261" r:id="rId10"/>
+    <p:sldId id="294" r:id="rId11"/>
+    <p:sldId id="295" r:id="rId12"/>
+    <p:sldId id="296" r:id="rId13"/>
+    <p:sldId id="300" r:id="rId14"/>
+    <p:sldId id="298" r:id="rId15"/>
+    <p:sldId id="307" r:id="rId16"/>
+    <p:sldId id="304" r:id="rId17"/>
+    <p:sldId id="308" r:id="rId18"/>
+    <p:sldId id="299" r:id="rId19"/>
+    <p:sldId id="302" r:id="rId20"/>
+    <p:sldId id="309" r:id="rId21"/>
+    <p:sldId id="305" r:id="rId22"/>
+    <p:sldId id="303" r:id="rId23"/>
+    <p:sldId id="310" r:id="rId24"/>
+    <p:sldId id="306" r:id="rId25"/>
+    <p:sldId id="275" r:id="rId26"/>
+    <p:sldId id="276" r:id="rId27"/>
   </p:sldIdLst>
   <p:sldSz cx="12192000" cy="6858000"/>
   <p:notesSz cx="6858000" cy="9144000"/>
@@ -262,7 +260,7 @@
           <a:p>
             <a:fld id="{F352A77B-D33C-49B3-A83C-450AA2ED72B3}" type="datetimeFigureOut">
               <a:rPr lang="en-US" smtClean="0"/>
-              <a:t>20-Sep-23</a:t>
+              <a:t>22-Sep-23</a:t>
             </a:fld>
             <a:endParaRPr lang="en-US" dirty="0"/>
           </a:p>
@@ -439,7 +437,7 @@
           <a:p>
             <a:fld id="{E38D8F9A-F5CB-4EF8-A859-ED5E107B9763}" type="datetimeFigureOut">
               <a:rPr lang="en-US" smtClean="0"/>
-              <a:t>20-Sep-23</a:t>
+              <a:t>22-Sep-23</a:t>
             </a:fld>
             <a:endParaRPr lang="en-US" dirty="0"/>
           </a:p>
@@ -15866,267 +15864,6 @@
           <p:cNvPr id="2" name="Title 1">
             <a:extLst>
               <a:ext uri="{FF2B5EF4-FFF2-40B4-BE49-F238E27FC236}">
-                <a16:creationId xmlns:a16="http://schemas.microsoft.com/office/drawing/2014/main" id="{5CE54ABB-4929-4810-950B-2DAEA0A5BAB4}"/>
-              </a:ext>
-            </a:extLst>
-          </p:cNvPr>
-          <p:cNvSpPr>
-            <a:spLocks noGrp="1"/>
-          </p:cNvSpPr>
-          <p:nvPr>
-            <p:ph type="title"/>
-          </p:nvPr>
-        </p:nvSpPr>
-        <p:spPr>
-          <a:xfrm>
-            <a:off x="1885156" y="892177"/>
-            <a:ext cx="8421688" cy="1325563"/>
-          </a:xfrm>
-        </p:spPr>
-        <p:txBody>
-          <a:bodyPr/>
-          <a:lstStyle/>
-          <a:p>
-            <a:r>
-              <a:rPr lang="en-US" dirty="0"/>
-              <a:t>Blended pairwise conditional gradient</a:t>
-            </a:r>
-          </a:p>
-        </p:txBody>
-      </p:sp>
-      <p:sp>
-        <p:nvSpPr>
-          <p:cNvPr id="11" name="Slide Number Placeholder 10">
-            <a:extLst>
-              <a:ext uri="{FF2B5EF4-FFF2-40B4-BE49-F238E27FC236}">
-                <a16:creationId xmlns:a16="http://schemas.microsoft.com/office/drawing/2014/main" id="{BAD5B6F4-0A90-447A-A1AE-D75C934B6B29}"/>
-              </a:ext>
-            </a:extLst>
-          </p:cNvPr>
-          <p:cNvSpPr>
-            <a:spLocks noGrp="1"/>
-          </p:cNvSpPr>
-          <p:nvPr>
-            <p:ph type="sldNum" sz="quarter" idx="12"/>
-          </p:nvPr>
-        </p:nvSpPr>
-        <p:spPr>
-          <a:xfrm>
-            <a:off x="8610600" y="6356350"/>
-            <a:ext cx="2743200" cy="365125"/>
-          </a:xfrm>
-        </p:spPr>
-        <p:txBody>
-          <a:bodyPr/>
-          <a:lstStyle/>
-          <a:p>
-            <a:fld id="{B5CEABB6-07DC-46E8-9B57-56EC44A396E5}" type="slidenum">
-              <a:rPr lang="en-US" smtClean="0"/>
-              <a:pPr/>
-              <a:t>10</a:t>
-            </a:fld>
-            <a:endParaRPr lang="en-US" dirty="0"/>
-          </a:p>
-        </p:txBody>
-      </p:sp>
-      <p:pic>
-        <p:nvPicPr>
-          <p:cNvPr id="25" name="Picture 24">
-            <a:extLst>
-              <a:ext uri="{FF2B5EF4-FFF2-40B4-BE49-F238E27FC236}">
-                <a16:creationId xmlns:a16="http://schemas.microsoft.com/office/drawing/2014/main" id="{448A4346-1542-9C16-C7E7-C3E88B9C2405}"/>
-              </a:ext>
-            </a:extLst>
-          </p:cNvPr>
-          <p:cNvPicPr>
-            <a:picLocks noChangeAspect="1"/>
-          </p:cNvPicPr>
-          <p:nvPr/>
-        </p:nvPicPr>
-        <p:blipFill>
-          <a:blip r:embed="rId2"/>
-          <a:stretch>
-            <a:fillRect/>
-          </a:stretch>
-        </p:blipFill>
-        <p:spPr>
-          <a:xfrm>
-            <a:off x="2555386" y="1904692"/>
-            <a:ext cx="7081227" cy="4451658"/>
-          </a:xfrm>
-          <a:prstGeom prst="rect">
-            <a:avLst/>
-          </a:prstGeom>
-        </p:spPr>
-      </p:pic>
-    </p:spTree>
-    <p:extLst>
-      <p:ext uri="{BB962C8B-B14F-4D97-AF65-F5344CB8AC3E}">
-        <p14:creationId xmlns:p14="http://schemas.microsoft.com/office/powerpoint/2010/main" val="2006960613"/>
-      </p:ext>
-    </p:extLst>
-  </p:cSld>
-  <p:clrMapOvr>
-    <a:masterClrMapping/>
-  </p:clrMapOvr>
-</p:sld>
-</file>
-
-<file path=ppt/slides/slide11.xml><?xml version="1.0" encoding="utf-8"?>
-<p:sld xmlns:a="http://schemas.openxmlformats.org/drawingml/2006/main" xmlns:r="http://schemas.openxmlformats.org/officeDocument/2006/relationships" xmlns:p="http://schemas.openxmlformats.org/presentationml/2006/main">
-  <p:cSld>
-    <p:spTree>
-      <p:nvGrpSpPr>
-        <p:cNvPr id="1" name=""/>
-        <p:cNvGrpSpPr/>
-        <p:nvPr/>
-      </p:nvGrpSpPr>
-      <p:grpSpPr>
-        <a:xfrm>
-          <a:off x="0" y="0"/>
-          <a:ext cx="0" cy="0"/>
-          <a:chOff x="0" y="0"/>
-          <a:chExt cx="0" cy="0"/>
-        </a:xfrm>
-      </p:grpSpPr>
-      <p:sp>
-        <p:nvSpPr>
-          <p:cNvPr id="2" name="Title 1">
-            <a:extLst>
-              <a:ext uri="{FF2B5EF4-FFF2-40B4-BE49-F238E27FC236}">
-                <a16:creationId xmlns:a16="http://schemas.microsoft.com/office/drawing/2014/main" id="{5CE54ABB-4929-4810-950B-2DAEA0A5BAB4}"/>
-              </a:ext>
-            </a:extLst>
-          </p:cNvPr>
-          <p:cNvSpPr>
-            <a:spLocks noGrp="1"/>
-          </p:cNvSpPr>
-          <p:nvPr>
-            <p:ph type="title"/>
-          </p:nvPr>
-        </p:nvSpPr>
-        <p:spPr>
-          <a:xfrm>
-            <a:off x="1885156" y="767890"/>
-            <a:ext cx="8421688" cy="1325563"/>
-          </a:xfrm>
-        </p:spPr>
-        <p:txBody>
-          <a:bodyPr/>
-          <a:lstStyle/>
-          <a:p>
-            <a:r>
-              <a:rPr lang="en-US" dirty="0"/>
-              <a:t>(1+ epsilon) approximation of </a:t>
-            </a:r>
-            <a:r>
-              <a:rPr lang="en-US" dirty="0" err="1"/>
-              <a:t>meb</a:t>
-            </a:r>
-            <a:endParaRPr lang="en-US" dirty="0"/>
-          </a:p>
-        </p:txBody>
-      </p:sp>
-      <p:sp>
-        <p:nvSpPr>
-          <p:cNvPr id="11" name="Slide Number Placeholder 10">
-            <a:extLst>
-              <a:ext uri="{FF2B5EF4-FFF2-40B4-BE49-F238E27FC236}">
-                <a16:creationId xmlns:a16="http://schemas.microsoft.com/office/drawing/2014/main" id="{BAD5B6F4-0A90-447A-A1AE-D75C934B6B29}"/>
-              </a:ext>
-            </a:extLst>
-          </p:cNvPr>
-          <p:cNvSpPr>
-            <a:spLocks noGrp="1"/>
-          </p:cNvSpPr>
-          <p:nvPr>
-            <p:ph type="sldNum" sz="quarter" idx="12"/>
-          </p:nvPr>
-        </p:nvSpPr>
-        <p:spPr>
-          <a:xfrm>
-            <a:off x="8610600" y="6356350"/>
-            <a:ext cx="2743200" cy="365125"/>
-          </a:xfrm>
-        </p:spPr>
-        <p:txBody>
-          <a:bodyPr/>
-          <a:lstStyle/>
-          <a:p>
-            <a:fld id="{B5CEABB6-07DC-46E8-9B57-56EC44A396E5}" type="slidenum">
-              <a:rPr lang="en-US" smtClean="0"/>
-              <a:pPr/>
-              <a:t>11</a:t>
-            </a:fld>
-            <a:endParaRPr lang="en-US" dirty="0"/>
-          </a:p>
-        </p:txBody>
-      </p:sp>
-      <p:pic>
-        <p:nvPicPr>
-          <p:cNvPr id="25" name="Picture 24">
-            <a:extLst>
-              <a:ext uri="{FF2B5EF4-FFF2-40B4-BE49-F238E27FC236}">
-                <a16:creationId xmlns:a16="http://schemas.microsoft.com/office/drawing/2014/main" id="{E15C0242-FF5E-7963-5E02-D5AACD316688}"/>
-              </a:ext>
-            </a:extLst>
-          </p:cNvPr>
-          <p:cNvPicPr>
-            <a:picLocks noChangeAspect="1"/>
-          </p:cNvPicPr>
-          <p:nvPr/>
-        </p:nvPicPr>
-        <p:blipFill>
-          <a:blip r:embed="rId2"/>
-          <a:stretch>
-            <a:fillRect/>
-          </a:stretch>
-        </p:blipFill>
-        <p:spPr>
-          <a:xfrm>
-            <a:off x="2537876" y="1849581"/>
-            <a:ext cx="7249598" cy="4689331"/>
-          </a:xfrm>
-          <a:prstGeom prst="rect">
-            <a:avLst/>
-          </a:prstGeom>
-        </p:spPr>
-      </p:pic>
-    </p:spTree>
-    <p:extLst>
-      <p:ext uri="{BB962C8B-B14F-4D97-AF65-F5344CB8AC3E}">
-        <p14:creationId xmlns:p14="http://schemas.microsoft.com/office/powerpoint/2010/main" val="3457760519"/>
-      </p:ext>
-    </p:extLst>
-  </p:cSld>
-  <p:clrMapOvr>
-    <a:masterClrMapping/>
-  </p:clrMapOvr>
-</p:sld>
-</file>
-
-<file path=ppt/slides/slide12.xml><?xml version="1.0" encoding="utf-8"?>
-<p:sld xmlns:a="http://schemas.openxmlformats.org/drawingml/2006/main" xmlns:r="http://schemas.openxmlformats.org/officeDocument/2006/relationships" xmlns:p="http://schemas.openxmlformats.org/presentationml/2006/main">
-  <p:cSld>
-    <p:spTree>
-      <p:nvGrpSpPr>
-        <p:cNvPr id="1" name=""/>
-        <p:cNvGrpSpPr/>
-        <p:nvPr/>
-      </p:nvGrpSpPr>
-      <p:grpSpPr>
-        <a:xfrm>
-          <a:off x="0" y="0"/>
-          <a:ext cx="0" cy="0"/>
-          <a:chOff x="0" y="0"/>
-          <a:chExt cx="0" cy="0"/>
-        </a:xfrm>
-      </p:grpSpPr>
-      <p:sp>
-        <p:nvSpPr>
-          <p:cNvPr id="2" name="Title 1">
-            <a:extLst>
-              <a:ext uri="{FF2B5EF4-FFF2-40B4-BE49-F238E27FC236}">
                 <a16:creationId xmlns:a16="http://schemas.microsoft.com/office/drawing/2014/main" id="{67708C79-A4AC-4B5D-92DF-600737E4D11A}"/>
               </a:ext>
             </a:extLst>
@@ -16467,7 +16204,7 @@
             <a:fld id="{B5CEABB6-07DC-46E8-9B57-56EC44A396E5}" type="slidenum">
               <a:rPr lang="en-US" smtClean="0"/>
               <a:pPr/>
-              <a:t>12</a:t>
+              <a:t>10</a:t>
             </a:fld>
             <a:endParaRPr lang="en-US" dirty="0"/>
           </a:p>
@@ -16486,7 +16223,7 @@
 </p:sld>
 </file>
 
-<file path=ppt/slides/slide13.xml><?xml version="1.0" encoding="utf-8"?>
+<file path=ppt/slides/slide11.xml><?xml version="1.0" encoding="utf-8"?>
 <p:sld xmlns:a="http://schemas.openxmlformats.org/drawingml/2006/main" xmlns:r="http://schemas.openxmlformats.org/officeDocument/2006/relationships" xmlns:p="http://schemas.openxmlformats.org/presentationml/2006/main">
   <p:cSld>
     <p:spTree>
@@ -16608,7 +16345,7 @@
             <a:fld id="{B5CEABB6-07DC-46E8-9B57-56EC44A396E5}" type="slidenum">
               <a:rPr lang="en-US" smtClean="0"/>
               <a:pPr/>
-              <a:t>13</a:t>
+              <a:t>11</a:t>
             </a:fld>
             <a:endParaRPr lang="en-US" dirty="0"/>
           </a:p>
@@ -17383,7 +17120,7 @@
 </p:sld>
 </file>
 
-<file path=ppt/slides/slide14.xml><?xml version="1.0" encoding="utf-8"?>
+<file path=ppt/slides/slide12.xml><?xml version="1.0" encoding="utf-8"?>
 <p:sld xmlns:a="http://schemas.openxmlformats.org/drawingml/2006/main" xmlns:r="http://schemas.openxmlformats.org/officeDocument/2006/relationships" xmlns:p="http://schemas.openxmlformats.org/presentationml/2006/main">
   <p:cSld>
     <p:spTree>
@@ -17471,7 +17208,7 @@
             <a:fld id="{B5CEABB6-07DC-46E8-9B57-56EC44A396E5}" type="slidenum">
               <a:rPr lang="en-US" smtClean="0"/>
               <a:pPr/>
-              <a:t>14</a:t>
+              <a:t>12</a:t>
             </a:fld>
             <a:endParaRPr lang="en-US" dirty="0"/>
           </a:p>
@@ -19616,7 +19353,7 @@
 </p:sld>
 </file>
 
-<file path=ppt/slides/slide15.xml><?xml version="1.0" encoding="utf-8"?>
+<file path=ppt/slides/slide13.xml><?xml version="1.0" encoding="utf-8"?>
 <p:sld xmlns:a="http://schemas.openxmlformats.org/drawingml/2006/main" xmlns:r="http://schemas.openxmlformats.org/officeDocument/2006/relationships" xmlns:p="http://schemas.openxmlformats.org/presentationml/2006/main">
   <p:cSld>
     <p:spTree>
@@ -19703,7 +19440,7 @@
             <a:fld id="{B5CEABB6-07DC-46E8-9B57-56EC44A396E5}" type="slidenum">
               <a:rPr lang="en-US" smtClean="0"/>
               <a:pPr/>
-              <a:t>15</a:t>
+              <a:t>13</a:t>
             </a:fld>
             <a:endParaRPr lang="en-US" dirty="0"/>
           </a:p>
@@ -20191,7 +19928,7 @@
 </p:sld>
 </file>
 
-<file path=ppt/slides/slide16.xml><?xml version="1.0" encoding="utf-8"?>
+<file path=ppt/slides/slide14.xml><?xml version="1.0" encoding="utf-8"?>
 <p:sld xmlns:a="http://schemas.openxmlformats.org/drawingml/2006/main" xmlns:r="http://schemas.openxmlformats.org/officeDocument/2006/relationships" xmlns:p="http://schemas.openxmlformats.org/presentationml/2006/main">
   <p:cSld>
     <p:spTree>
@@ -20279,7 +20016,7 @@
             <a:fld id="{B5CEABB6-07DC-46E8-9B57-56EC44A396E5}" type="slidenum">
               <a:rPr lang="en-US" smtClean="0"/>
               <a:pPr/>
-              <a:t>16</a:t>
+              <a:t>14</a:t>
             </a:fld>
             <a:endParaRPr lang="en-US" dirty="0"/>
           </a:p>
@@ -20301,7 +20038,7 @@
             <p:ph sz="quarter" idx="16"/>
             <p:extLst>
               <p:ext uri="{D42A27DB-BD31-4B8C-83A1-F6EECF244321}">
-                <p14:modId xmlns:p14="http://schemas.microsoft.com/office/powerpoint/2010/main" val="3925204324"/>
+                <p14:modId xmlns:p14="http://schemas.microsoft.com/office/powerpoint/2010/main" val="1941156118"/>
               </p:ext>
             </p:extLst>
           </p:nvPr>
@@ -20418,7 +20155,7 @@
                       <a:r>
                         <a:rPr lang="en-US" sz="1200" b="1" i="0" u="none" strike="noStrike" dirty="0">
                           <a:solidFill>
-                            <a:srgbClr val="FF0000"/>
+                            <a:srgbClr val="00B0F0"/>
                           </a:solidFill>
                           <a:effectLst/>
                           <a:latin typeface="+mn-lt"/>
@@ -20591,7 +20328,7 @@
                       <a:r>
                         <a:rPr lang="en-US" sz="1200" b="1" i="0" u="none" strike="noStrike" dirty="0">
                           <a:solidFill>
-                            <a:srgbClr val="00B0F0"/>
+                            <a:srgbClr val="FF0000"/>
                           </a:solidFill>
                           <a:effectLst/>
                           <a:latin typeface="+mn-lt"/>
@@ -22465,7 +22202,7 @@
 </p:sld>
 </file>
 
-<file path=ppt/slides/slide17.xml><?xml version="1.0" encoding="utf-8"?>
+<file path=ppt/slides/slide15.xml><?xml version="1.0" encoding="utf-8"?>
 <p:sld xmlns:a="http://schemas.openxmlformats.org/drawingml/2006/main" xmlns:r="http://schemas.openxmlformats.org/officeDocument/2006/relationships" xmlns:p="http://schemas.openxmlformats.org/presentationml/2006/main">
   <p:cSld>
     <p:spTree>
@@ -22552,7 +22289,7 @@
             <a:fld id="{B5CEABB6-07DC-46E8-9B57-56EC44A396E5}" type="slidenum">
               <a:rPr lang="en-US" smtClean="0"/>
               <a:pPr/>
-              <a:t>17</a:t>
+              <a:t>15</a:t>
             </a:fld>
             <a:endParaRPr lang="en-US" dirty="0"/>
           </a:p>
@@ -22843,7 +22580,7 @@
 </p:sld>
 </file>
 
-<file path=ppt/slides/slide18.xml><?xml version="1.0" encoding="utf-8"?>
+<file path=ppt/slides/slide16.xml><?xml version="1.0" encoding="utf-8"?>
 <p:sld xmlns:a="http://schemas.openxmlformats.org/drawingml/2006/main" xmlns:r="http://schemas.openxmlformats.org/officeDocument/2006/relationships" xmlns:p="http://schemas.openxmlformats.org/presentationml/2006/main">
   <p:cSld>
     <p:spTree>
@@ -22930,7 +22667,7 @@
             <a:fld id="{B5CEABB6-07DC-46E8-9B57-56EC44A396E5}" type="slidenum">
               <a:rPr lang="en-US" smtClean="0"/>
               <a:pPr/>
-              <a:t>18</a:t>
+              <a:t>16</a:t>
             </a:fld>
             <a:endParaRPr lang="en-US" dirty="0"/>
           </a:p>
@@ -23212,7 +22949,7 @@
 </p:sld>
 </file>
 
-<file path=ppt/slides/slide19.xml><?xml version="1.0" encoding="utf-8"?>
+<file path=ppt/slides/slide17.xml><?xml version="1.0" encoding="utf-8"?>
 <p:sld xmlns:a="http://schemas.openxmlformats.org/drawingml/2006/main" xmlns:r="http://schemas.openxmlformats.org/officeDocument/2006/relationships" xmlns:p="http://schemas.openxmlformats.org/presentationml/2006/main">
   <p:cSld>
     <p:spTree>
@@ -23300,7 +23037,7 @@
             <a:fld id="{B5CEABB6-07DC-46E8-9B57-56EC44A396E5}" type="slidenum">
               <a:rPr lang="en-US" smtClean="0"/>
               <a:pPr/>
-              <a:t>19</a:t>
+              <a:t>17</a:t>
             </a:fld>
             <a:endParaRPr lang="en-US" dirty="0"/>
           </a:p>
@@ -30087,208 +29824,7 @@
 </p:sld>
 </file>
 
-<file path=ppt/slides/slide2.xml><?xml version="1.0" encoding="utf-8"?>
-<p:sld xmlns:a="http://schemas.openxmlformats.org/drawingml/2006/main" xmlns:r="http://schemas.openxmlformats.org/officeDocument/2006/relationships" xmlns:p="http://schemas.openxmlformats.org/presentationml/2006/main">
-  <p:cSld>
-    <p:spTree>
-      <p:nvGrpSpPr>
-        <p:cNvPr id="1" name=""/>
-        <p:cNvGrpSpPr/>
-        <p:nvPr/>
-      </p:nvGrpSpPr>
-      <p:grpSpPr>
-        <a:xfrm>
-          <a:off x="0" y="0"/>
-          <a:ext cx="0" cy="0"/>
-          <a:chOff x="0" y="0"/>
-          <a:chExt cx="0" cy="0"/>
-        </a:xfrm>
-      </p:grpSpPr>
-      <p:sp>
-        <p:nvSpPr>
-          <p:cNvPr id="2" name="Title 1">
-            <a:extLst>
-              <a:ext uri="{FF2B5EF4-FFF2-40B4-BE49-F238E27FC236}">
-                <a16:creationId xmlns:a16="http://schemas.microsoft.com/office/drawing/2014/main" id="{6719F29B-F233-48AF-8261-F33A4E079E3E}"/>
-              </a:ext>
-              <a:ext uri="{C183D7F6-B498-43B3-948B-1728B52AA6E4}">
-                <adec:decorative xmlns:adec="http://schemas.microsoft.com/office/drawing/2017/decorative" val="0"/>
-              </a:ext>
-            </a:extLst>
-          </p:cNvPr>
-          <p:cNvSpPr>
-            <a:spLocks noGrp="1"/>
-          </p:cNvSpPr>
-          <p:nvPr>
-            <p:ph type="title"/>
-          </p:nvPr>
-        </p:nvSpPr>
-        <p:spPr>
-          <a:xfrm>
-            <a:off x="1333499" y="1438183"/>
-            <a:ext cx="3171825" cy="579352"/>
-          </a:xfrm>
-        </p:spPr>
-        <p:txBody>
-          <a:bodyPr>
-            <a:normAutofit/>
-          </a:bodyPr>
-          <a:lstStyle/>
-          <a:p>
-            <a:r>
-              <a:rPr lang="en-US" dirty="0"/>
-              <a:t>introduction</a:t>
-            </a:r>
-          </a:p>
-        </p:txBody>
-      </p:sp>
-      <p:sp>
-        <p:nvSpPr>
-          <p:cNvPr id="3" name="Subtitle 2">
-            <a:extLst>
-              <a:ext uri="{FF2B5EF4-FFF2-40B4-BE49-F238E27FC236}">
-                <a16:creationId xmlns:a16="http://schemas.microsoft.com/office/drawing/2014/main" id="{35E3EA69-4E0E-41BD-8095-A124225A2647}"/>
-              </a:ext>
-              <a:ext uri="{C183D7F6-B498-43B3-948B-1728B52AA6E4}">
-                <adec:decorative xmlns:adec="http://schemas.microsoft.com/office/drawing/2017/decorative" val="0"/>
-              </a:ext>
-            </a:extLst>
-          </p:cNvPr>
-          <p:cNvSpPr>
-            <a:spLocks noGrp="1"/>
-          </p:cNvSpPr>
-          <p:nvPr>
-            <p:ph idx="1"/>
-          </p:nvPr>
-        </p:nvSpPr>
-        <p:spPr>
-          <a:xfrm>
-            <a:off x="1333499" y="2232735"/>
-            <a:ext cx="3939837" cy="3187082"/>
-          </a:xfrm>
-        </p:spPr>
-        <p:txBody>
-          <a:bodyPr>
-            <a:normAutofit lnSpcReduction="10000"/>
-          </a:bodyPr>
-          <a:lstStyle/>
-          <a:p>
-            <a:pPr marL="0" marR="0" algn="just">
-              <a:lnSpc>
-                <a:spcPct val="107000"/>
-              </a:lnSpc>
-              <a:spcBef>
-                <a:spcPts val="0"/>
-              </a:spcBef>
-              <a:spcAft>
-                <a:spcPts val="800"/>
-              </a:spcAft>
-            </a:pPr>
-            <a:r>
-              <a:rPr lang="en-US" sz="1200" dirty="0">
-                <a:effectLst/>
-                <a:latin typeface="+mj-lt"/>
-                <a:ea typeface="Calibri" panose="020F0502020204030204" pitchFamily="34" charset="0"/>
-                <a:cs typeface="Times New Roman" panose="02020603050405020304" pitchFamily="18" charset="0"/>
-              </a:rPr>
-              <a:t>Minimum enclosing balls (MEBs) provide a very versatile data representation for a wide range of learning and analysis tasks. Use cases include accelerated training of support vector machines or other classifiers, analysis of data streams, and the use case that is the topic of our project - anomaly detection. </a:t>
-            </a:r>
-          </a:p>
-          <a:p>
-            <a:pPr marL="0" marR="0" algn="just">
-              <a:lnSpc>
-                <a:spcPct val="107000"/>
-              </a:lnSpc>
-              <a:spcBef>
-                <a:spcPts val="0"/>
-              </a:spcBef>
-              <a:spcAft>
-                <a:spcPts val="800"/>
-              </a:spcAft>
-            </a:pPr>
-            <a:r>
-              <a:rPr lang="en-US" sz="1200" dirty="0">
-                <a:effectLst/>
-                <a:latin typeface="+mj-lt"/>
-                <a:ea typeface="Calibri" panose="020F0502020204030204" pitchFamily="34" charset="0"/>
-                <a:cs typeface="Times New Roman" panose="02020603050405020304" pitchFamily="18" charset="0"/>
-              </a:rPr>
-              <a:t>While there exists a whole spectrum of algorithms for estimating the MEB of a given data set, a particularly general approach is to formalize the problem in terms of constrained quadratic optimization and we, too, will adhere to this strategy. </a:t>
-            </a:r>
-          </a:p>
-          <a:p>
-            <a:pPr marL="0" marR="0" algn="just">
-              <a:lnSpc>
-                <a:spcPct val="107000"/>
-              </a:lnSpc>
-              <a:spcBef>
-                <a:spcPts val="0"/>
-              </a:spcBef>
-              <a:spcAft>
-                <a:spcPts val="800"/>
-              </a:spcAft>
-            </a:pPr>
-            <a:r>
-              <a:rPr lang="en-US" sz="1200" dirty="0">
-                <a:effectLst/>
-                <a:latin typeface="+mj-lt"/>
-                <a:ea typeface="Calibri" panose="020F0502020204030204" pitchFamily="34" charset="0"/>
-                <a:cs typeface="Times New Roman" panose="02020603050405020304" pitchFamily="18" charset="0"/>
-              </a:rPr>
-              <a:t>We will adapt three algorithms with the goal of solving MEB problem and we will test them on artificial and real-world datasets for detecting anomalies. Finally, we will compare our results.</a:t>
-            </a:r>
-          </a:p>
-        </p:txBody>
-      </p:sp>
-      <p:sp>
-        <p:nvSpPr>
-          <p:cNvPr id="4" name="Slide Number Placeholder 3">
-            <a:extLst>
-              <a:ext uri="{FF2B5EF4-FFF2-40B4-BE49-F238E27FC236}">
-                <a16:creationId xmlns:a16="http://schemas.microsoft.com/office/drawing/2014/main" id="{328F602C-7F98-4C02-99D4-ED65E00D66A4}"/>
-              </a:ext>
-            </a:extLst>
-          </p:cNvPr>
-          <p:cNvSpPr>
-            <a:spLocks noGrp="1"/>
-          </p:cNvSpPr>
-          <p:nvPr>
-            <p:ph type="sldNum" sz="quarter" idx="12"/>
-          </p:nvPr>
-        </p:nvSpPr>
-        <p:spPr>
-          <a:xfrm>
-            <a:off x="5536305" y="6356350"/>
-            <a:ext cx="987552" cy="365125"/>
-          </a:xfrm>
-        </p:spPr>
-        <p:txBody>
-          <a:bodyPr/>
-          <a:lstStyle/>
-          <a:p>
-            <a:fld id="{19B51A1E-902D-48AF-9020-955120F399B6}" type="slidenum">
-              <a:rPr lang="en-US" smtClean="0"/>
-              <a:pPr/>
-              <a:t>2</a:t>
-            </a:fld>
-            <a:endParaRPr lang="en-US" dirty="0"/>
-          </a:p>
-        </p:txBody>
-      </p:sp>
-    </p:spTree>
-    <p:extLst>
-      <p:ext uri="{BB962C8B-B14F-4D97-AF65-F5344CB8AC3E}">
-        <p14:creationId xmlns:p14="http://schemas.microsoft.com/office/powerpoint/2010/main" val="2243494996"/>
-      </p:ext>
-    </p:extLst>
-  </p:cSld>
-  <p:clrMapOvr>
-    <a:masterClrMapping/>
-  </p:clrMapOvr>
-</p:sld>
-</file>
-
-<file path=ppt/slides/slide20.xml><?xml version="1.0" encoding="utf-8"?>
+<file path=ppt/slides/slide18.xml><?xml version="1.0" encoding="utf-8"?>
 <p:sld xmlns:a="http://schemas.openxmlformats.org/drawingml/2006/main" xmlns:r="http://schemas.openxmlformats.org/officeDocument/2006/relationships" xmlns:p="http://schemas.openxmlformats.org/presentationml/2006/main">
   <p:cSld>
     <p:spTree>
@@ -30375,7 +29911,7 @@
             <a:fld id="{B5CEABB6-07DC-46E8-9B57-56EC44A396E5}" type="slidenum">
               <a:rPr lang="en-US" smtClean="0"/>
               <a:pPr/>
-              <a:t>20</a:t>
+              <a:t>18</a:t>
             </a:fld>
             <a:endParaRPr lang="en-US" dirty="0"/>
           </a:p>
@@ -30863,7 +30399,7 @@
 </p:sld>
 </file>
 
-<file path=ppt/slides/slide21.xml><?xml version="1.0" encoding="utf-8"?>
+<file path=ppt/slides/slide19.xml><?xml version="1.0" encoding="utf-8"?>
 <p:sld xmlns:a="http://schemas.openxmlformats.org/drawingml/2006/main" xmlns:r="http://schemas.openxmlformats.org/officeDocument/2006/relationships" xmlns:p="http://schemas.openxmlformats.org/presentationml/2006/main">
   <p:cSld>
     <p:spTree>
@@ -30950,7 +30486,7 @@
             <a:fld id="{B5CEABB6-07DC-46E8-9B57-56EC44A396E5}" type="slidenum">
               <a:rPr lang="en-US" smtClean="0"/>
               <a:pPr/>
-              <a:t>21</a:t>
+              <a:t>19</a:t>
             </a:fld>
             <a:endParaRPr lang="en-US" dirty="0"/>
           </a:p>
@@ -31388,7 +30924,208 @@
 </p:sld>
 </file>
 
-<file path=ppt/slides/slide22.xml><?xml version="1.0" encoding="utf-8"?>
+<file path=ppt/slides/slide2.xml><?xml version="1.0" encoding="utf-8"?>
+<p:sld xmlns:a="http://schemas.openxmlformats.org/drawingml/2006/main" xmlns:r="http://schemas.openxmlformats.org/officeDocument/2006/relationships" xmlns:p="http://schemas.openxmlformats.org/presentationml/2006/main">
+  <p:cSld>
+    <p:spTree>
+      <p:nvGrpSpPr>
+        <p:cNvPr id="1" name=""/>
+        <p:cNvGrpSpPr/>
+        <p:nvPr/>
+      </p:nvGrpSpPr>
+      <p:grpSpPr>
+        <a:xfrm>
+          <a:off x="0" y="0"/>
+          <a:ext cx="0" cy="0"/>
+          <a:chOff x="0" y="0"/>
+          <a:chExt cx="0" cy="0"/>
+        </a:xfrm>
+      </p:grpSpPr>
+      <p:sp>
+        <p:nvSpPr>
+          <p:cNvPr id="2" name="Title 1">
+            <a:extLst>
+              <a:ext uri="{FF2B5EF4-FFF2-40B4-BE49-F238E27FC236}">
+                <a16:creationId xmlns:a16="http://schemas.microsoft.com/office/drawing/2014/main" id="{6719F29B-F233-48AF-8261-F33A4E079E3E}"/>
+              </a:ext>
+              <a:ext uri="{C183D7F6-B498-43B3-948B-1728B52AA6E4}">
+                <adec:decorative xmlns:adec="http://schemas.microsoft.com/office/drawing/2017/decorative" val="0"/>
+              </a:ext>
+            </a:extLst>
+          </p:cNvPr>
+          <p:cNvSpPr>
+            <a:spLocks noGrp="1"/>
+          </p:cNvSpPr>
+          <p:nvPr>
+            <p:ph type="title"/>
+          </p:nvPr>
+        </p:nvSpPr>
+        <p:spPr>
+          <a:xfrm>
+            <a:off x="1333499" y="1438183"/>
+            <a:ext cx="3171825" cy="579352"/>
+          </a:xfrm>
+        </p:spPr>
+        <p:txBody>
+          <a:bodyPr>
+            <a:normAutofit/>
+          </a:bodyPr>
+          <a:lstStyle/>
+          <a:p>
+            <a:r>
+              <a:rPr lang="en-US" dirty="0"/>
+              <a:t>introduction</a:t>
+            </a:r>
+          </a:p>
+        </p:txBody>
+      </p:sp>
+      <p:sp>
+        <p:nvSpPr>
+          <p:cNvPr id="3" name="Subtitle 2">
+            <a:extLst>
+              <a:ext uri="{FF2B5EF4-FFF2-40B4-BE49-F238E27FC236}">
+                <a16:creationId xmlns:a16="http://schemas.microsoft.com/office/drawing/2014/main" id="{35E3EA69-4E0E-41BD-8095-A124225A2647}"/>
+              </a:ext>
+              <a:ext uri="{C183D7F6-B498-43B3-948B-1728B52AA6E4}">
+                <adec:decorative xmlns:adec="http://schemas.microsoft.com/office/drawing/2017/decorative" val="0"/>
+              </a:ext>
+            </a:extLst>
+          </p:cNvPr>
+          <p:cNvSpPr>
+            <a:spLocks noGrp="1"/>
+          </p:cNvSpPr>
+          <p:nvPr>
+            <p:ph idx="1"/>
+          </p:nvPr>
+        </p:nvSpPr>
+        <p:spPr>
+          <a:xfrm>
+            <a:off x="1333499" y="2232735"/>
+            <a:ext cx="3939837" cy="3187082"/>
+          </a:xfrm>
+        </p:spPr>
+        <p:txBody>
+          <a:bodyPr>
+            <a:normAutofit lnSpcReduction="10000"/>
+          </a:bodyPr>
+          <a:lstStyle/>
+          <a:p>
+            <a:pPr marL="0" marR="0" algn="just">
+              <a:lnSpc>
+                <a:spcPct val="107000"/>
+              </a:lnSpc>
+              <a:spcBef>
+                <a:spcPts val="0"/>
+              </a:spcBef>
+              <a:spcAft>
+                <a:spcPts val="800"/>
+              </a:spcAft>
+            </a:pPr>
+            <a:r>
+              <a:rPr lang="en-US" sz="1200" dirty="0">
+                <a:effectLst/>
+                <a:latin typeface="+mj-lt"/>
+                <a:ea typeface="Calibri" panose="020F0502020204030204" pitchFamily="34" charset="0"/>
+                <a:cs typeface="Times New Roman" panose="02020603050405020304" pitchFamily="18" charset="0"/>
+              </a:rPr>
+              <a:t>Minimum enclosing balls (MEBs) provide a very versatile data representation for a wide range of learning and analysis tasks. Use cases include accelerated training of support vector machines or other classifiers, analysis of data streams, and the use case that is the topic of our project - anomaly detection. </a:t>
+            </a:r>
+          </a:p>
+          <a:p>
+            <a:pPr marL="0" marR="0" algn="just">
+              <a:lnSpc>
+                <a:spcPct val="107000"/>
+              </a:lnSpc>
+              <a:spcBef>
+                <a:spcPts val="0"/>
+              </a:spcBef>
+              <a:spcAft>
+                <a:spcPts val="800"/>
+              </a:spcAft>
+            </a:pPr>
+            <a:r>
+              <a:rPr lang="en-US" sz="1200" dirty="0">
+                <a:effectLst/>
+                <a:latin typeface="+mj-lt"/>
+                <a:ea typeface="Calibri" panose="020F0502020204030204" pitchFamily="34" charset="0"/>
+                <a:cs typeface="Times New Roman" panose="02020603050405020304" pitchFamily="18" charset="0"/>
+              </a:rPr>
+              <a:t>While there exists a whole spectrum of algorithms for estimating the MEB of a given data set, a particularly general approach is to formalize the problem in terms of constrained quadratic optimization and we, too, will adhere to this strategy. </a:t>
+            </a:r>
+          </a:p>
+          <a:p>
+            <a:pPr marL="0" marR="0" algn="just">
+              <a:lnSpc>
+                <a:spcPct val="107000"/>
+              </a:lnSpc>
+              <a:spcBef>
+                <a:spcPts val="0"/>
+              </a:spcBef>
+              <a:spcAft>
+                <a:spcPts val="800"/>
+              </a:spcAft>
+            </a:pPr>
+            <a:r>
+              <a:rPr lang="en-US" sz="1200" dirty="0">
+                <a:effectLst/>
+                <a:latin typeface="+mj-lt"/>
+                <a:ea typeface="Calibri" panose="020F0502020204030204" pitchFamily="34" charset="0"/>
+                <a:cs typeface="Times New Roman" panose="02020603050405020304" pitchFamily="18" charset="0"/>
+              </a:rPr>
+              <a:t>We will adapt three algorithms with the goal of solving MEB problem and we will test them on artificial and real-world datasets for detecting anomalies. Finally, we will compare our results.</a:t>
+            </a:r>
+          </a:p>
+        </p:txBody>
+      </p:sp>
+      <p:sp>
+        <p:nvSpPr>
+          <p:cNvPr id="4" name="Slide Number Placeholder 3">
+            <a:extLst>
+              <a:ext uri="{FF2B5EF4-FFF2-40B4-BE49-F238E27FC236}">
+                <a16:creationId xmlns:a16="http://schemas.microsoft.com/office/drawing/2014/main" id="{328F602C-7F98-4C02-99D4-ED65E00D66A4}"/>
+              </a:ext>
+            </a:extLst>
+          </p:cNvPr>
+          <p:cNvSpPr>
+            <a:spLocks noGrp="1"/>
+          </p:cNvSpPr>
+          <p:nvPr>
+            <p:ph type="sldNum" sz="quarter" idx="12"/>
+          </p:nvPr>
+        </p:nvSpPr>
+        <p:spPr>
+          <a:xfrm>
+            <a:off x="5536305" y="6356350"/>
+            <a:ext cx="987552" cy="365125"/>
+          </a:xfrm>
+        </p:spPr>
+        <p:txBody>
+          <a:bodyPr/>
+          <a:lstStyle/>
+          <a:p>
+            <a:fld id="{19B51A1E-902D-48AF-9020-955120F399B6}" type="slidenum">
+              <a:rPr lang="en-US" smtClean="0"/>
+              <a:pPr/>
+              <a:t>2</a:t>
+            </a:fld>
+            <a:endParaRPr lang="en-US" dirty="0"/>
+          </a:p>
+        </p:txBody>
+      </p:sp>
+    </p:spTree>
+    <p:extLst>
+      <p:ext uri="{BB962C8B-B14F-4D97-AF65-F5344CB8AC3E}">
+        <p14:creationId xmlns:p14="http://schemas.microsoft.com/office/powerpoint/2010/main" val="2243494996"/>
+      </p:ext>
+    </p:extLst>
+  </p:cSld>
+  <p:clrMapOvr>
+    <a:masterClrMapping/>
+  </p:clrMapOvr>
+</p:sld>
+</file>
+
+<file path=ppt/slides/slide20.xml><?xml version="1.0" encoding="utf-8"?>
 <p:sld xmlns:a="http://schemas.openxmlformats.org/drawingml/2006/main" xmlns:r="http://schemas.openxmlformats.org/officeDocument/2006/relationships" xmlns:p="http://schemas.openxmlformats.org/presentationml/2006/main">
   <p:cSld>
     <p:spTree>
@@ -31476,7 +31213,7 @@
             <a:fld id="{B5CEABB6-07DC-46E8-9B57-56EC44A396E5}" type="slidenum">
               <a:rPr lang="en-US" smtClean="0"/>
               <a:pPr/>
-              <a:t>22</a:t>
+              <a:t>20</a:t>
             </a:fld>
             <a:endParaRPr lang="en-US" dirty="0"/>
           </a:p>
@@ -38263,7 +38000,7 @@
 </p:sld>
 </file>
 
-<file path=ppt/slides/slide23.xml><?xml version="1.0" encoding="utf-8"?>
+<file path=ppt/slides/slide21.xml><?xml version="1.0" encoding="utf-8"?>
 <p:sld xmlns:a="http://schemas.openxmlformats.org/drawingml/2006/main" xmlns:r="http://schemas.openxmlformats.org/officeDocument/2006/relationships" xmlns:p="http://schemas.openxmlformats.org/presentationml/2006/main">
   <p:cSld>
     <p:spTree>
@@ -38350,7 +38087,7 @@
             <a:fld id="{B5CEABB6-07DC-46E8-9B57-56EC44A396E5}" type="slidenum">
               <a:rPr lang="en-US" smtClean="0"/>
               <a:pPr/>
-              <a:t>23</a:t>
+              <a:t>21</a:t>
             </a:fld>
             <a:endParaRPr lang="en-US" dirty="0"/>
           </a:p>
@@ -38838,7 +38575,7 @@
 </p:sld>
 </file>
 
-<file path=ppt/slides/slide24.xml><?xml version="1.0" encoding="utf-8"?>
+<file path=ppt/slides/slide22.xml><?xml version="1.0" encoding="utf-8"?>
 <p:sld xmlns:a="http://schemas.openxmlformats.org/drawingml/2006/main" xmlns:r="http://schemas.openxmlformats.org/officeDocument/2006/relationships" xmlns:p="http://schemas.openxmlformats.org/presentationml/2006/main">
   <p:cSld>
     <p:spTree>
@@ -38983,7 +38720,7 @@
             <a:fld id="{B5CEABB6-07DC-46E8-9B57-56EC44A396E5}" type="slidenum">
               <a:rPr lang="en-US" smtClean="0"/>
               <a:pPr/>
-              <a:t>24</a:t>
+              <a:t>22</a:t>
             </a:fld>
             <a:endParaRPr lang="en-US" dirty="0"/>
           </a:p>
@@ -39002,7 +38739,7 @@
 </p:sld>
 </file>
 
-<file path=ppt/slides/slide25.xml><?xml version="1.0" encoding="utf-8"?>
+<file path=ppt/slides/slide23.xml><?xml version="1.0" encoding="utf-8"?>
 <p:sld xmlns:a="http://schemas.openxmlformats.org/drawingml/2006/main" xmlns:r="http://schemas.openxmlformats.org/officeDocument/2006/relationships" xmlns:p="http://schemas.openxmlformats.org/presentationml/2006/main">
   <p:cSld>
     <p:spTree>
@@ -39127,7 +38864,7 @@
             <a:fld id="{B5CEABB6-07DC-46E8-9B57-56EC44A396E5}" type="slidenum">
               <a:rPr lang="en-US" smtClean="0"/>
               <a:pPr/>
-              <a:t>25</a:t>
+              <a:t>23</a:t>
             </a:fld>
             <a:endParaRPr lang="en-US" dirty="0"/>
           </a:p>
@@ -39269,8 +39006,8 @@
           </a:prstGeom>
         </p:spPr>
       </p:pic>
-      <mc:AlternateContent xmlns:mc="http://schemas.openxmlformats.org/markup-compatibility/2006" xmlns:a14="http://schemas.microsoft.com/office/drawing/2010/main">
-        <mc:Choice Requires="a14">
+      <mc:AlternateContent xmlns:mc="http://schemas.openxmlformats.org/markup-compatibility/2006">
+        <mc:Choice xmlns:a14="http://schemas.microsoft.com/office/drawing/2010/main" Requires="a14">
           <p:sp>
             <p:nvSpPr>
               <p:cNvPr id="27" name="TextBox 26">
@@ -39286,7 +39023,7 @@
             <p:spPr>
               <a:xfrm>
                 <a:off x="3784932" y="1372885"/>
-                <a:ext cx="4693242" cy="1569660"/>
+                <a:ext cx="4693242" cy="2000548"/>
               </a:xfrm>
               <a:prstGeom prst="rect">
                 <a:avLst/>
@@ -39339,6 +39076,14 @@
                 </a:r>
               </a:p>
               <a:p>
+                <a:endParaRPr lang="en-US" sz="1600" b="0" i="0" u="none" strike="noStrike" baseline="0" dirty="0">
+                  <a:solidFill>
+                    <a:srgbClr val="000000"/>
+                  </a:solidFill>
+                  <a:latin typeface="Arial" panose="020B0604020202020204" pitchFamily="34" charset="0"/>
+                </a:endParaRPr>
+              </a:p>
+              <a:p>
                 <a:r>
                   <a:rPr lang="en-US" sz="1200" b="0" i="0" u="none" strike="noStrike" baseline="0" dirty="0">
                     <a:solidFill>
@@ -39366,6 +39111,14 @@
                   </a:rPr>
                   <a:t>: </a:t>
                 </a:r>
+              </a:p>
+              <a:p>
+                <a:endParaRPr lang="en-US" sz="1200" b="0" i="0" u="none" strike="noStrike" baseline="0" dirty="0">
+                  <a:solidFill>
+                    <a:srgbClr val="000000"/>
+                  </a:solidFill>
+                  <a:latin typeface="Arial" panose="020B0604020202020204" pitchFamily="34" charset="0"/>
+                </a:endParaRPr>
               </a:p>
               <a:p>
                 <a:r>
@@ -39524,7 +39277,7 @@
             </p:txBody>
           </p:sp>
         </mc:Choice>
-        <mc:Fallback xmlns="">
+        <mc:Fallback>
           <p:sp>
             <p:nvSpPr>
               <p:cNvPr id="27" name="TextBox 26">
@@ -39542,7 +39295,7 @@
             <p:spPr>
               <a:xfrm>
                 <a:off x="3784932" y="1372885"/>
-                <a:ext cx="4693242" cy="1569660"/>
+                <a:ext cx="4693242" cy="2000548"/>
               </a:xfrm>
               <a:prstGeom prst="rect">
                 <a:avLst/>
@@ -39550,7 +39303,7 @@
               <a:blipFill>
                 <a:blip r:embed="rId3"/>
                 <a:stretch>
-                  <a:fillRect l="-779" t="-388" r="-1169" b="-1550"/>
+                  <a:fillRect l="-779" t="-305" r="-1169" b="-1220"/>
                 </a:stretch>
               </a:blipFill>
             </p:spPr>
@@ -39591,7 +39344,7 @@
         </p:blipFill>
         <p:spPr>
           <a:xfrm>
-            <a:off x="3784932" y="2942545"/>
+            <a:off x="3784932" y="3356229"/>
             <a:ext cx="4551848" cy="456097"/>
           </a:xfrm>
           <a:prstGeom prst="rect">
@@ -39621,7 +39374,7 @@
         </p:blipFill>
         <p:spPr>
           <a:xfrm>
-            <a:off x="3755441" y="3398641"/>
+            <a:off x="4149615" y="3975763"/>
             <a:ext cx="6480512" cy="730373"/>
           </a:xfrm>
           <a:prstGeom prst="rect">
@@ -39629,6 +39382,58 @@
           </a:prstGeom>
         </p:spPr>
       </p:pic>
+      <p:sp>
+        <p:nvSpPr>
+          <p:cNvPr id="3" name="Rectangle 2">
+            <a:extLst>
+              <a:ext uri="{FF2B5EF4-FFF2-40B4-BE49-F238E27FC236}">
+                <a16:creationId xmlns:a16="http://schemas.microsoft.com/office/drawing/2014/main" id="{B2DB2664-6386-D120-5D1D-BAC3A5A06D62}"/>
+              </a:ext>
+            </a:extLst>
+          </p:cNvPr>
+          <p:cNvSpPr/>
+          <p:nvPr/>
+        </p:nvSpPr>
+        <p:spPr>
+          <a:xfrm>
+            <a:off x="4149615" y="3862034"/>
+            <a:ext cx="6788373" cy="957152"/>
+          </a:xfrm>
+          <a:prstGeom prst="rect">
+            <a:avLst/>
+          </a:prstGeom>
+          <a:noFill/>
+          <a:ln w="28575">
+            <a:solidFill>
+              <a:srgbClr val="FF0000"/>
+            </a:solidFill>
+          </a:ln>
+        </p:spPr>
+        <p:style>
+          <a:lnRef idx="2">
+            <a:schemeClr val="accent1">
+              <a:shade val="15000"/>
+            </a:schemeClr>
+          </a:lnRef>
+          <a:fillRef idx="1">
+            <a:schemeClr val="accent1"/>
+          </a:fillRef>
+          <a:effectRef idx="0">
+            <a:schemeClr val="accent1"/>
+          </a:effectRef>
+          <a:fontRef idx="minor">
+            <a:schemeClr val="lt1"/>
+          </a:fontRef>
+        </p:style>
+        <p:txBody>
+          <a:bodyPr rtlCol="0" anchor="ctr"/>
+          <a:lstStyle/>
+          <a:p>
+            <a:pPr algn="ctr"/>
+            <a:endParaRPr lang="en-US"/>
+          </a:p>
+        </p:txBody>
+      </p:sp>
     </p:spTree>
     <p:extLst>
       <p:ext uri="{BB962C8B-B14F-4D97-AF65-F5344CB8AC3E}">
@@ -39933,14 +39738,66 @@
         </p:blipFill>
         <p:spPr>
           <a:xfrm>
-            <a:off x="5566263" y="5641850"/>
-            <a:ext cx="4730023" cy="365125"/>
+            <a:off x="5566263" y="5696178"/>
+            <a:ext cx="5213059" cy="402412"/>
           </a:xfrm>
           <a:prstGeom prst="rect">
             <a:avLst/>
           </a:prstGeom>
         </p:spPr>
       </p:pic>
+      <p:sp>
+        <p:nvSpPr>
+          <p:cNvPr id="3" name="Rectangle 2">
+            <a:extLst>
+              <a:ext uri="{FF2B5EF4-FFF2-40B4-BE49-F238E27FC236}">
+                <a16:creationId xmlns:a16="http://schemas.microsoft.com/office/drawing/2014/main" id="{F1FDC7A8-BD60-FD04-7EF3-F584F39BD9DF}"/>
+              </a:ext>
+            </a:extLst>
+          </p:cNvPr>
+          <p:cNvSpPr/>
+          <p:nvPr/>
+        </p:nvSpPr>
+        <p:spPr>
+          <a:xfrm>
+            <a:off x="5362113" y="5116724"/>
+            <a:ext cx="5637320" cy="1145300"/>
+          </a:xfrm>
+          <a:prstGeom prst="rect">
+            <a:avLst/>
+          </a:prstGeom>
+          <a:noFill/>
+          <a:ln w="28575">
+            <a:solidFill>
+              <a:srgbClr val="FF0000"/>
+            </a:solidFill>
+          </a:ln>
+        </p:spPr>
+        <p:style>
+          <a:lnRef idx="2">
+            <a:schemeClr val="accent1">
+              <a:shade val="15000"/>
+            </a:schemeClr>
+          </a:lnRef>
+          <a:fillRef idx="1">
+            <a:schemeClr val="accent1"/>
+          </a:fillRef>
+          <a:effectRef idx="0">
+            <a:schemeClr val="accent1"/>
+          </a:effectRef>
+          <a:fontRef idx="minor">
+            <a:schemeClr val="lt1"/>
+          </a:fontRef>
+        </p:style>
+        <p:txBody>
+          <a:bodyPr rtlCol="0" anchor="ctr"/>
+          <a:lstStyle/>
+          <a:p>
+            <a:pPr algn="ctr"/>
+            <a:endParaRPr lang="en-US"/>
+          </a:p>
+        </p:txBody>
+      </p:sp>
     </p:spTree>
     <p:extLst>
       <p:ext uri="{BB962C8B-B14F-4D97-AF65-F5344CB8AC3E}">
@@ -40042,8 +39899,8 @@
           </a:p>
         </p:txBody>
       </p:sp>
-      <mc:AlternateContent xmlns:mc="http://schemas.openxmlformats.org/markup-compatibility/2006" xmlns:a14="http://schemas.microsoft.com/office/drawing/2010/main">
-        <mc:Choice Requires="a14">
+      <mc:AlternateContent xmlns:mc="http://schemas.openxmlformats.org/markup-compatibility/2006">
+        <mc:Choice xmlns:a14="http://schemas.microsoft.com/office/drawing/2010/main" Requires="a14">
           <p:sp>
             <p:nvSpPr>
               <p:cNvPr id="7" name="TextBox 6">
@@ -40059,7 +39916,7 @@
             <p:spPr>
               <a:xfrm>
                 <a:off x="5566299" y="1287225"/>
-                <a:ext cx="4922694" cy="1246495"/>
+                <a:ext cx="4922694" cy="1538883"/>
               </a:xfrm>
               <a:prstGeom prst="rect">
                 <a:avLst/>
@@ -40192,100 +40049,113 @@
                 </a:r>
               </a:p>
               <a:p>
+                <a:endParaRPr lang="en-US" sz="1200" dirty="0">
+                  <a:effectLst/>
+                  <a:latin typeface="Arial" panose="020B0604020202020204" pitchFamily="34" charset="0"/>
+                  <a:ea typeface="Calibri" panose="020F0502020204030204" pitchFamily="34" charset="0"/>
+                </a:endParaRPr>
+              </a:p>
+              <a:p>
                 <a:pPr/>
+                <a:r>
+                  <a:rPr lang="en-US" sz="1600" b="1" dirty="0">
+                    <a:effectLst/>
+                    <a:cs typeface="Arial" panose="020B0604020202020204" pitchFamily="34" charset="0"/>
+                  </a:rPr>
+                  <a:t> </a:t>
+                </a:r>
                 <a14:m>
-                  <m:oMathPara xmlns:m="http://schemas.openxmlformats.org/officeDocument/2006/math">
-                    <m:oMathParaPr>
-                      <m:jc m:val="left"/>
-                    </m:oMathParaPr>
-                    <m:oMath xmlns:m="http://schemas.openxmlformats.org/officeDocument/2006/math">
-                      <m:sSup>
-                        <m:sSupPr>
-                          <m:ctrlPr>
-                            <a:rPr lang="en-US" sz="1600" b="1" i="1" smtClean="0">
-                              <a:effectLst/>
-                              <a:latin typeface="Cambria Math" panose="02040503050406030204" pitchFamily="18" charset="0"/>
-                              <a:cs typeface="Arial" panose="020B0604020202020204" pitchFamily="34" charset="0"/>
-                            </a:rPr>
-                          </m:ctrlPr>
-                        </m:sSupPr>
-                        <m:e>
-                          <m:r>
-                            <a:rPr lang="en-US" sz="1600" b="1" i="1">
-                              <a:effectLst/>
-                              <a:latin typeface="Cambria Math" panose="02040503050406030204" pitchFamily="18" charset="0"/>
-                              <a:ea typeface="Calibri" panose="020F0502020204030204" pitchFamily="34" charset="0"/>
-                              <a:cs typeface="Arial" panose="020B0604020202020204" pitchFamily="34" charset="0"/>
-                            </a:rPr>
-                            <m:t>𝒄</m:t>
-                          </m:r>
-                        </m:e>
-                        <m:sup>
-                          <m:r>
-                            <a:rPr lang="en-US" sz="1600" b="1" i="1">
-                              <a:effectLst/>
-                              <a:latin typeface="Cambria Math" panose="02040503050406030204" pitchFamily="18" charset="0"/>
-                              <a:ea typeface="Calibri" panose="020F0502020204030204" pitchFamily="34" charset="0"/>
-                              <a:cs typeface="Arial" panose="020B0604020202020204" pitchFamily="34" charset="0"/>
-                            </a:rPr>
-                            <m:t>∗</m:t>
-                          </m:r>
-                        </m:sup>
-                      </m:sSup>
-                      <m:r>
-                        <a:rPr lang="en-US" sz="1600" i="1">
-                          <a:effectLst/>
-                          <a:latin typeface="Cambria Math" panose="02040503050406030204" pitchFamily="18" charset="0"/>
-                          <a:ea typeface="Calibri" panose="020F0502020204030204" pitchFamily="34" charset="0"/>
-                          <a:cs typeface="Arial" panose="020B0604020202020204" pitchFamily="34" charset="0"/>
-                        </a:rPr>
-                        <m:t>=</m:t>
-                      </m:r>
-                      <m:r>
-                        <a:rPr lang="en-US" sz="1600" b="1" i="1">
-                          <a:effectLst/>
-                          <a:latin typeface="Cambria Math" panose="02040503050406030204" pitchFamily="18" charset="0"/>
-                          <a:ea typeface="Calibri" panose="020F0502020204030204" pitchFamily="34" charset="0"/>
-                          <a:cs typeface="Arial" panose="020B0604020202020204" pitchFamily="34" charset="0"/>
-                        </a:rPr>
-                        <m:t>𝑨</m:t>
-                      </m:r>
-                      <m:sSup>
-                        <m:sSupPr>
-                          <m:ctrlPr>
-                            <a:rPr lang="en-US" sz="1600" b="1" i="1">
-                              <a:effectLst/>
-                              <a:latin typeface="Cambria Math" panose="02040503050406030204" pitchFamily="18" charset="0"/>
-                              <a:cs typeface="Arial" panose="020B0604020202020204" pitchFamily="34" charset="0"/>
-                            </a:rPr>
-                          </m:ctrlPr>
-                        </m:sSupPr>
-                        <m:e>
-                          <m:r>
-                            <a:rPr lang="en-US" sz="1600" b="1" i="1">
-                              <a:effectLst/>
-                              <a:latin typeface="Cambria Math" panose="02040503050406030204" pitchFamily="18" charset="0"/>
-                              <a:ea typeface="Calibri" panose="020F0502020204030204" pitchFamily="34" charset="0"/>
-                              <a:cs typeface="Arial" panose="020B0604020202020204" pitchFamily="34" charset="0"/>
-                            </a:rPr>
-                            <m:t>𝒖</m:t>
-                          </m:r>
-                        </m:e>
-                        <m:sup>
-                          <m:r>
-                            <a:rPr lang="en-US" sz="1600" b="1" i="1">
-                              <a:effectLst/>
-                              <a:latin typeface="Cambria Math" panose="02040503050406030204" pitchFamily="18" charset="0"/>
-                              <a:ea typeface="Calibri" panose="020F0502020204030204" pitchFamily="34" charset="0"/>
-                              <a:cs typeface="Arial" panose="020B0604020202020204" pitchFamily="34" charset="0"/>
-                            </a:rPr>
-                            <m:t>∗</m:t>
-                          </m:r>
-                        </m:sup>
-                      </m:sSup>
-                    </m:oMath>
-                  </m:oMathPara>
+                  <m:oMath xmlns:m="http://schemas.openxmlformats.org/officeDocument/2006/math">
+                    <m:sSup>
+                      <m:sSupPr>
+                        <m:ctrlPr>
+                          <a:rPr lang="en-US" sz="1600" b="1" i="1" smtClean="0">
+                            <a:effectLst/>
+                            <a:latin typeface="Cambria Math" panose="02040503050406030204" pitchFamily="18" charset="0"/>
+                            <a:cs typeface="Arial" panose="020B0604020202020204" pitchFamily="34" charset="0"/>
+                          </a:rPr>
+                        </m:ctrlPr>
+                      </m:sSupPr>
+                      <m:e>
+                        <m:r>
+                          <a:rPr lang="en-US" sz="1600" b="1" i="1">
+                            <a:effectLst/>
+                            <a:latin typeface="Cambria Math" panose="02040503050406030204" pitchFamily="18" charset="0"/>
+                            <a:ea typeface="Calibri" panose="020F0502020204030204" pitchFamily="34" charset="0"/>
+                            <a:cs typeface="Arial" panose="020B0604020202020204" pitchFamily="34" charset="0"/>
+                          </a:rPr>
+                          <m:t>𝒄</m:t>
+                        </m:r>
+                      </m:e>
+                      <m:sup>
+                        <m:r>
+                          <a:rPr lang="en-US" sz="1600" b="1" i="1">
+                            <a:effectLst/>
+                            <a:latin typeface="Cambria Math" panose="02040503050406030204" pitchFamily="18" charset="0"/>
+                            <a:ea typeface="Calibri" panose="020F0502020204030204" pitchFamily="34" charset="0"/>
+                            <a:cs typeface="Arial" panose="020B0604020202020204" pitchFamily="34" charset="0"/>
+                          </a:rPr>
+                          <m:t>∗</m:t>
+                        </m:r>
+                      </m:sup>
+                    </m:sSup>
+                    <m:r>
+                      <a:rPr lang="en-US" sz="1600" i="1">
+                        <a:effectLst/>
+                        <a:latin typeface="Cambria Math" panose="02040503050406030204" pitchFamily="18" charset="0"/>
+                        <a:ea typeface="Calibri" panose="020F0502020204030204" pitchFamily="34" charset="0"/>
+                        <a:cs typeface="Arial" panose="020B0604020202020204" pitchFamily="34" charset="0"/>
+                      </a:rPr>
+                      <m:t>=</m:t>
+                    </m:r>
+                    <m:r>
+                      <a:rPr lang="en-US" sz="1600" b="1" i="1">
+                        <a:effectLst/>
+                        <a:latin typeface="Cambria Math" panose="02040503050406030204" pitchFamily="18" charset="0"/>
+                        <a:ea typeface="Calibri" panose="020F0502020204030204" pitchFamily="34" charset="0"/>
+                        <a:cs typeface="Arial" panose="020B0604020202020204" pitchFamily="34" charset="0"/>
+                      </a:rPr>
+                      <m:t>𝑨</m:t>
+                    </m:r>
+                    <m:sSup>
+                      <m:sSupPr>
+                        <m:ctrlPr>
+                          <a:rPr lang="en-US" sz="1600" b="1" i="1">
+                            <a:effectLst/>
+                            <a:latin typeface="Cambria Math" panose="02040503050406030204" pitchFamily="18" charset="0"/>
+                            <a:cs typeface="Arial" panose="020B0604020202020204" pitchFamily="34" charset="0"/>
+                          </a:rPr>
+                        </m:ctrlPr>
+                      </m:sSupPr>
+                      <m:e>
+                        <m:r>
+                          <a:rPr lang="en-US" sz="1600" b="1" i="1">
+                            <a:effectLst/>
+                            <a:latin typeface="Cambria Math" panose="02040503050406030204" pitchFamily="18" charset="0"/>
+                            <a:ea typeface="Calibri" panose="020F0502020204030204" pitchFamily="34" charset="0"/>
+                            <a:cs typeface="Arial" panose="020B0604020202020204" pitchFamily="34" charset="0"/>
+                          </a:rPr>
+                          <m:t>𝒖</m:t>
+                        </m:r>
+                      </m:e>
+                      <m:sup>
+                        <m:r>
+                          <a:rPr lang="en-US" sz="1600" b="1" i="1">
+                            <a:effectLst/>
+                            <a:latin typeface="Cambria Math" panose="02040503050406030204" pitchFamily="18" charset="0"/>
+                            <a:ea typeface="Calibri" panose="020F0502020204030204" pitchFamily="34" charset="0"/>
+                            <a:cs typeface="Arial" panose="020B0604020202020204" pitchFamily="34" charset="0"/>
+                          </a:rPr>
+                          <m:t>∗</m:t>
+                        </m:r>
+                      </m:sup>
+                    </m:sSup>
+                  </m:oMath>
                 </a14:m>
+                <a:endParaRPr lang="en-US" sz="900" i="1" dirty="0"/>
+              </a:p>
+              <a:p>
+                <a:pPr/>
                 <a:endParaRPr lang="en-US" sz="900" i="1" dirty="0"/>
               </a:p>
               <a:p>
@@ -40310,7 +40180,7 @@
             </p:txBody>
           </p:sp>
         </mc:Choice>
-        <mc:Fallback xmlns="">
+        <mc:Fallback>
           <p:sp>
             <p:nvSpPr>
               <p:cNvPr id="7" name="TextBox 6">
@@ -40328,7 +40198,7 @@
             <p:spPr>
               <a:xfrm>
                 <a:off x="5566299" y="1287225"/>
-                <a:ext cx="4922694" cy="1246495"/>
+                <a:ext cx="4922694" cy="1538883"/>
               </a:xfrm>
               <a:prstGeom prst="rect">
                 <a:avLst/>
@@ -40336,7 +40206,7 @@
               <a:blipFill>
                 <a:blip r:embed="rId2"/>
                 <a:stretch>
-                  <a:fillRect t="-488"/>
+                  <a:fillRect t="-395" b="-1581"/>
                 </a:stretch>
               </a:blipFill>
             </p:spPr>
@@ -40407,7 +40277,7 @@
         </p:blipFill>
         <p:spPr>
           <a:xfrm>
-            <a:off x="5566299" y="2533720"/>
+            <a:off x="5566299" y="2985642"/>
             <a:ext cx="4815373" cy="439794"/>
           </a:xfrm>
           <a:prstGeom prst="rect">
@@ -40437,7 +40307,7 @@
         </p:blipFill>
         <p:spPr>
           <a:xfrm>
-            <a:off x="5566299" y="3134921"/>
+            <a:off x="5566299" y="3586843"/>
             <a:ext cx="2698932" cy="588158"/>
           </a:xfrm>
           <a:prstGeom prst="rect">
@@ -40467,7 +40337,7 @@
         </p:blipFill>
         <p:spPr>
           <a:xfrm>
-            <a:off x="5484459" y="3914742"/>
+            <a:off x="5484459" y="4366664"/>
             <a:ext cx="2577738" cy="437579"/>
           </a:xfrm>
           <a:prstGeom prst="rect">
@@ -40497,7 +40367,7 @@
         </p:blipFill>
         <p:spPr>
           <a:xfrm>
-            <a:off x="5523191" y="4543984"/>
+            <a:off x="5523191" y="4995906"/>
             <a:ext cx="1748901" cy="559333"/>
           </a:xfrm>
           <a:prstGeom prst="rect">
@@ -40505,6 +40375,110 @@
           </a:prstGeom>
         </p:spPr>
       </p:pic>
+      <p:sp>
+        <p:nvSpPr>
+          <p:cNvPr id="3" name="Rectangle 2">
+            <a:extLst>
+              <a:ext uri="{FF2B5EF4-FFF2-40B4-BE49-F238E27FC236}">
+                <a16:creationId xmlns:a16="http://schemas.microsoft.com/office/drawing/2014/main" id="{7C9AAC27-AB57-7FD2-3575-0A354DEC154F}"/>
+              </a:ext>
+            </a:extLst>
+          </p:cNvPr>
+          <p:cNvSpPr/>
+          <p:nvPr/>
+        </p:nvSpPr>
+        <p:spPr>
+          <a:xfrm>
+            <a:off x="5523191" y="1941801"/>
+            <a:ext cx="1179450" cy="547126"/>
+          </a:xfrm>
+          <a:prstGeom prst="rect">
+            <a:avLst/>
+          </a:prstGeom>
+          <a:noFill/>
+          <a:ln w="28575">
+            <a:solidFill>
+              <a:srgbClr val="FF0000"/>
+            </a:solidFill>
+          </a:ln>
+        </p:spPr>
+        <p:style>
+          <a:lnRef idx="2">
+            <a:schemeClr val="accent1">
+              <a:shade val="15000"/>
+            </a:schemeClr>
+          </a:lnRef>
+          <a:fillRef idx="1">
+            <a:schemeClr val="accent1"/>
+          </a:fillRef>
+          <a:effectRef idx="0">
+            <a:schemeClr val="accent1"/>
+          </a:effectRef>
+          <a:fontRef idx="minor">
+            <a:schemeClr val="lt1"/>
+          </a:fontRef>
+        </p:style>
+        <p:txBody>
+          <a:bodyPr rtlCol="0" anchor="ctr"/>
+          <a:lstStyle/>
+          <a:p>
+            <a:pPr algn="ctr"/>
+            <a:endParaRPr lang="en-US"/>
+          </a:p>
+        </p:txBody>
+      </p:sp>
+      <p:sp>
+        <p:nvSpPr>
+          <p:cNvPr id="5" name="Rectangle 4">
+            <a:extLst>
+              <a:ext uri="{FF2B5EF4-FFF2-40B4-BE49-F238E27FC236}">
+                <a16:creationId xmlns:a16="http://schemas.microsoft.com/office/drawing/2014/main" id="{CE5C2A44-6600-3B93-1156-F0A0F73DBBCA}"/>
+              </a:ext>
+            </a:extLst>
+          </p:cNvPr>
+          <p:cNvSpPr/>
+          <p:nvPr/>
+        </p:nvSpPr>
+        <p:spPr>
+          <a:xfrm>
+            <a:off x="5484459" y="4995906"/>
+            <a:ext cx="1910640" cy="574869"/>
+          </a:xfrm>
+          <a:prstGeom prst="rect">
+            <a:avLst/>
+          </a:prstGeom>
+          <a:noFill/>
+          <a:ln w="28575">
+            <a:solidFill>
+              <a:srgbClr val="FF0000"/>
+            </a:solidFill>
+          </a:ln>
+        </p:spPr>
+        <p:style>
+          <a:lnRef idx="2">
+            <a:schemeClr val="accent1">
+              <a:shade val="15000"/>
+            </a:schemeClr>
+          </a:lnRef>
+          <a:fillRef idx="1">
+            <a:schemeClr val="accent1"/>
+          </a:fillRef>
+          <a:effectRef idx="0">
+            <a:schemeClr val="accent1"/>
+          </a:effectRef>
+          <a:fontRef idx="minor">
+            <a:schemeClr val="lt1"/>
+          </a:fontRef>
+        </p:style>
+        <p:txBody>
+          <a:bodyPr rtlCol="0" anchor="ctr"/>
+          <a:lstStyle/>
+          <a:p>
+            <a:pPr algn="ctr"/>
+            <a:endParaRPr lang="en-US"/>
+          </a:p>
+        </p:txBody>
+      </p:sp>
     </p:spTree>
     <p:extLst>
       <p:ext uri="{BB962C8B-B14F-4D97-AF65-F5344CB8AC3E}">
@@ -40519,117 +40493,6 @@
 </file>
 
 <file path=ppt/slides/slide6.xml><?xml version="1.0" encoding="utf-8"?>
-<p:sld xmlns:a="http://schemas.openxmlformats.org/drawingml/2006/main" xmlns:r="http://schemas.openxmlformats.org/officeDocument/2006/relationships" xmlns:p="http://schemas.openxmlformats.org/presentationml/2006/main">
-  <p:cSld>
-    <p:spTree>
-      <p:nvGrpSpPr>
-        <p:cNvPr id="1" name=""/>
-        <p:cNvGrpSpPr/>
-        <p:nvPr/>
-      </p:nvGrpSpPr>
-      <p:grpSpPr>
-        <a:xfrm>
-          <a:off x="0" y="0"/>
-          <a:ext cx="0" cy="0"/>
-          <a:chOff x="0" y="0"/>
-          <a:chExt cx="0" cy="0"/>
-        </a:xfrm>
-      </p:grpSpPr>
-      <p:sp>
-        <p:nvSpPr>
-          <p:cNvPr id="2" name="Title 1">
-            <a:extLst>
-              <a:ext uri="{FF2B5EF4-FFF2-40B4-BE49-F238E27FC236}">
-                <a16:creationId xmlns:a16="http://schemas.microsoft.com/office/drawing/2014/main" id="{5CE54ABB-4929-4810-950B-2DAEA0A5BAB4}"/>
-              </a:ext>
-            </a:extLst>
-          </p:cNvPr>
-          <p:cNvSpPr>
-            <a:spLocks noGrp="1"/>
-          </p:cNvSpPr>
-          <p:nvPr>
-            <p:ph type="title"/>
-          </p:nvPr>
-        </p:nvSpPr>
-        <p:spPr>
-          <a:xfrm>
-            <a:off x="1885156" y="892177"/>
-            <a:ext cx="8421688" cy="1325563"/>
-          </a:xfrm>
-        </p:spPr>
-        <p:txBody>
-          <a:bodyPr/>
-          <a:lstStyle/>
-          <a:p>
-            <a:r>
-              <a:rPr lang="en-US" dirty="0"/>
-              <a:t>Frank </a:t>
-            </a:r>
-            <a:r>
-              <a:rPr lang="en-US" dirty="0" err="1"/>
-              <a:t>wolfe</a:t>
-            </a:r>
-            <a:r>
-              <a:rPr lang="en-US" dirty="0"/>
-              <a:t> algorithm for </a:t>
-            </a:r>
-            <a:r>
-              <a:rPr lang="en-US" dirty="0" err="1"/>
-              <a:t>meb</a:t>
-            </a:r>
-            <a:endParaRPr lang="en-US" dirty="0"/>
-          </a:p>
-        </p:txBody>
-      </p:sp>
-      <p:sp>
-        <p:nvSpPr>
-          <p:cNvPr id="11" name="Slide Number Placeholder 10">
-            <a:extLst>
-              <a:ext uri="{FF2B5EF4-FFF2-40B4-BE49-F238E27FC236}">
-                <a16:creationId xmlns:a16="http://schemas.microsoft.com/office/drawing/2014/main" id="{BAD5B6F4-0A90-447A-A1AE-D75C934B6B29}"/>
-              </a:ext>
-            </a:extLst>
-          </p:cNvPr>
-          <p:cNvSpPr>
-            <a:spLocks noGrp="1"/>
-          </p:cNvSpPr>
-          <p:nvPr>
-            <p:ph type="sldNum" sz="quarter" idx="12"/>
-          </p:nvPr>
-        </p:nvSpPr>
-        <p:spPr>
-          <a:xfrm>
-            <a:off x="8610600" y="6356350"/>
-            <a:ext cx="2743200" cy="365125"/>
-          </a:xfrm>
-        </p:spPr>
-        <p:txBody>
-          <a:bodyPr/>
-          <a:lstStyle/>
-          <a:p>
-            <a:fld id="{B5CEABB6-07DC-46E8-9B57-56EC44A396E5}" type="slidenum">
-              <a:rPr lang="en-US" smtClean="0"/>
-              <a:pPr/>
-              <a:t>6</a:t>
-            </a:fld>
-            <a:endParaRPr lang="en-US" dirty="0"/>
-          </a:p>
-        </p:txBody>
-      </p:sp>
-    </p:spTree>
-    <p:extLst>
-      <p:ext uri="{BB962C8B-B14F-4D97-AF65-F5344CB8AC3E}">
-        <p14:creationId xmlns:p14="http://schemas.microsoft.com/office/powerpoint/2010/main" val="2121178069"/>
-      </p:ext>
-    </p:extLst>
-  </p:cSld>
-  <p:clrMapOvr>
-    <a:masterClrMapping/>
-  </p:clrMapOvr>
-</p:sld>
-</file>
-
-<file path=ppt/slides/slide7.xml><?xml version="1.0" encoding="utf-8"?>
 <p:sld xmlns:a="http://schemas.openxmlformats.org/drawingml/2006/main" xmlns:r="http://schemas.openxmlformats.org/officeDocument/2006/relationships" xmlns:p="http://schemas.openxmlformats.org/presentationml/2006/main">
   <p:cSld>
     <p:spTree>
@@ -40882,8 +40745,8 @@
         </p:nvSpPr>
         <p:spPr>
           <a:xfrm>
-            <a:off x="4986028" y="2673328"/>
-            <a:ext cx="5824846" cy="1010842"/>
+            <a:off x="4986027" y="2673328"/>
+            <a:ext cx="6004527" cy="1010842"/>
           </a:xfrm>
         </p:spPr>
         <p:txBody>
@@ -40892,7 +40755,7 @@
           <a:p>
             <a:r>
               <a:rPr lang="en-GB" dirty="0"/>
-              <a:t>A simple improvement over the FW algorithm with introducing the possibility of taking ‘away steps’ during optimization.</a:t>
+              <a:t>A simple improvement over the zig zagging problem of FW algorithm with introducing the possibility of taking ‘away steps’ during optimization.</a:t>
             </a:r>
             <a:endParaRPr lang="en-US" dirty="0"/>
           </a:p>
@@ -41002,7 +40865,7 @@
             <a:fld id="{B5CEABB6-07DC-46E8-9B57-56EC44A396E5}" type="slidenum">
               <a:rPr lang="en-US" smtClean="0"/>
               <a:pPr/>
-              <a:t>7</a:t>
+              <a:t>6</a:t>
             </a:fld>
             <a:endParaRPr lang="en-US" dirty="0"/>
           </a:p>
@@ -41021,173 +40884,7 @@
 </p:sld>
 </file>
 
-<file path=ppt/slides/slide8.xml><?xml version="1.0" encoding="utf-8"?>
-<p:sld xmlns:a="http://schemas.openxmlformats.org/drawingml/2006/main" xmlns:r="http://schemas.openxmlformats.org/officeDocument/2006/relationships" xmlns:p="http://schemas.openxmlformats.org/presentationml/2006/main">
-  <p:cSld>
-    <p:spTree>
-      <p:nvGrpSpPr>
-        <p:cNvPr id="1" name=""/>
-        <p:cNvGrpSpPr/>
-        <p:nvPr/>
-      </p:nvGrpSpPr>
-      <p:grpSpPr>
-        <a:xfrm>
-          <a:off x="0" y="0"/>
-          <a:ext cx="0" cy="0"/>
-          <a:chOff x="0" y="0"/>
-          <a:chExt cx="0" cy="0"/>
-        </a:xfrm>
-      </p:grpSpPr>
-      <p:sp>
-        <p:nvSpPr>
-          <p:cNvPr id="2" name="Title 1">
-            <a:extLst>
-              <a:ext uri="{FF2B5EF4-FFF2-40B4-BE49-F238E27FC236}">
-                <a16:creationId xmlns:a16="http://schemas.microsoft.com/office/drawing/2014/main" id="{75031FE9-9059-4FE8-B4AC-9771F23A1B89}"/>
-              </a:ext>
-            </a:extLst>
-          </p:cNvPr>
-          <p:cNvSpPr>
-            <a:spLocks noGrp="1"/>
-          </p:cNvSpPr>
-          <p:nvPr>
-            <p:ph type="title"/>
-          </p:nvPr>
-        </p:nvSpPr>
-        <p:spPr>
-          <a:xfrm>
-            <a:off x="1885156" y="892177"/>
-            <a:ext cx="8421688" cy="1325563"/>
-          </a:xfrm>
-        </p:spPr>
-        <p:txBody>
-          <a:bodyPr/>
-          <a:lstStyle/>
-          <a:p>
-            <a:r>
-              <a:rPr lang="en-US" dirty="0"/>
-              <a:t>implementation</a:t>
-            </a:r>
-          </a:p>
-        </p:txBody>
-      </p:sp>
-      <p:sp>
-        <p:nvSpPr>
-          <p:cNvPr id="4" name="Text Placeholder 3">
-            <a:extLst>
-              <a:ext uri="{FF2B5EF4-FFF2-40B4-BE49-F238E27FC236}">
-                <a16:creationId xmlns:a16="http://schemas.microsoft.com/office/drawing/2014/main" id="{AC1C80FB-53F9-42EE-B1E6-D0F998EC5DFA}"/>
-              </a:ext>
-            </a:extLst>
-          </p:cNvPr>
-          <p:cNvSpPr>
-            <a:spLocks noGrp="1"/>
-          </p:cNvSpPr>
-          <p:nvPr>
-            <p:ph type="body" sz="quarter" idx="15"/>
-          </p:nvPr>
-        </p:nvSpPr>
-        <p:spPr>
-          <a:xfrm>
-            <a:off x="1166068" y="2217740"/>
-            <a:ext cx="9851120" cy="3162128"/>
-          </a:xfrm>
-        </p:spPr>
-        <p:txBody>
-          <a:bodyPr>
-            <a:normAutofit/>
-          </a:bodyPr>
-          <a:lstStyle/>
-          <a:p>
-            <a:pPr algn="l"/>
-            <a:r>
-              <a:rPr lang="en-GB" sz="1800" b="0" i="0" u="none" strike="noStrike" baseline="0" dirty="0">
-                <a:latin typeface="+mj-lt"/>
-              </a:rPr>
-              <a:t>We implement our algorithms and data generation using Python 3.10. Python is a high-level procedural programming language which is commonly used in data science and mathematics for its low barrier to entry, wide-scale adoption, and rich package ecosystem. One drawback of using Python is that it is known to be slow compared to other languages.</a:t>
-            </a:r>
-          </a:p>
-          <a:p>
-            <a:pPr algn="l"/>
-            <a:endParaRPr lang="en-GB" sz="1800" b="0" i="0" u="none" strike="noStrike" baseline="0" dirty="0">
-              <a:latin typeface="+mj-lt"/>
-            </a:endParaRPr>
-          </a:p>
-          <a:p>
-            <a:pPr algn="l"/>
-            <a:endParaRPr lang="en-US" dirty="0">
-              <a:latin typeface="+mj-lt"/>
-            </a:endParaRPr>
-          </a:p>
-          <a:p>
-            <a:pPr algn="l"/>
-            <a:endParaRPr lang="en-US" dirty="0">
-              <a:latin typeface="+mj-lt"/>
-            </a:endParaRPr>
-          </a:p>
-          <a:p>
-            <a:pPr algn="l"/>
-            <a:endParaRPr lang="en-US" dirty="0">
-              <a:latin typeface="+mj-lt"/>
-            </a:endParaRPr>
-          </a:p>
-          <a:p>
-            <a:pPr algn="l"/>
-            <a:endParaRPr lang="en-US" dirty="0">
-              <a:latin typeface="+mj-lt"/>
-            </a:endParaRPr>
-          </a:p>
-        </p:txBody>
-      </p:sp>
-      <p:sp>
-        <p:nvSpPr>
-          <p:cNvPr id="82" name="Slide Number Placeholder 81">
-            <a:extLst>
-              <a:ext uri="{FF2B5EF4-FFF2-40B4-BE49-F238E27FC236}">
-                <a16:creationId xmlns:a16="http://schemas.microsoft.com/office/drawing/2014/main" id="{CE36A058-BEC2-4BC5-A467-F2EB2A365051}"/>
-              </a:ext>
-            </a:extLst>
-          </p:cNvPr>
-          <p:cNvSpPr>
-            <a:spLocks noGrp="1"/>
-          </p:cNvSpPr>
-          <p:nvPr>
-            <p:ph type="sldNum" sz="quarter" idx="22"/>
-          </p:nvPr>
-        </p:nvSpPr>
-        <p:spPr>
-          <a:xfrm>
-            <a:off x="8610600" y="6356350"/>
-            <a:ext cx="2743200" cy="365125"/>
-          </a:xfrm>
-        </p:spPr>
-        <p:txBody>
-          <a:bodyPr/>
-          <a:lstStyle/>
-          <a:p>
-            <a:fld id="{B5CEABB6-07DC-46E8-9B57-56EC44A396E5}" type="slidenum">
-              <a:rPr lang="en-US" smtClean="0"/>
-              <a:pPr/>
-              <a:t>8</a:t>
-            </a:fld>
-            <a:endParaRPr lang="en-US" dirty="0"/>
-          </a:p>
-        </p:txBody>
-      </p:sp>
-    </p:spTree>
-    <p:extLst>
-      <p:ext uri="{BB962C8B-B14F-4D97-AF65-F5344CB8AC3E}">
-        <p14:creationId xmlns:p14="http://schemas.microsoft.com/office/powerpoint/2010/main" val="1593920805"/>
-      </p:ext>
-    </p:extLst>
-  </p:cSld>
-  <p:clrMapOvr>
-    <a:masterClrMapping/>
-  </p:clrMapOvr>
-</p:sld>
-</file>
-
-<file path=ppt/slides/slide9.xml><?xml version="1.0" encoding="utf-8"?>
+<file path=ppt/slides/slide7.xml><?xml version="1.0" encoding="utf-8"?>
 <p:sld xmlns:a="http://schemas.openxmlformats.org/drawingml/2006/main" xmlns:r="http://schemas.openxmlformats.org/officeDocument/2006/relationships" xmlns:p="http://schemas.openxmlformats.org/presentationml/2006/main">
   <p:cSld>
     <p:spTree>
@@ -41271,7 +40968,7 @@
             <a:fld id="{B5CEABB6-07DC-46E8-9B57-56EC44A396E5}" type="slidenum">
               <a:rPr lang="en-US" smtClean="0"/>
               <a:pPr/>
-              <a:t>9</a:t>
+              <a:t>7</a:t>
             </a:fld>
             <a:endParaRPr lang="en-US" dirty="0"/>
           </a:p>
@@ -41311,6 +41008,267 @@
     <p:extLst>
       <p:ext uri="{BB962C8B-B14F-4D97-AF65-F5344CB8AC3E}">
         <p14:creationId xmlns:p14="http://schemas.microsoft.com/office/powerpoint/2010/main" val="2423006990"/>
+      </p:ext>
+    </p:extLst>
+  </p:cSld>
+  <p:clrMapOvr>
+    <a:masterClrMapping/>
+  </p:clrMapOvr>
+</p:sld>
+</file>
+
+<file path=ppt/slides/slide8.xml><?xml version="1.0" encoding="utf-8"?>
+<p:sld xmlns:a="http://schemas.openxmlformats.org/drawingml/2006/main" xmlns:r="http://schemas.openxmlformats.org/officeDocument/2006/relationships" xmlns:p="http://schemas.openxmlformats.org/presentationml/2006/main">
+  <p:cSld>
+    <p:spTree>
+      <p:nvGrpSpPr>
+        <p:cNvPr id="1" name=""/>
+        <p:cNvGrpSpPr/>
+        <p:nvPr/>
+      </p:nvGrpSpPr>
+      <p:grpSpPr>
+        <a:xfrm>
+          <a:off x="0" y="0"/>
+          <a:ext cx="0" cy="0"/>
+          <a:chOff x="0" y="0"/>
+          <a:chExt cx="0" cy="0"/>
+        </a:xfrm>
+      </p:grpSpPr>
+      <p:sp>
+        <p:nvSpPr>
+          <p:cNvPr id="2" name="Title 1">
+            <a:extLst>
+              <a:ext uri="{FF2B5EF4-FFF2-40B4-BE49-F238E27FC236}">
+                <a16:creationId xmlns:a16="http://schemas.microsoft.com/office/drawing/2014/main" id="{5CE54ABB-4929-4810-950B-2DAEA0A5BAB4}"/>
+              </a:ext>
+            </a:extLst>
+          </p:cNvPr>
+          <p:cNvSpPr>
+            <a:spLocks noGrp="1"/>
+          </p:cNvSpPr>
+          <p:nvPr>
+            <p:ph type="title"/>
+          </p:nvPr>
+        </p:nvSpPr>
+        <p:spPr>
+          <a:xfrm>
+            <a:off x="1885156" y="892177"/>
+            <a:ext cx="8421688" cy="1325563"/>
+          </a:xfrm>
+        </p:spPr>
+        <p:txBody>
+          <a:bodyPr/>
+          <a:lstStyle/>
+          <a:p>
+            <a:r>
+              <a:rPr lang="en-US" dirty="0"/>
+              <a:t>Blended pairwise conditional gradient</a:t>
+            </a:r>
+          </a:p>
+        </p:txBody>
+      </p:sp>
+      <p:sp>
+        <p:nvSpPr>
+          <p:cNvPr id="11" name="Slide Number Placeholder 10">
+            <a:extLst>
+              <a:ext uri="{FF2B5EF4-FFF2-40B4-BE49-F238E27FC236}">
+                <a16:creationId xmlns:a16="http://schemas.microsoft.com/office/drawing/2014/main" id="{BAD5B6F4-0A90-447A-A1AE-D75C934B6B29}"/>
+              </a:ext>
+            </a:extLst>
+          </p:cNvPr>
+          <p:cNvSpPr>
+            <a:spLocks noGrp="1"/>
+          </p:cNvSpPr>
+          <p:nvPr>
+            <p:ph type="sldNum" sz="quarter" idx="12"/>
+          </p:nvPr>
+        </p:nvSpPr>
+        <p:spPr>
+          <a:xfrm>
+            <a:off x="8610600" y="6356350"/>
+            <a:ext cx="2743200" cy="365125"/>
+          </a:xfrm>
+        </p:spPr>
+        <p:txBody>
+          <a:bodyPr/>
+          <a:lstStyle/>
+          <a:p>
+            <a:fld id="{B5CEABB6-07DC-46E8-9B57-56EC44A396E5}" type="slidenum">
+              <a:rPr lang="en-US" smtClean="0"/>
+              <a:pPr/>
+              <a:t>8</a:t>
+            </a:fld>
+            <a:endParaRPr lang="en-US" dirty="0"/>
+          </a:p>
+        </p:txBody>
+      </p:sp>
+      <p:pic>
+        <p:nvPicPr>
+          <p:cNvPr id="25" name="Picture 24">
+            <a:extLst>
+              <a:ext uri="{FF2B5EF4-FFF2-40B4-BE49-F238E27FC236}">
+                <a16:creationId xmlns:a16="http://schemas.microsoft.com/office/drawing/2014/main" id="{448A4346-1542-9C16-C7E7-C3E88B9C2405}"/>
+              </a:ext>
+            </a:extLst>
+          </p:cNvPr>
+          <p:cNvPicPr>
+            <a:picLocks noChangeAspect="1"/>
+          </p:cNvPicPr>
+          <p:nvPr/>
+        </p:nvPicPr>
+        <p:blipFill>
+          <a:blip r:embed="rId2"/>
+          <a:stretch>
+            <a:fillRect/>
+          </a:stretch>
+        </p:blipFill>
+        <p:spPr>
+          <a:xfrm>
+            <a:off x="2555386" y="1904692"/>
+            <a:ext cx="7081227" cy="4451658"/>
+          </a:xfrm>
+          <a:prstGeom prst="rect">
+            <a:avLst/>
+          </a:prstGeom>
+        </p:spPr>
+      </p:pic>
+    </p:spTree>
+    <p:extLst>
+      <p:ext uri="{BB962C8B-B14F-4D97-AF65-F5344CB8AC3E}">
+        <p14:creationId xmlns:p14="http://schemas.microsoft.com/office/powerpoint/2010/main" val="2006960613"/>
+      </p:ext>
+    </p:extLst>
+  </p:cSld>
+  <p:clrMapOvr>
+    <a:masterClrMapping/>
+  </p:clrMapOvr>
+</p:sld>
+</file>
+
+<file path=ppt/slides/slide9.xml><?xml version="1.0" encoding="utf-8"?>
+<p:sld xmlns:a="http://schemas.openxmlformats.org/drawingml/2006/main" xmlns:r="http://schemas.openxmlformats.org/officeDocument/2006/relationships" xmlns:p="http://schemas.openxmlformats.org/presentationml/2006/main">
+  <p:cSld>
+    <p:spTree>
+      <p:nvGrpSpPr>
+        <p:cNvPr id="1" name=""/>
+        <p:cNvGrpSpPr/>
+        <p:nvPr/>
+      </p:nvGrpSpPr>
+      <p:grpSpPr>
+        <a:xfrm>
+          <a:off x="0" y="0"/>
+          <a:ext cx="0" cy="0"/>
+          <a:chOff x="0" y="0"/>
+          <a:chExt cx="0" cy="0"/>
+        </a:xfrm>
+      </p:grpSpPr>
+      <p:sp>
+        <p:nvSpPr>
+          <p:cNvPr id="2" name="Title 1">
+            <a:extLst>
+              <a:ext uri="{FF2B5EF4-FFF2-40B4-BE49-F238E27FC236}">
+                <a16:creationId xmlns:a16="http://schemas.microsoft.com/office/drawing/2014/main" id="{5CE54ABB-4929-4810-950B-2DAEA0A5BAB4}"/>
+              </a:ext>
+            </a:extLst>
+          </p:cNvPr>
+          <p:cNvSpPr>
+            <a:spLocks noGrp="1"/>
+          </p:cNvSpPr>
+          <p:nvPr>
+            <p:ph type="title"/>
+          </p:nvPr>
+        </p:nvSpPr>
+        <p:spPr>
+          <a:xfrm>
+            <a:off x="1885156" y="767890"/>
+            <a:ext cx="8421688" cy="1325563"/>
+          </a:xfrm>
+        </p:spPr>
+        <p:txBody>
+          <a:bodyPr/>
+          <a:lstStyle/>
+          <a:p>
+            <a:r>
+              <a:rPr lang="en-US" dirty="0"/>
+              <a:t>(1+ epsilon) approximation of </a:t>
+            </a:r>
+            <a:r>
+              <a:rPr lang="en-US" dirty="0" err="1"/>
+              <a:t>meb</a:t>
+            </a:r>
+            <a:endParaRPr lang="en-US" dirty="0"/>
+          </a:p>
+        </p:txBody>
+      </p:sp>
+      <p:sp>
+        <p:nvSpPr>
+          <p:cNvPr id="11" name="Slide Number Placeholder 10">
+            <a:extLst>
+              <a:ext uri="{FF2B5EF4-FFF2-40B4-BE49-F238E27FC236}">
+                <a16:creationId xmlns:a16="http://schemas.microsoft.com/office/drawing/2014/main" id="{BAD5B6F4-0A90-447A-A1AE-D75C934B6B29}"/>
+              </a:ext>
+            </a:extLst>
+          </p:cNvPr>
+          <p:cNvSpPr>
+            <a:spLocks noGrp="1"/>
+          </p:cNvSpPr>
+          <p:nvPr>
+            <p:ph type="sldNum" sz="quarter" idx="12"/>
+          </p:nvPr>
+        </p:nvSpPr>
+        <p:spPr>
+          <a:xfrm>
+            <a:off x="8610600" y="6356350"/>
+            <a:ext cx="2743200" cy="365125"/>
+          </a:xfrm>
+        </p:spPr>
+        <p:txBody>
+          <a:bodyPr/>
+          <a:lstStyle/>
+          <a:p>
+            <a:fld id="{B5CEABB6-07DC-46E8-9B57-56EC44A396E5}" type="slidenum">
+              <a:rPr lang="en-US" smtClean="0"/>
+              <a:pPr/>
+              <a:t>9</a:t>
+            </a:fld>
+            <a:endParaRPr lang="en-US" dirty="0"/>
+          </a:p>
+        </p:txBody>
+      </p:sp>
+      <p:pic>
+        <p:nvPicPr>
+          <p:cNvPr id="25" name="Picture 24">
+            <a:extLst>
+              <a:ext uri="{FF2B5EF4-FFF2-40B4-BE49-F238E27FC236}">
+                <a16:creationId xmlns:a16="http://schemas.microsoft.com/office/drawing/2014/main" id="{E15C0242-FF5E-7963-5E02-D5AACD316688}"/>
+              </a:ext>
+            </a:extLst>
+          </p:cNvPr>
+          <p:cNvPicPr>
+            <a:picLocks noChangeAspect="1"/>
+          </p:cNvPicPr>
+          <p:nvPr/>
+        </p:nvPicPr>
+        <p:blipFill>
+          <a:blip r:embed="rId2"/>
+          <a:stretch>
+            <a:fillRect/>
+          </a:stretch>
+        </p:blipFill>
+        <p:spPr>
+          <a:xfrm>
+            <a:off x="2537876" y="1849581"/>
+            <a:ext cx="7249598" cy="4689331"/>
+          </a:xfrm>
+          <a:prstGeom prst="rect">
+            <a:avLst/>
+          </a:prstGeom>
+        </p:spPr>
+      </p:pic>
+    </p:spTree>
+    <p:extLst>
+      <p:ext uri="{BB962C8B-B14F-4D97-AF65-F5344CB8AC3E}">
+        <p14:creationId xmlns:p14="http://schemas.microsoft.com/office/powerpoint/2010/main" val="3457760519"/>
       </p:ext>
     </p:extLst>
   </p:cSld>

--- a/Theory/Minimum Enclosing Ball for FW.pptx
+++ b/Theory/Minimum Enclosing Ball for FW.pptx
@@ -260,7 +260,7 @@
           <a:p>
             <a:fld id="{F352A77B-D33C-49B3-A83C-450AA2ED72B3}" type="datetimeFigureOut">
               <a:rPr lang="en-US" smtClean="0"/>
-              <a:t>22-Sep-23</a:t>
+              <a:t>9/23/2023</a:t>
             </a:fld>
             <a:endParaRPr lang="en-US" dirty="0"/>
           </a:p>
@@ -437,7 +437,7 @@
           <a:p>
             <a:fld id="{E38D8F9A-F5CB-4EF8-A859-ED5E107B9763}" type="datetimeFigureOut">
               <a:rPr lang="en-US" smtClean="0"/>
-              <a:t>22-Sep-23</a:t>
+              <a:t>9/23/2023</a:t>
             </a:fld>
             <a:endParaRPr lang="en-US" dirty="0"/>
           </a:p>
@@ -18604,7 +18604,7 @@
                         </a:spcAft>
                       </a:pPr>
                       <a:r>
-                        <a:rPr lang="en-US" sz="1200">
+                        <a:rPr lang="en-US" sz="1200" dirty="0">
                           <a:solidFill>
                             <a:srgbClr val="000000"/>
                           </a:solidFill>
@@ -18615,7 +18615,7 @@
                         </a:rPr>
                         <a:t>14</a:t>
                       </a:r>
-                      <a:endParaRPr lang="en-US" sz="1200">
+                      <a:endParaRPr lang="en-US" sz="1200" dirty="0">
                         <a:effectLst/>
                         <a:latin typeface="Calibri" panose="020F0502020204030204" pitchFamily="34" charset="0"/>
                         <a:ea typeface="Calibri" panose="020F0502020204030204" pitchFamily="34" charset="0"/>
@@ -23059,7 +23059,7 @@
             <p:ph sz="quarter" idx="16"/>
             <p:extLst>
               <p:ext uri="{D42A27DB-BD31-4B8C-83A1-F6EECF244321}">
-                <p14:modId xmlns:p14="http://schemas.microsoft.com/office/powerpoint/2010/main" val="773380021"/>
+                <p14:modId xmlns:p14="http://schemas.microsoft.com/office/powerpoint/2010/main" val="2982601550"/>
               </p:ext>
             </p:extLst>
           </p:nvPr>
@@ -26171,7 +26171,7 @@
                         </a:spcAft>
                       </a:pPr>
                       <a:r>
-                        <a:rPr lang="en-US" sz="1200">
+                        <a:rPr lang="en-US" sz="1200" dirty="0">
                           <a:solidFill>
                             <a:srgbClr val="000000"/>
                           </a:solidFill>
@@ -26180,9 +26180,9 @@
                           <a:ea typeface="Calibri" panose="020F0502020204030204" pitchFamily="34" charset="0"/>
                           <a:cs typeface="Times New Roman" panose="02020603050405020304" pitchFamily="18" charset="0"/>
                         </a:rPr>
-                        <a:t>11.077378</a:t>
+                        <a:t>      11.077378</a:t>
                       </a:r>
-                      <a:endParaRPr lang="en-US" sz="1200">
+                      <a:endParaRPr lang="en-US" sz="1200" dirty="0">
                         <a:effectLst/>
                         <a:latin typeface="Calibri" panose="020F0502020204030204" pitchFamily="34" charset="0"/>
                         <a:ea typeface="Calibri" panose="020F0502020204030204" pitchFamily="34" charset="0"/>
@@ -26830,7 +26830,7 @@
                         </a:spcAft>
                       </a:pPr>
                       <a:r>
-                        <a:rPr lang="en-US" sz="1200">
+                        <a:rPr lang="en-US" sz="1200" dirty="0">
                           <a:solidFill>
                             <a:srgbClr val="000000"/>
                           </a:solidFill>
@@ -26841,7 +26841,7 @@
                         </a:rPr>
                         <a:t>11.077386</a:t>
                       </a:r>
-                      <a:endParaRPr lang="en-US" sz="1200">
+                      <a:endParaRPr lang="en-US" sz="1200" dirty="0">
                         <a:effectLst/>
                         <a:latin typeface="Calibri" panose="020F0502020204030204" pitchFamily="34" charset="0"/>
                         <a:ea typeface="Calibri" panose="020F0502020204030204" pitchFamily="34" charset="0"/>
@@ -39054,7 +39054,43 @@
                     </a:solidFill>
                     <a:latin typeface="Cambria Math" panose="02040503050406030204" pitchFamily="18" charset="0"/>
                   </a:rPr>
-                  <a:t>𝓐={𝑎1,...,𝑎𝑚}⊂ℝ</a:t>
+                  <a:t>𝓐={𝑎</a:t>
+                </a:r>
+                <a:r>
+                  <a:rPr lang="en-US" sz="1100" b="0" i="0" u="none" strike="noStrike" baseline="0" dirty="0">
+                    <a:solidFill>
+                      <a:srgbClr val="000000"/>
+                    </a:solidFill>
+                    <a:latin typeface="Cambria Math" panose="02040503050406030204" pitchFamily="18" charset="0"/>
+                  </a:rPr>
+                  <a:t>1</a:t>
+                </a:r>
+                <a:r>
+                  <a:rPr lang="en-US" sz="1600" b="0" i="0" u="none" strike="noStrike" baseline="0" dirty="0">
+                    <a:solidFill>
+                      <a:srgbClr val="000000"/>
+                    </a:solidFill>
+                    <a:latin typeface="Cambria Math" panose="02040503050406030204" pitchFamily="18" charset="0"/>
+                  </a:rPr>
+                  <a:t>,...,𝑎</a:t>
+                </a:r>
+                <a:r>
+                  <a:rPr lang="en-US" sz="1200" b="0" i="0" u="none" strike="noStrike" baseline="0" dirty="0">
+                    <a:solidFill>
+                      <a:srgbClr val="000000"/>
+                    </a:solidFill>
+                    <a:latin typeface="Cambria Math" panose="02040503050406030204" pitchFamily="18" charset="0"/>
+                  </a:rPr>
+                  <a:t>𝑚</a:t>
+                </a:r>
+                <a:r>
+                  <a:rPr lang="en-US" sz="1600" b="0" i="0" u="none" strike="noStrike" baseline="0" dirty="0">
+                    <a:solidFill>
+                      <a:srgbClr val="000000"/>
+                    </a:solidFill>
+                    <a:latin typeface="Cambria Math" panose="02040503050406030204" pitchFamily="18" charset="0"/>
+                  </a:rPr>
+                  <a:t>}⊂ℝ</a:t>
                 </a:r>
                 <a:r>
                   <a:rPr lang="en-US" sz="1600" b="0" i="0" u="none" strike="noStrike" baseline="30000" dirty="0">
@@ -39312,7 +39348,7 @@
               <a:lstStyle/>
               <a:p>
                 <a:r>
-                  <a:rPr lang="en-US">
+                  <a:rPr lang="it-IT">
                     <a:noFill/>
                   </a:rPr>
                   <a:t> </a:t>
@@ -39899,8 +39935,8 @@
           </a:p>
         </p:txBody>
       </p:sp>
-      <mc:AlternateContent xmlns:mc="http://schemas.openxmlformats.org/markup-compatibility/2006">
-        <mc:Choice xmlns:a14="http://schemas.microsoft.com/office/drawing/2010/main" Requires="a14">
+      <mc:AlternateContent xmlns:mc="http://schemas.openxmlformats.org/markup-compatibility/2006" xmlns:a14="http://schemas.microsoft.com/office/drawing/2010/main">
+        <mc:Choice Requires="a14">
           <p:sp>
             <p:nvSpPr>
               <p:cNvPr id="7" name="TextBox 6">
@@ -40056,7 +40092,6 @@
                 </a:endParaRPr>
               </a:p>
               <a:p>
-                <a:pPr/>
                 <a:r>
                   <a:rPr lang="en-US" sz="1600" b="1" dirty="0">
                     <a:effectLst/>
@@ -40155,7 +40190,6 @@
                 <a:endParaRPr lang="en-US" sz="900" i="1" dirty="0"/>
               </a:p>
               <a:p>
-                <a:pPr/>
                 <a:endParaRPr lang="en-US" sz="900" i="1" dirty="0"/>
               </a:p>
               <a:p>
@@ -40180,7 +40214,7 @@
             </p:txBody>
           </p:sp>
         </mc:Choice>
-        <mc:Fallback>
+        <mc:Fallback xmlns="">
           <p:sp>
             <p:nvSpPr>
               <p:cNvPr id="7" name="TextBox 6">
@@ -41257,7 +41291,7 @@
         </p:blipFill>
         <p:spPr>
           <a:xfrm>
-            <a:off x="2537876" y="1849581"/>
+            <a:off x="2471201" y="1849581"/>
             <a:ext cx="7249598" cy="4689331"/>
           </a:xfrm>
           <a:prstGeom prst="rect">
@@ -41265,6 +41299,490 @@
           </a:prstGeom>
         </p:spPr>
       </p:pic>
+      <p:sp>
+        <p:nvSpPr>
+          <p:cNvPr id="6" name="TextBox 5">
+            <a:extLst>
+              <a:ext uri="{FF2B5EF4-FFF2-40B4-BE49-F238E27FC236}">
+                <a16:creationId xmlns:a16="http://schemas.microsoft.com/office/drawing/2014/main" id="{0D704434-C29C-7E42-BA3A-B539E99F24BC}"/>
+              </a:ext>
+            </a:extLst>
+          </p:cNvPr>
+          <p:cNvSpPr txBox="1"/>
+          <p:nvPr/>
+        </p:nvSpPr>
+        <p:spPr>
+          <a:xfrm>
+            <a:off x="7419107" y="2931093"/>
+            <a:ext cx="1614055" cy="276999"/>
+          </a:xfrm>
+          <a:prstGeom prst="rect">
+            <a:avLst/>
+          </a:prstGeom>
+          <a:noFill/>
+        </p:spPr>
+        <p:txBody>
+          <a:bodyPr wrap="square" rtlCol="0">
+            <a:spAutoFit/>
+          </a:bodyPr>
+          <a:lstStyle/>
+          <a:p>
+            <a:r>
+              <a:rPr lang="en-US" sz="1200" dirty="0"/>
+              <a:t>// Assign core set</a:t>
+            </a:r>
+            <a:endParaRPr lang="it-IT" sz="1200" dirty="0"/>
+          </a:p>
+        </p:txBody>
+      </p:sp>
+      <p:sp>
+        <p:nvSpPr>
+          <p:cNvPr id="7" name="TextBox 6">
+            <a:extLst>
+              <a:ext uri="{FF2B5EF4-FFF2-40B4-BE49-F238E27FC236}">
+                <a16:creationId xmlns:a16="http://schemas.microsoft.com/office/drawing/2014/main" id="{86C69535-8890-2123-4A51-3A1887913C8D}"/>
+              </a:ext>
+            </a:extLst>
+          </p:cNvPr>
+          <p:cNvSpPr txBox="1"/>
+          <p:nvPr/>
+        </p:nvSpPr>
+        <p:spPr>
+          <a:xfrm>
+            <a:off x="7419106" y="3142880"/>
+            <a:ext cx="1614055" cy="276999"/>
+          </a:xfrm>
+          <a:prstGeom prst="rect">
+            <a:avLst/>
+          </a:prstGeom>
+          <a:noFill/>
+        </p:spPr>
+        <p:txBody>
+          <a:bodyPr wrap="square" rtlCol="0">
+            <a:spAutoFit/>
+          </a:bodyPr>
+          <a:lstStyle/>
+          <a:p>
+            <a:r>
+              <a:rPr lang="en-US" sz="1200" dirty="0"/>
+              <a:t>// Assign center</a:t>
+            </a:r>
+            <a:endParaRPr lang="it-IT" sz="1200" dirty="0"/>
+          </a:p>
+        </p:txBody>
+      </p:sp>
+      <p:sp>
+        <p:nvSpPr>
+          <p:cNvPr id="8" name="TextBox 7">
+            <a:extLst>
+              <a:ext uri="{FF2B5EF4-FFF2-40B4-BE49-F238E27FC236}">
+                <a16:creationId xmlns:a16="http://schemas.microsoft.com/office/drawing/2014/main" id="{138E23EE-97B5-31AE-CF6E-CB58C1E471A0}"/>
+              </a:ext>
+            </a:extLst>
+          </p:cNvPr>
+          <p:cNvSpPr txBox="1"/>
+          <p:nvPr/>
+        </p:nvSpPr>
+        <p:spPr>
+          <a:xfrm>
+            <a:off x="7419108" y="3356463"/>
+            <a:ext cx="1614055" cy="276999"/>
+          </a:xfrm>
+          <a:prstGeom prst="rect">
+            <a:avLst/>
+          </a:prstGeom>
+          <a:noFill/>
+        </p:spPr>
+        <p:txBody>
+          <a:bodyPr wrap="square" rtlCol="0">
+            <a:spAutoFit/>
+          </a:bodyPr>
+          <a:lstStyle/>
+          <a:p>
+            <a:r>
+              <a:rPr lang="en-US" sz="1200" dirty="0"/>
+              <a:t>// Assign r</a:t>
+            </a:r>
+            <a:r>
+              <a:rPr lang="en-US" sz="1200" baseline="30000" dirty="0"/>
+              <a:t>2</a:t>
+            </a:r>
+            <a:endParaRPr lang="it-IT" sz="1200" baseline="30000" dirty="0"/>
+          </a:p>
+        </p:txBody>
+      </p:sp>
+      <p:sp>
+        <p:nvSpPr>
+          <p:cNvPr id="9" name="TextBox 8">
+            <a:extLst>
+              <a:ext uri="{FF2B5EF4-FFF2-40B4-BE49-F238E27FC236}">
+                <a16:creationId xmlns:a16="http://schemas.microsoft.com/office/drawing/2014/main" id="{D7A97AE7-A239-689C-531C-5F0556116A12}"/>
+              </a:ext>
+            </a:extLst>
+          </p:cNvPr>
+          <p:cNvSpPr txBox="1"/>
+          <p:nvPr/>
+        </p:nvSpPr>
+        <p:spPr>
+          <a:xfrm>
+            <a:off x="7419106" y="3523172"/>
+            <a:ext cx="1967348" cy="276999"/>
+          </a:xfrm>
+          <a:prstGeom prst="rect">
+            <a:avLst/>
+          </a:prstGeom>
+          <a:noFill/>
+        </p:spPr>
+        <p:txBody>
+          <a:bodyPr wrap="square" rtlCol="0">
+            <a:spAutoFit/>
+          </a:bodyPr>
+          <a:lstStyle/>
+          <a:p>
+            <a:r>
+              <a:rPr lang="en-US" sz="1200" dirty="0"/>
+              <a:t>// Find furthest point index</a:t>
+            </a:r>
+            <a:endParaRPr lang="it-IT" sz="1200" baseline="30000" dirty="0"/>
+          </a:p>
+        </p:txBody>
+      </p:sp>
+      <p:sp>
+        <p:nvSpPr>
+          <p:cNvPr id="10" name="TextBox 9">
+            <a:extLst>
+              <a:ext uri="{FF2B5EF4-FFF2-40B4-BE49-F238E27FC236}">
+                <a16:creationId xmlns:a16="http://schemas.microsoft.com/office/drawing/2014/main" id="{A86C5DEC-3729-DE05-CCA1-635C9B9271B7}"/>
+              </a:ext>
+            </a:extLst>
+          </p:cNvPr>
+          <p:cNvSpPr txBox="1"/>
+          <p:nvPr/>
+        </p:nvSpPr>
+        <p:spPr>
+          <a:xfrm>
+            <a:off x="7419103" y="2746493"/>
+            <a:ext cx="1614055" cy="276999"/>
+          </a:xfrm>
+          <a:prstGeom prst="rect">
+            <a:avLst/>
+          </a:prstGeom>
+          <a:noFill/>
+        </p:spPr>
+        <p:txBody>
+          <a:bodyPr wrap="square" rtlCol="0">
+            <a:spAutoFit/>
+          </a:bodyPr>
+          <a:lstStyle/>
+          <a:p>
+            <a:r>
+              <a:rPr lang="en-US" sz="1200" dirty="0"/>
+              <a:t>// Feasible solution</a:t>
+            </a:r>
+            <a:endParaRPr lang="it-IT" sz="1200" dirty="0"/>
+          </a:p>
+        </p:txBody>
+      </p:sp>
+      <p:sp>
+        <p:nvSpPr>
+          <p:cNvPr id="12" name="TextBox 11">
+            <a:extLst>
+              <a:ext uri="{FF2B5EF4-FFF2-40B4-BE49-F238E27FC236}">
+                <a16:creationId xmlns:a16="http://schemas.microsoft.com/office/drawing/2014/main" id="{AA687E54-10DE-7899-448C-6BB89C7713F3}"/>
+              </a:ext>
+            </a:extLst>
+          </p:cNvPr>
+          <p:cNvSpPr txBox="1"/>
+          <p:nvPr/>
+        </p:nvSpPr>
+        <p:spPr>
+          <a:xfrm>
+            <a:off x="7419106" y="3773235"/>
+            <a:ext cx="1967348" cy="276999"/>
+          </a:xfrm>
+          <a:prstGeom prst="rect">
+            <a:avLst/>
+          </a:prstGeom>
+          <a:noFill/>
+        </p:spPr>
+        <p:txBody>
+          <a:bodyPr wrap="square" rtlCol="0">
+            <a:spAutoFit/>
+          </a:bodyPr>
+          <a:lstStyle/>
+          <a:p>
+            <a:r>
+              <a:rPr lang="en-US" sz="1200" dirty="0"/>
+              <a:t>// Find error bound</a:t>
+            </a:r>
+            <a:endParaRPr lang="it-IT" sz="1200" baseline="30000" dirty="0"/>
+          </a:p>
+        </p:txBody>
+      </p:sp>
+      <p:sp>
+        <p:nvSpPr>
+          <p:cNvPr id="13" name="TextBox 12">
+            <a:extLst>
+              <a:ext uri="{FF2B5EF4-FFF2-40B4-BE49-F238E27FC236}">
+                <a16:creationId xmlns:a16="http://schemas.microsoft.com/office/drawing/2014/main" id="{1F98CF31-B168-3F7E-555C-A3748F4DCBA5}"/>
+              </a:ext>
+            </a:extLst>
+          </p:cNvPr>
+          <p:cNvSpPr txBox="1"/>
+          <p:nvPr/>
+        </p:nvSpPr>
+        <p:spPr>
+          <a:xfrm>
+            <a:off x="7419106" y="4527956"/>
+            <a:ext cx="1967348" cy="276999"/>
+          </a:xfrm>
+          <a:prstGeom prst="rect">
+            <a:avLst/>
+          </a:prstGeom>
+          <a:noFill/>
+        </p:spPr>
+        <p:txBody>
+          <a:bodyPr wrap="square" rtlCol="0">
+            <a:spAutoFit/>
+          </a:bodyPr>
+          <a:lstStyle/>
+          <a:p>
+            <a:r>
+              <a:rPr lang="en-US" sz="1200" dirty="0"/>
+              <a:t>// Update learning rate</a:t>
+            </a:r>
+            <a:endParaRPr lang="it-IT" sz="1200" baseline="30000" dirty="0"/>
+          </a:p>
+        </p:txBody>
+      </p:sp>
+      <p:sp>
+        <p:nvSpPr>
+          <p:cNvPr id="14" name="TextBox 13">
+            <a:extLst>
+              <a:ext uri="{FF2B5EF4-FFF2-40B4-BE49-F238E27FC236}">
+                <a16:creationId xmlns:a16="http://schemas.microsoft.com/office/drawing/2014/main" id="{E6D930B4-61EE-12E5-458B-367BE9B56188}"/>
+              </a:ext>
+            </a:extLst>
+          </p:cNvPr>
+          <p:cNvSpPr txBox="1"/>
+          <p:nvPr/>
+        </p:nvSpPr>
+        <p:spPr>
+          <a:xfrm>
+            <a:off x="7419105" y="4952891"/>
+            <a:ext cx="2362204" cy="276999"/>
+          </a:xfrm>
+          <a:prstGeom prst="rect">
+            <a:avLst/>
+          </a:prstGeom>
+          <a:noFill/>
+        </p:spPr>
+        <p:txBody>
+          <a:bodyPr wrap="square" rtlCol="0">
+            <a:spAutoFit/>
+          </a:bodyPr>
+          <a:lstStyle/>
+          <a:p>
+            <a:r>
+              <a:rPr lang="en-US" sz="1200" dirty="0"/>
+              <a:t>// Update </a:t>
+            </a:r>
+            <a:r>
+              <a:rPr lang="en-US" sz="1200" dirty="0" err="1"/>
+              <a:t>Lagrangian</a:t>
+            </a:r>
+            <a:r>
+              <a:rPr lang="en-US" sz="1200" dirty="0"/>
+              <a:t> Multipliers</a:t>
+            </a:r>
+            <a:endParaRPr lang="it-IT" sz="1200" dirty="0"/>
+          </a:p>
+        </p:txBody>
+      </p:sp>
+      <p:sp>
+        <p:nvSpPr>
+          <p:cNvPr id="15" name="TextBox 14">
+            <a:extLst>
+              <a:ext uri="{FF2B5EF4-FFF2-40B4-BE49-F238E27FC236}">
+                <a16:creationId xmlns:a16="http://schemas.microsoft.com/office/drawing/2014/main" id="{BEFBA349-AF72-2F3F-5F9F-D71DAE1AF226}"/>
+              </a:ext>
+            </a:extLst>
+          </p:cNvPr>
+          <p:cNvSpPr txBox="1"/>
+          <p:nvPr/>
+        </p:nvSpPr>
+        <p:spPr>
+          <a:xfrm>
+            <a:off x="7419105" y="5164678"/>
+            <a:ext cx="1614055" cy="276999"/>
+          </a:xfrm>
+          <a:prstGeom prst="rect">
+            <a:avLst/>
+          </a:prstGeom>
+          <a:noFill/>
+        </p:spPr>
+        <p:txBody>
+          <a:bodyPr wrap="square" rtlCol="0">
+            <a:spAutoFit/>
+          </a:bodyPr>
+          <a:lstStyle/>
+          <a:p>
+            <a:r>
+              <a:rPr lang="en-US" sz="1200" dirty="0"/>
+              <a:t>// Update center</a:t>
+            </a:r>
+            <a:endParaRPr lang="it-IT" sz="1200" dirty="0"/>
+          </a:p>
+        </p:txBody>
+      </p:sp>
+      <p:sp>
+        <p:nvSpPr>
+          <p:cNvPr id="16" name="TextBox 15">
+            <a:extLst>
+              <a:ext uri="{FF2B5EF4-FFF2-40B4-BE49-F238E27FC236}">
+                <a16:creationId xmlns:a16="http://schemas.microsoft.com/office/drawing/2014/main" id="{CCD18B71-D570-06DE-3C78-96850DB8DB76}"/>
+              </a:ext>
+            </a:extLst>
+          </p:cNvPr>
+          <p:cNvSpPr txBox="1"/>
+          <p:nvPr/>
+        </p:nvSpPr>
+        <p:spPr>
+          <a:xfrm>
+            <a:off x="7419105" y="5363009"/>
+            <a:ext cx="1614055" cy="276999"/>
+          </a:xfrm>
+          <a:prstGeom prst="rect">
+            <a:avLst/>
+          </a:prstGeom>
+          <a:noFill/>
+        </p:spPr>
+        <p:txBody>
+          <a:bodyPr wrap="square" rtlCol="0">
+            <a:spAutoFit/>
+          </a:bodyPr>
+          <a:lstStyle/>
+          <a:p>
+            <a:r>
+              <a:rPr lang="en-US" sz="1200" dirty="0"/>
+              <a:t>// Update core set</a:t>
+            </a:r>
+            <a:endParaRPr lang="it-IT" sz="1200" dirty="0"/>
+          </a:p>
+        </p:txBody>
+      </p:sp>
+      <p:sp>
+        <p:nvSpPr>
+          <p:cNvPr id="17" name="TextBox 16">
+            <a:extLst>
+              <a:ext uri="{FF2B5EF4-FFF2-40B4-BE49-F238E27FC236}">
+                <a16:creationId xmlns:a16="http://schemas.microsoft.com/office/drawing/2014/main" id="{9F4AAA0D-CF83-EDE0-9A3E-A1052781A855}"/>
+              </a:ext>
+            </a:extLst>
+          </p:cNvPr>
+          <p:cNvSpPr txBox="1"/>
+          <p:nvPr/>
+        </p:nvSpPr>
+        <p:spPr>
+          <a:xfrm>
+            <a:off x="7419104" y="5589394"/>
+            <a:ext cx="1614055" cy="276999"/>
+          </a:xfrm>
+          <a:prstGeom prst="rect">
+            <a:avLst/>
+          </a:prstGeom>
+          <a:noFill/>
+        </p:spPr>
+        <p:txBody>
+          <a:bodyPr wrap="square" rtlCol="0">
+            <a:spAutoFit/>
+          </a:bodyPr>
+          <a:lstStyle/>
+          <a:p>
+            <a:r>
+              <a:rPr lang="en-US" sz="1200" dirty="0"/>
+              <a:t>// Update r</a:t>
+            </a:r>
+            <a:r>
+              <a:rPr lang="en-US" sz="1200" baseline="30000" dirty="0"/>
+              <a:t>2</a:t>
+            </a:r>
+            <a:endParaRPr lang="it-IT" sz="1200" baseline="30000" dirty="0"/>
+          </a:p>
+        </p:txBody>
+      </p:sp>
+      <p:sp>
+        <p:nvSpPr>
+          <p:cNvPr id="18" name="TextBox 17">
+            <a:extLst>
+              <a:ext uri="{FF2B5EF4-FFF2-40B4-BE49-F238E27FC236}">
+                <a16:creationId xmlns:a16="http://schemas.microsoft.com/office/drawing/2014/main" id="{B3DBEEDA-33D1-3CF6-A396-F8C572EBEDD7}"/>
+              </a:ext>
+            </a:extLst>
+          </p:cNvPr>
+          <p:cNvSpPr txBox="1"/>
+          <p:nvPr/>
+        </p:nvSpPr>
+        <p:spPr>
+          <a:xfrm>
+            <a:off x="7419104" y="5787264"/>
+            <a:ext cx="1967348" cy="276999"/>
+          </a:xfrm>
+          <a:prstGeom prst="rect">
+            <a:avLst/>
+          </a:prstGeom>
+          <a:noFill/>
+        </p:spPr>
+        <p:txBody>
+          <a:bodyPr wrap="square" rtlCol="0">
+            <a:spAutoFit/>
+          </a:bodyPr>
+          <a:lstStyle/>
+          <a:p>
+            <a:r>
+              <a:rPr lang="en-US" sz="1200" dirty="0"/>
+              <a:t>// Find furthest point index</a:t>
+            </a:r>
+            <a:endParaRPr lang="it-IT" sz="1200" baseline="30000" dirty="0"/>
+          </a:p>
+        </p:txBody>
+      </p:sp>
+      <p:sp>
+        <p:nvSpPr>
+          <p:cNvPr id="19" name="TextBox 18">
+            <a:extLst>
+              <a:ext uri="{FF2B5EF4-FFF2-40B4-BE49-F238E27FC236}">
+                <a16:creationId xmlns:a16="http://schemas.microsoft.com/office/drawing/2014/main" id="{8E8CBA8A-5122-3201-B81A-8DC1F7D5C045}"/>
+              </a:ext>
+            </a:extLst>
+          </p:cNvPr>
+          <p:cNvSpPr txBox="1"/>
+          <p:nvPr/>
+        </p:nvSpPr>
+        <p:spPr>
+          <a:xfrm>
+            <a:off x="7419104" y="6004199"/>
+            <a:ext cx="1967348" cy="276999"/>
+          </a:xfrm>
+          <a:prstGeom prst="rect">
+            <a:avLst/>
+          </a:prstGeom>
+          <a:noFill/>
+        </p:spPr>
+        <p:txBody>
+          <a:bodyPr wrap="square" rtlCol="0">
+            <a:spAutoFit/>
+          </a:bodyPr>
+          <a:lstStyle/>
+          <a:p>
+            <a:r>
+              <a:rPr lang="en-US" sz="1200" dirty="0"/>
+              <a:t>// Find error bound</a:t>
+            </a:r>
+            <a:endParaRPr lang="it-IT" sz="1200" baseline="30000" dirty="0"/>
+          </a:p>
+        </p:txBody>
+      </p:sp>
     </p:spTree>
     <p:extLst>
       <p:ext uri="{BB962C8B-B14F-4D97-AF65-F5344CB8AC3E}">
@@ -42090,15 +42608,6 @@
 </file>
 
 <file path=customXml/item2.xml><?xml version="1.0" encoding="utf-8"?>
-<?mso-contentType ?>
-<FormTemplates xmlns="http://schemas.microsoft.com/sharepoint/v3/contenttype/forms">
-  <Display>DocumentLibraryForm</Display>
-  <Edit>DocumentLibraryForm</Edit>
-  <New>DocumentLibraryForm</New>
-</FormTemplates>
-</file>
-
-<file path=customXml/item3.xml><?xml version="1.0" encoding="utf-8"?>
 <ct:contentTypeSchema xmlns:ct="http://schemas.microsoft.com/office/2006/metadata/contentType" xmlns:ma="http://schemas.microsoft.com/office/2006/metadata/properties/metaAttributes" ct:_="" ma:_="" ma:contentTypeName="Document" ma:contentTypeID="0x01010079F111ED35F8CC479449609E8A0923A6" ma:contentTypeVersion="27" ma:contentTypeDescription="Create a new document." ma:contentTypeScope="" ma:versionID="c6f9a84f66a9c8b9a21755b9ffafb945">
   <xsd:schema xmlns:xsd="http://www.w3.org/2001/XMLSchema" xmlns:xs="http://www.w3.org/2001/XMLSchema" xmlns:p="http://schemas.microsoft.com/office/2006/metadata/properties" xmlns:ns1="http://schemas.microsoft.com/sharepoint/v3" xmlns:ns2="71af3243-3dd4-4a8d-8c0d-dd76da1f02a5" xmlns:ns3="16c05727-aa75-4e4a-9b5f-8a80a1165891" xmlns:ns4="230e9df3-be65-4c73-a93b-d1236ebd677e" targetNamespace="http://schemas.microsoft.com/office/2006/metadata/properties" ma:root="true" ma:fieldsID="27df39e3e7036dff54f89ddd5805ce72" ns1:_="" ns2:_="" ns3:_="" ns4:_="">
     <xsd:import namespace="http://schemas.microsoft.com/sharepoint/v3"/>
@@ -42404,6 +42913,15 @@
 </ct:contentTypeSchema>
 </file>
 
+<file path=customXml/item3.xml><?xml version="1.0" encoding="utf-8"?>
+<?mso-contentType ?>
+<FormTemplates xmlns="http://schemas.microsoft.com/sharepoint/v3/contenttype/forms">
+  <Display>DocumentLibraryForm</Display>
+  <Edit>DocumentLibraryForm</Edit>
+  <New>DocumentLibraryForm</New>
+</FormTemplates>
+</file>
+
 <file path=customXml/itemProps1.xml><?xml version="1.0" encoding="utf-8"?>
 <ds:datastoreItem xmlns:ds="http://schemas.openxmlformats.org/officeDocument/2006/customXml" ds:itemID="{6EA97235-BEC4-4F82-87A8-2F5DAD53B5F9}">
   <ds:schemaRefs>
@@ -42417,14 +42935,6 @@
 </file>
 
 <file path=customXml/itemProps2.xml><?xml version="1.0" encoding="utf-8"?>
-<ds:datastoreItem xmlns:ds="http://schemas.openxmlformats.org/officeDocument/2006/customXml" ds:itemID="{79BF405E-7930-4D5C-ABB3-493E9D6D6CEA}">
-  <ds:schemaRefs>
-    <ds:schemaRef ds:uri="http://schemas.microsoft.com/sharepoint/v3/contenttype/forms"/>
-  </ds:schemaRefs>
-</ds:datastoreItem>
-</file>
-
-<file path=customXml/itemProps3.xml><?xml version="1.0" encoding="utf-8"?>
 <ds:datastoreItem xmlns:ds="http://schemas.openxmlformats.org/officeDocument/2006/customXml" ds:itemID="{2C1F447F-FAA8-4106-988B-648F3C8EDB2D}">
   <ds:schemaRefs>
     <ds:schemaRef ds:uri="http://schemas.microsoft.com/office/2006/metadata/contentType"/>
@@ -42445,6 +42955,14 @@
 </ds:datastoreItem>
 </file>
 
+<file path=customXml/itemProps3.xml><?xml version="1.0" encoding="utf-8"?>
+<ds:datastoreItem xmlns:ds="http://schemas.openxmlformats.org/officeDocument/2006/customXml" ds:itemID="{79BF405E-7930-4D5C-ABB3-493E9D6D6CEA}">
+  <ds:schemaRefs>
+    <ds:schemaRef ds:uri="http://schemas.microsoft.com/sharepoint/v3/contenttype/forms"/>
+  </ds:schemaRefs>
+</ds:datastoreItem>
+</file>
+
 <file path=docMetadata/LabelInfo.xml><?xml version="1.0" encoding="utf-8"?>
 <clbl:labelList xmlns:clbl="http://schemas.microsoft.com/office/2020/mipLabelMetadata"/>
 </file>
--- a/Theory/Minimum Enclosing Ball for FW.pptx
+++ b/Theory/Minimum Enclosing Ball for FW.pptx
@@ -260,7 +260,7 @@
           <a:p>
             <a:fld id="{F352A77B-D33C-49B3-A83C-450AA2ED72B3}" type="datetimeFigureOut">
               <a:rPr lang="en-US" smtClean="0"/>
-              <a:t>9/23/2023</a:t>
+              <a:t>23-Sep-23</a:t>
             </a:fld>
             <a:endParaRPr lang="en-US" dirty="0"/>
           </a:p>
@@ -437,7 +437,7 @@
           <a:p>
             <a:fld id="{E38D8F9A-F5CB-4EF8-A859-ED5E107B9763}" type="datetimeFigureOut">
               <a:rPr lang="en-US" smtClean="0"/>
-              <a:t>9/23/2023</a:t>
+              <a:t>23-Sep-23</a:t>
             </a:fld>
             <a:endParaRPr lang="en-US" dirty="0"/>
           </a:p>
@@ -16092,7 +16092,7 @@
           <a:p>
             <a:r>
               <a:rPr lang="en-US" dirty="0"/>
-              <a:t>Good results with Algorithm 1, but didn’t converge with Algorithm 2.</a:t>
+              <a:t>Good results with Algorithm 1 but didn’t converge with Algorithm 2.</a:t>
             </a:r>
           </a:p>
           <a:p>
@@ -16142,39 +16142,407 @@
           </a:p>
         </p:txBody>
       </p:sp>
-      <p:sp>
-        <p:nvSpPr>
-          <p:cNvPr id="10" name="Text Placeholder 9">
-            <a:extLst>
-              <a:ext uri="{FF2B5EF4-FFF2-40B4-BE49-F238E27FC236}">
-                <a16:creationId xmlns:a16="http://schemas.microsoft.com/office/drawing/2014/main" id="{02D305EF-9A88-496B-BFC1-D589A01EE381}"/>
-              </a:ext>
-            </a:extLst>
-          </p:cNvPr>
-          <p:cNvSpPr>
-            <a:spLocks noGrp="1"/>
-          </p:cNvSpPr>
-          <p:nvPr>
-            <p:ph type="body" sz="quarter" idx="20"/>
-          </p:nvPr>
-        </p:nvSpPr>
-        <p:spPr>
-          <a:xfrm>
-            <a:off x="6175279" y="4824430"/>
-            <a:ext cx="5539095" cy="1010842"/>
-          </a:xfrm>
-        </p:spPr>
-        <p:txBody>
-          <a:bodyPr/>
-          <a:lstStyle/>
-          <a:p>
-            <a:r>
-              <a:rPr lang="en-US" u="sng" dirty="0"/>
-              <a:t>Good results, fast convergence for the three Algorithms.</a:t>
-            </a:r>
-          </a:p>
-        </p:txBody>
-      </p:sp>
+      <mc:AlternateContent xmlns:mc="http://schemas.openxmlformats.org/markup-compatibility/2006">
+        <mc:Choice xmlns:a14="http://schemas.microsoft.com/office/drawing/2010/main" Requires="a14">
+          <p:sp>
+            <p:nvSpPr>
+              <p:cNvPr id="10" name="Text Placeholder 9">
+                <a:extLst>
+                  <a:ext uri="{FF2B5EF4-FFF2-40B4-BE49-F238E27FC236}">
+                    <a16:creationId xmlns:a16="http://schemas.microsoft.com/office/drawing/2014/main" id="{02D305EF-9A88-496B-BFC1-D589A01EE381}"/>
+                  </a:ext>
+                </a:extLst>
+              </p:cNvPr>
+              <p:cNvSpPr>
+                <a:spLocks noGrp="1"/>
+              </p:cNvSpPr>
+              <p:nvPr>
+                <p:ph type="body" sz="quarter" idx="20"/>
+              </p:nvPr>
+            </p:nvSpPr>
+            <p:spPr>
+              <a:xfrm>
+                <a:off x="6175279" y="4824429"/>
+                <a:ext cx="5539095" cy="1381061"/>
+              </a:xfrm>
+            </p:spPr>
+            <p:txBody>
+              <a:bodyPr/>
+              <a:lstStyle/>
+              <a:p>
+                <a:r>
+                  <a:rPr lang="en-US" u="sng" dirty="0"/>
+                  <a:t>Good results, fast convergence for the three Algorithms.</a:t>
+                </a:r>
+              </a:p>
+              <a:p>
+                <a:r>
+                  <a:rPr lang="en-US" sz="1400" dirty="0">
+                    <a:effectLst/>
+                    <a:ea typeface="Times New Roman" panose="02020603050405020304" pitchFamily="18" charset="0"/>
+                    <a:cs typeface="Arial" panose="020B0604020202020204" pitchFamily="34" charset="0"/>
+                  </a:rPr>
+                  <a:t> </a:t>
+                </a:r>
+                <a14:m>
+                  <m:oMath xmlns:m="http://schemas.openxmlformats.org/officeDocument/2006/math">
+                    <m:r>
+                      <a:rPr lang="en-US" sz="1800" b="0" i="0" smtClean="0">
+                        <a:effectLst/>
+                        <a:latin typeface="Cambria Math" panose="02040503050406030204" pitchFamily="18" charset="0"/>
+                        <a:ea typeface="Times New Roman" panose="02020603050405020304" pitchFamily="18" charset="0"/>
+                        <a:cs typeface="Arial" panose="020B0604020202020204" pitchFamily="34" charset="0"/>
+                      </a:rPr>
+                      <m:t>            </m:t>
+                    </m:r>
+                    <m:r>
+                      <a:rPr lang="en-US" sz="1800" i="1" smtClean="0">
+                        <a:effectLst/>
+                        <a:latin typeface="Cambria Math" panose="02040503050406030204" pitchFamily="18" charset="0"/>
+                        <a:ea typeface="Times New Roman" panose="02020603050405020304" pitchFamily="18" charset="0"/>
+                        <a:cs typeface="Arial" panose="020B0604020202020204" pitchFamily="34" charset="0"/>
+                      </a:rPr>
+                      <m:t>𝛼</m:t>
+                    </m:r>
+                    <m:r>
+                      <a:rPr lang="en-US" sz="1800" i="1" smtClean="0">
+                        <a:effectLst/>
+                        <a:latin typeface="Cambria Math" panose="02040503050406030204" pitchFamily="18" charset="0"/>
+                        <a:ea typeface="Times New Roman" panose="02020603050405020304" pitchFamily="18" charset="0"/>
+                        <a:cs typeface="Arial" panose="020B0604020202020204" pitchFamily="34" charset="0"/>
+                      </a:rPr>
+                      <m:t>=−</m:t>
+                    </m:r>
+                    <m:f>
+                      <m:fPr>
+                        <m:ctrlPr>
+                          <a:rPr lang="en-US" sz="1800" i="1">
+                            <a:effectLst/>
+                            <a:latin typeface="Cambria Math" panose="02040503050406030204" pitchFamily="18" charset="0"/>
+                            <a:ea typeface="Times New Roman" panose="02020603050405020304" pitchFamily="18" charset="0"/>
+                            <a:cs typeface="Arial" panose="020B0604020202020204" pitchFamily="34" charset="0"/>
+                          </a:rPr>
+                        </m:ctrlPr>
+                      </m:fPr>
+                      <m:num>
+                        <m:sSup>
+                          <m:sSupPr>
+                            <m:ctrlPr>
+                              <a:rPr lang="en-US" sz="1800" i="1">
+                                <a:effectLst/>
+                                <a:latin typeface="Cambria Math" panose="02040503050406030204" pitchFamily="18" charset="0"/>
+                                <a:ea typeface="Times New Roman" panose="02020603050405020304" pitchFamily="18" charset="0"/>
+                                <a:cs typeface="Arial" panose="020B0604020202020204" pitchFamily="34" charset="0"/>
+                              </a:rPr>
+                            </m:ctrlPr>
+                          </m:sSupPr>
+                          <m:e>
+                            <m:r>
+                              <m:rPr>
+                                <m:sty m:val="p"/>
+                              </m:rPr>
+                              <a:rPr lang="en-US" sz="1800">
+                                <a:effectLst/>
+                                <a:latin typeface="Cambria Math" panose="02040503050406030204" pitchFamily="18" charset="0"/>
+                                <a:ea typeface="Times New Roman" panose="02020603050405020304" pitchFamily="18" charset="0"/>
+                                <a:cs typeface="Arial" panose="020B0604020202020204" pitchFamily="34" charset="0"/>
+                              </a:rPr>
+                              <m:t>∇Φ</m:t>
+                            </m:r>
+                            <m:d>
+                              <m:dPr>
+                                <m:ctrlPr>
+                                  <a:rPr lang="en-US" sz="1800" i="1">
+                                    <a:effectLst/>
+                                    <a:latin typeface="Cambria Math" panose="02040503050406030204" pitchFamily="18" charset="0"/>
+                                    <a:ea typeface="Times New Roman" panose="02020603050405020304" pitchFamily="18" charset="0"/>
+                                    <a:cs typeface="Arial" panose="020B0604020202020204" pitchFamily="34" charset="0"/>
+                                  </a:rPr>
+                                </m:ctrlPr>
+                              </m:dPr>
+                              <m:e>
+                                <m:sSup>
+                                  <m:sSupPr>
+                                    <m:ctrlPr>
+                                      <a:rPr lang="en-US" sz="1800" b="1" i="1">
+                                        <a:effectLst/>
+                                        <a:latin typeface="Cambria Math" panose="02040503050406030204" pitchFamily="18" charset="0"/>
+                                        <a:ea typeface="Times New Roman" panose="02020603050405020304" pitchFamily="18" charset="0"/>
+                                        <a:cs typeface="Arial" panose="020B0604020202020204" pitchFamily="34" charset="0"/>
+                                      </a:rPr>
+                                    </m:ctrlPr>
+                                  </m:sSupPr>
+                                  <m:e>
+                                    <m:r>
+                                      <a:rPr lang="en-US" sz="1800" b="1" i="1">
+                                        <a:effectLst/>
+                                        <a:latin typeface="Cambria Math" panose="02040503050406030204" pitchFamily="18" charset="0"/>
+                                        <a:ea typeface="Times New Roman" panose="02020603050405020304" pitchFamily="18" charset="0"/>
+                                        <a:cs typeface="Arial" panose="020B0604020202020204" pitchFamily="34" charset="0"/>
+                                      </a:rPr>
+                                      <m:t>𝒖</m:t>
+                                    </m:r>
+                                  </m:e>
+                                  <m:sup>
+                                    <m:r>
+                                      <a:rPr lang="en-US" sz="1800" b="1" i="1">
+                                        <a:effectLst/>
+                                        <a:latin typeface="Cambria Math" panose="02040503050406030204" pitchFamily="18" charset="0"/>
+                                        <a:ea typeface="Times New Roman" panose="02020603050405020304" pitchFamily="18" charset="0"/>
+                                        <a:cs typeface="Arial" panose="020B0604020202020204" pitchFamily="34" charset="0"/>
+                                      </a:rPr>
+                                      <m:t>𝒕</m:t>
+                                    </m:r>
+                                  </m:sup>
+                                </m:sSup>
+                              </m:e>
+                            </m:d>
+                          </m:e>
+                          <m:sup>
+                            <m:r>
+                              <a:rPr lang="en-US" sz="1800" i="1">
+                                <a:effectLst/>
+                                <a:latin typeface="Cambria Math" panose="02040503050406030204" pitchFamily="18" charset="0"/>
+                                <a:ea typeface="Times New Roman" panose="02020603050405020304" pitchFamily="18" charset="0"/>
+                                <a:cs typeface="Arial" panose="020B0604020202020204" pitchFamily="34" charset="0"/>
+                              </a:rPr>
+                              <m:t>𝑇</m:t>
+                            </m:r>
+                          </m:sup>
+                        </m:sSup>
+                        <m:sSup>
+                          <m:sSupPr>
+                            <m:ctrlPr>
+                              <a:rPr lang="en-US" sz="1800" b="1" i="1">
+                                <a:effectLst/>
+                                <a:latin typeface="Cambria Math" panose="02040503050406030204" pitchFamily="18" charset="0"/>
+                                <a:ea typeface="Times New Roman" panose="02020603050405020304" pitchFamily="18" charset="0"/>
+                                <a:cs typeface="Arial" panose="020B0604020202020204" pitchFamily="34" charset="0"/>
+                              </a:rPr>
+                            </m:ctrlPr>
+                          </m:sSupPr>
+                          <m:e>
+                            <m:r>
+                              <a:rPr lang="en-US" sz="1800" b="1" i="1">
+                                <a:effectLst/>
+                                <a:latin typeface="Cambria Math" panose="02040503050406030204" pitchFamily="18" charset="0"/>
+                                <a:ea typeface="Times New Roman" panose="02020603050405020304" pitchFamily="18" charset="0"/>
+                                <a:cs typeface="Arial" panose="020B0604020202020204" pitchFamily="34" charset="0"/>
+                              </a:rPr>
+                              <m:t>𝒅</m:t>
+                            </m:r>
+                          </m:e>
+                          <m:sup>
+                            <m:r>
+                              <a:rPr lang="en-US" sz="1800" b="1" i="1">
+                                <a:effectLst/>
+                                <a:latin typeface="Cambria Math" panose="02040503050406030204" pitchFamily="18" charset="0"/>
+                                <a:ea typeface="Times New Roman" panose="02020603050405020304" pitchFamily="18" charset="0"/>
+                                <a:cs typeface="Arial" panose="020B0604020202020204" pitchFamily="34" charset="0"/>
+                              </a:rPr>
+                              <m:t>𝒕</m:t>
+                            </m:r>
+                          </m:sup>
+                        </m:sSup>
+                      </m:num>
+                      <m:den>
+                        <m:r>
+                          <a:rPr lang="en-US" sz="1800" i="1">
+                            <a:effectLst/>
+                            <a:latin typeface="Cambria Math" panose="02040503050406030204" pitchFamily="18" charset="0"/>
+                            <a:ea typeface="Times New Roman" panose="02020603050405020304" pitchFamily="18" charset="0"/>
+                            <a:cs typeface="Arial" panose="020B0604020202020204" pitchFamily="34" charset="0"/>
+                          </a:rPr>
+                          <m:t>2</m:t>
+                        </m:r>
+                        <m:sSup>
+                          <m:sSupPr>
+                            <m:ctrlPr>
+                              <a:rPr lang="en-US" sz="1800" b="1" i="1">
+                                <a:effectLst/>
+                                <a:latin typeface="Cambria Math" panose="02040503050406030204" pitchFamily="18" charset="0"/>
+                                <a:ea typeface="Times New Roman" panose="02020603050405020304" pitchFamily="18" charset="0"/>
+                                <a:cs typeface="Arial" panose="020B0604020202020204" pitchFamily="34" charset="0"/>
+                              </a:rPr>
+                            </m:ctrlPr>
+                          </m:sSupPr>
+                          <m:e>
+                            <m:sSup>
+                              <m:sSupPr>
+                                <m:ctrlPr>
+                                  <a:rPr lang="en-US" sz="1800" b="1" i="1">
+                                    <a:effectLst/>
+                                    <a:latin typeface="Cambria Math" panose="02040503050406030204" pitchFamily="18" charset="0"/>
+                                    <a:ea typeface="Times New Roman" panose="02020603050405020304" pitchFamily="18" charset="0"/>
+                                    <a:cs typeface="Arial" panose="020B0604020202020204" pitchFamily="34" charset="0"/>
+                                  </a:rPr>
+                                </m:ctrlPr>
+                              </m:sSupPr>
+                              <m:e>
+                                <m:r>
+                                  <a:rPr lang="en-US" sz="1800" b="1" i="1">
+                                    <a:effectLst/>
+                                    <a:latin typeface="Cambria Math" panose="02040503050406030204" pitchFamily="18" charset="0"/>
+                                    <a:ea typeface="Times New Roman" panose="02020603050405020304" pitchFamily="18" charset="0"/>
+                                    <a:cs typeface="Arial" panose="020B0604020202020204" pitchFamily="34" charset="0"/>
+                                  </a:rPr>
+                                  <m:t>𝒅</m:t>
+                                </m:r>
+                              </m:e>
+                              <m:sup>
+                                <m:r>
+                                  <a:rPr lang="en-US" sz="1800" b="1" i="1">
+                                    <a:effectLst/>
+                                    <a:latin typeface="Cambria Math" panose="02040503050406030204" pitchFamily="18" charset="0"/>
+                                    <a:ea typeface="Times New Roman" panose="02020603050405020304" pitchFamily="18" charset="0"/>
+                                    <a:cs typeface="Arial" panose="020B0604020202020204" pitchFamily="34" charset="0"/>
+                                  </a:rPr>
+                                  <m:t>𝒕</m:t>
+                                </m:r>
+                              </m:sup>
+                            </m:sSup>
+                          </m:e>
+                          <m:sup>
+                            <m:r>
+                              <a:rPr lang="en-US" sz="1800" b="1" i="1">
+                                <a:effectLst/>
+                                <a:latin typeface="Cambria Math" panose="02040503050406030204" pitchFamily="18" charset="0"/>
+                                <a:ea typeface="Times New Roman" panose="02020603050405020304" pitchFamily="18" charset="0"/>
+                                <a:cs typeface="Arial" panose="020B0604020202020204" pitchFamily="34" charset="0"/>
+                              </a:rPr>
+                              <m:t>𝑻</m:t>
+                            </m:r>
+                          </m:sup>
+                        </m:sSup>
+                        <m:sSup>
+                          <m:sSupPr>
+                            <m:ctrlPr>
+                              <a:rPr lang="en-US" sz="1800" b="1" i="1">
+                                <a:effectLst/>
+                                <a:latin typeface="Cambria Math" panose="02040503050406030204" pitchFamily="18" charset="0"/>
+                                <a:cs typeface="Arial" panose="020B0604020202020204" pitchFamily="34" charset="0"/>
+                              </a:rPr>
+                            </m:ctrlPr>
+                          </m:sSupPr>
+                          <m:e>
+                            <m:r>
+                              <a:rPr lang="en-US" sz="1800" b="1" i="1">
+                                <a:effectLst/>
+                                <a:latin typeface="Cambria Math" panose="02040503050406030204" pitchFamily="18" charset="0"/>
+                                <a:ea typeface="Calibri" panose="020F0502020204030204" pitchFamily="34" charset="0"/>
+                                <a:cs typeface="Arial" panose="020B0604020202020204" pitchFamily="34" charset="0"/>
+                              </a:rPr>
+                              <m:t>𝑨</m:t>
+                            </m:r>
+                          </m:e>
+                          <m:sup>
+                            <m:r>
+                              <a:rPr lang="en-US" sz="1800" b="1" i="1">
+                                <a:effectLst/>
+                                <a:latin typeface="Cambria Math" panose="02040503050406030204" pitchFamily="18" charset="0"/>
+                                <a:ea typeface="Calibri" panose="020F0502020204030204" pitchFamily="34" charset="0"/>
+                                <a:cs typeface="Arial" panose="020B0604020202020204" pitchFamily="34" charset="0"/>
+                              </a:rPr>
+                              <m:t>𝑻</m:t>
+                            </m:r>
+                          </m:sup>
+                        </m:sSup>
+                        <m:r>
+                          <a:rPr lang="en-US" sz="1800" b="1" i="1">
+                            <a:effectLst/>
+                            <a:latin typeface="Cambria Math" panose="02040503050406030204" pitchFamily="18" charset="0"/>
+                            <a:ea typeface="Calibri" panose="020F0502020204030204" pitchFamily="34" charset="0"/>
+                            <a:cs typeface="Arial" panose="020B0604020202020204" pitchFamily="34" charset="0"/>
+                          </a:rPr>
+                          <m:t>𝑨</m:t>
+                        </m:r>
+                        <m:sSup>
+                          <m:sSupPr>
+                            <m:ctrlPr>
+                              <a:rPr lang="en-US" sz="1800" b="1" i="1">
+                                <a:effectLst/>
+                                <a:latin typeface="Cambria Math" panose="02040503050406030204" pitchFamily="18" charset="0"/>
+                                <a:ea typeface="Times New Roman" panose="02020603050405020304" pitchFamily="18" charset="0"/>
+                                <a:cs typeface="Arial" panose="020B0604020202020204" pitchFamily="34" charset="0"/>
+                              </a:rPr>
+                            </m:ctrlPr>
+                          </m:sSupPr>
+                          <m:e>
+                            <m:r>
+                              <a:rPr lang="en-US" sz="1800" b="1" i="1">
+                                <a:effectLst/>
+                                <a:latin typeface="Cambria Math" panose="02040503050406030204" pitchFamily="18" charset="0"/>
+                                <a:ea typeface="Times New Roman" panose="02020603050405020304" pitchFamily="18" charset="0"/>
+                                <a:cs typeface="Arial" panose="020B0604020202020204" pitchFamily="34" charset="0"/>
+                              </a:rPr>
+                              <m:t>𝒅</m:t>
+                            </m:r>
+                          </m:e>
+                          <m:sup>
+                            <m:r>
+                              <a:rPr lang="en-US" sz="1800" b="1" i="1">
+                                <a:effectLst/>
+                                <a:latin typeface="Cambria Math" panose="02040503050406030204" pitchFamily="18" charset="0"/>
+                                <a:ea typeface="Times New Roman" panose="02020603050405020304" pitchFamily="18" charset="0"/>
+                                <a:cs typeface="Arial" panose="020B0604020202020204" pitchFamily="34" charset="0"/>
+                              </a:rPr>
+                              <m:t>𝒕</m:t>
+                            </m:r>
+                          </m:sup>
+                        </m:sSup>
+                      </m:den>
+                    </m:f>
+                  </m:oMath>
+                </a14:m>
+                <a:endParaRPr lang="en-US" u="sng" dirty="0"/>
+              </a:p>
+            </p:txBody>
+          </p:sp>
+        </mc:Choice>
+        <mc:Fallback>
+          <p:sp>
+            <p:nvSpPr>
+              <p:cNvPr id="10" name="Text Placeholder 9">
+                <a:extLst>
+                  <a:ext uri="{FF2B5EF4-FFF2-40B4-BE49-F238E27FC236}">
+                    <a16:creationId xmlns:a16="http://schemas.microsoft.com/office/drawing/2014/main" id="{02D305EF-9A88-496B-BFC1-D589A01EE381}"/>
+                  </a:ext>
+                </a:extLst>
+              </p:cNvPr>
+              <p:cNvSpPr>
+                <a:spLocks noGrp="1" noRot="1" noChangeAspect="1" noMove="1" noResize="1" noEditPoints="1" noAdjustHandles="1" noChangeArrowheads="1" noChangeShapeType="1" noTextEdit="1"/>
+              </p:cNvSpPr>
+              <p:nvPr>
+                <p:ph type="body" sz="quarter" idx="20"/>
+              </p:nvPr>
+            </p:nvSpPr>
+            <p:spPr>
+              <a:xfrm>
+                <a:off x="6175279" y="4824429"/>
+                <a:ext cx="5539095" cy="1381061"/>
+              </a:xfrm>
+              <a:blipFill>
+                <a:blip r:embed="rId2"/>
+                <a:stretch>
+                  <a:fillRect l="-330" t="-441"/>
+                </a:stretch>
+              </a:blipFill>
+            </p:spPr>
+            <p:txBody>
+              <a:bodyPr/>
+              <a:lstStyle/>
+              <a:p>
+                <a:r>
+                  <a:rPr lang="en-US">
+                    <a:noFill/>
+                  </a:rPr>
+                  <a:t> </a:t>
+                </a:r>
+              </a:p>
+            </p:txBody>
+          </p:sp>
+        </mc:Fallback>
+      </mc:AlternateContent>
       <p:sp>
         <p:nvSpPr>
           <p:cNvPr id="13" name="Slide Number Placeholder 12">
@@ -22069,7 +22437,7 @@
         <p:spPr>
           <a:xfrm>
             <a:off x="4307416" y="3856579"/>
-            <a:ext cx="6094520" cy="2462213"/>
+            <a:ext cx="6094520" cy="2246769"/>
           </a:xfrm>
           <a:prstGeom prst="rect">
             <a:avLst/>
@@ -22081,28 +22449,6 @@
             <a:spAutoFit/>
           </a:bodyPr>
           <a:lstStyle/>
-          <a:p>
-            <a:r>
-              <a:rPr lang="en-US" sz="1400" dirty="0">
-                <a:effectLst/>
-                <a:latin typeface="+mj-lt"/>
-                <a:ea typeface="Calibri" panose="020F0502020204030204" pitchFamily="34" charset="0"/>
-                <a:cs typeface="Times New Roman" panose="02020603050405020304" pitchFamily="18" charset="0"/>
-              </a:rPr>
-              <a:t>The blue cluster represents training points, while the red one represents test points. The circle shows the MEB constructed by Algorithm 2. </a:t>
-            </a:r>
-          </a:p>
-          <a:p>
-            <a:r>
-              <a:rPr lang="en-US" sz="1400" dirty="0">
-                <a:effectLst/>
-                <a:latin typeface="+mj-lt"/>
-                <a:ea typeface="Calibri" panose="020F0502020204030204" pitchFamily="34" charset="0"/>
-                <a:cs typeface="Times New Roman" panose="02020603050405020304" pitchFamily="18" charset="0"/>
-              </a:rPr>
-              <a:t>Support vectors are training points that lie on the boundary (MEB). The red points around the center of the MEB are test points belonging to the nominal class, while the red cluster on the top right represents the anomaly points in the test set.</a:t>
-            </a:r>
-          </a:p>
           <a:p>
             <a:r>
               <a:rPr lang="en-GB" sz="1400" dirty="0">
@@ -22178,14 +22524,33 @@
           </a:p>
           <a:p>
             <a:endParaRPr lang="en-US" sz="1400" dirty="0">
+              <a:effectLst/>
               <a:latin typeface="+mj-lt"/>
+              <a:ea typeface="Calibri" panose="020F0502020204030204" pitchFamily="34" charset="0"/>
               <a:cs typeface="Times New Roman" panose="02020603050405020304" pitchFamily="18" charset="0"/>
             </a:endParaRPr>
           </a:p>
           <a:p>
-            <a:endParaRPr lang="en-US" sz="1400" dirty="0">
-              <a:latin typeface="+mj-lt"/>
-            </a:endParaRPr>
+            <a:r>
+              <a:rPr lang="en-US" sz="1400" dirty="0">
+                <a:effectLst/>
+                <a:latin typeface="+mj-lt"/>
+                <a:ea typeface="Calibri" panose="020F0502020204030204" pitchFamily="34" charset="0"/>
+                <a:cs typeface="Times New Roman" panose="02020603050405020304" pitchFamily="18" charset="0"/>
+              </a:rPr>
+              <a:t>The blue cluster represents training points, while the red one represents test points. The circle shows the MEB constructed by Algorithm 2. </a:t>
+            </a:r>
+          </a:p>
+          <a:p>
+            <a:r>
+              <a:rPr lang="en-US" sz="1400" dirty="0">
+                <a:effectLst/>
+                <a:latin typeface="+mj-lt"/>
+                <a:ea typeface="Calibri" panose="020F0502020204030204" pitchFamily="34" charset="0"/>
+                <a:cs typeface="Times New Roman" panose="02020603050405020304" pitchFamily="18" charset="0"/>
+              </a:rPr>
+              <a:t>Support vectors are training points that lie on the boundary (MEB). The red points around the center of the MEB are test points belonging to the nominal class, while the red cluster on the top right represents the anomaly points in the test set.</a:t>
+            </a:r>
           </a:p>
         </p:txBody>
       </p:sp>
@@ -22779,8 +23144,8 @@
         </p:nvSpPr>
         <p:spPr>
           <a:xfrm>
-            <a:off x="838200" y="2183669"/>
-            <a:ext cx="5027720" cy="3323987"/>
+            <a:off x="952871" y="2415932"/>
+            <a:ext cx="5027720" cy="3016210"/>
           </a:xfrm>
           <a:prstGeom prst="rect">
             <a:avLst/>
@@ -22794,63 +23159,94 @@
           <a:lstStyle/>
           <a:p>
             <a:r>
-              <a:rPr lang="en-GB" sz="1400" dirty="0"/>
-              <a:t>The “Breast Cancer Wisconsin (Diagnostic)”, sourced from Kaggle, provides a comprehensive collection of information derived from digitized images of fine needle aspirates (FNA) of breast masses. </a:t>
+              <a:rPr lang="en-GB" sz="1600" dirty="0"/>
+              <a:t>Distinguishing between </a:t>
             </a:r>
           </a:p>
           <a:p>
+            <a:pPr marL="285750" indent="-285750">
+              <a:buFont typeface="Arial" panose="020B0604020202020204" pitchFamily="34" charset="0"/>
+              <a:buChar char="•"/>
+            </a:pPr>
             <a:r>
-              <a:rPr lang="en-GB" sz="1400" dirty="0"/>
-              <a:t>The primary aim is distinguishing between malignant and benign cases of breast cancer. </a:t>
+              <a:rPr lang="en-GB" sz="1600" dirty="0"/>
+              <a:t>malignant cases </a:t>
             </a:r>
           </a:p>
           <a:p>
+            <a:pPr marL="285750" indent="-285750">
+              <a:buFont typeface="Arial" panose="020B0604020202020204" pitchFamily="34" charset="0"/>
+              <a:buChar char="•"/>
+            </a:pPr>
             <a:r>
-              <a:rPr lang="en-GB" sz="1400" dirty="0"/>
-              <a:t>This dataset consists of </a:t>
+              <a:rPr lang="en-GB" sz="1600" dirty="0"/>
+              <a:t>benign cases of breast cancer. </a:t>
             </a:r>
+          </a:p>
+          <a:p>
+            <a:pPr marL="285750" indent="-285750">
+              <a:buFont typeface="Arial" panose="020B0604020202020204" pitchFamily="34" charset="0"/>
+              <a:buChar char="•"/>
+            </a:pPr>
+            <a:endParaRPr lang="en-GB" sz="1600" dirty="0"/>
+          </a:p>
+          <a:p>
             <a:r>
-              <a:rPr lang="en-GB" sz="1400" b="1" dirty="0"/>
+              <a:rPr lang="en-GB" sz="1600" dirty="0"/>
+              <a:t>This dataset consists of :</a:t>
+            </a:r>
+          </a:p>
+          <a:p>
+            <a:pPr marL="285750" indent="-285750">
+              <a:buFont typeface="Arial" panose="020B0604020202020204" pitchFamily="34" charset="0"/>
+              <a:buChar char="•"/>
+            </a:pPr>
+            <a:r>
+              <a:rPr lang="en-GB" sz="1600" b="1" dirty="0"/>
               <a:t>569 samples </a:t>
             </a:r>
+          </a:p>
+          <a:p>
+            <a:pPr marL="285750" indent="-285750">
+              <a:buFont typeface="Arial" panose="020B0604020202020204" pitchFamily="34" charset="0"/>
+              <a:buChar char="•"/>
+            </a:pPr>
             <a:r>
-              <a:rPr lang="en-GB" sz="1400" dirty="0"/>
-              <a:t>and </a:t>
-            </a:r>
-            <a:r>
-              <a:rPr lang="en-GB" sz="1400" b="1" dirty="0"/>
+              <a:rPr lang="en-GB" sz="1600" b="1" dirty="0"/>
               <a:t>32 features</a:t>
             </a:r>
             <a:r>
-              <a:rPr lang="en-GB" sz="1400" dirty="0"/>
+              <a:rPr lang="en-GB" sz="1600" dirty="0"/>
               <a:t>.</a:t>
             </a:r>
           </a:p>
           <a:p>
-            <a:endParaRPr lang="en-GB" sz="1400" dirty="0"/>
+            <a:endParaRPr lang="en-GB" sz="1600" dirty="0"/>
           </a:p>
           <a:p>
             <a:r>
-              <a:rPr lang="en-GB" sz="1400" dirty="0"/>
-              <a:t>Our model included all features except the ID number</a:t>
+              <a:rPr lang="en-GB" sz="1600" dirty="0"/>
+              <a:t>It comprises of:</a:t>
             </a:r>
           </a:p>
           <a:p>
+            <a:pPr marL="285750" indent="-285750">
+              <a:buFont typeface="Arial" panose="020B0604020202020204" pitchFamily="34" charset="0"/>
+              <a:buChar char="•"/>
+            </a:pPr>
             <a:r>
-              <a:rPr lang="en-GB" sz="1400" dirty="0"/>
-              <a:t>For all the other features, three statistics are provided: the mean, standard error, and "worst" or largest (mean of the three largest values). </a:t>
+              <a:rPr lang="en-GB" sz="1600" dirty="0"/>
+              <a:t>357 benign cases </a:t>
             </a:r>
           </a:p>
           <a:p>
+            <a:pPr marL="285750" indent="-285750">
+              <a:buFont typeface="Arial" panose="020B0604020202020204" pitchFamily="34" charset="0"/>
+              <a:buChar char="•"/>
+            </a:pPr>
             <a:r>
-              <a:rPr lang="en-GB" sz="1400" dirty="0"/>
-              <a:t>This dataset does not contain any missing values.</a:t>
-            </a:r>
-          </a:p>
-          <a:p>
-            <a:r>
-              <a:rPr lang="en-GB" sz="1400" dirty="0"/>
-              <a:t>It comprises 357 benign cases and 212 malignant cases.</a:t>
+              <a:rPr lang="en-GB" sz="1600" dirty="0"/>
+              <a:t>212 malignant cases.</a:t>
             </a:r>
           </a:p>
           <a:p>
@@ -22872,8 +23268,8 @@
         </p:nvSpPr>
         <p:spPr>
           <a:xfrm>
-            <a:off x="6096740" y="2183669"/>
-            <a:ext cx="5027720" cy="2677656"/>
+            <a:off x="6096000" y="2404021"/>
+            <a:ext cx="5027720" cy="2800767"/>
           </a:xfrm>
           <a:prstGeom prst="rect">
             <a:avLst/>
@@ -22887,52 +23283,102 @@
           <a:lstStyle/>
           <a:p>
             <a:r>
-              <a:rPr lang="en-GB" sz="1400" dirty="0"/>
-              <a:t>To create training and testing datasets, we first separated the </a:t>
+              <a:rPr lang="en-GB" sz="1600" dirty="0"/>
+              <a:t>To create training and testing datasets we first separated   </a:t>
             </a:r>
+            <a:endParaRPr lang="en-GB" sz="1600" b="1" dirty="0"/>
+          </a:p>
+          <a:p>
+            <a:pPr marL="285750" indent="-285750">
+              <a:buFont typeface="Arial" panose="020B0604020202020204" pitchFamily="34" charset="0"/>
+              <a:buChar char="•"/>
+            </a:pPr>
             <a:r>
-              <a:rPr lang="en-GB" sz="1400" b="1" dirty="0"/>
+              <a:rPr lang="en-GB" sz="1600" b="1" dirty="0"/>
               <a:t>nominal data (benign cases) </a:t>
             </a:r>
+          </a:p>
+          <a:p>
+            <a:pPr marL="285750" indent="-285750">
+              <a:buFont typeface="Arial" panose="020B0604020202020204" pitchFamily="34" charset="0"/>
+              <a:buChar char="•"/>
+            </a:pPr>
             <a:r>
-              <a:rPr lang="en-GB" sz="1400" dirty="0"/>
-              <a:t>from the </a:t>
-            </a:r>
-            <a:r>
-              <a:rPr lang="en-GB" sz="1400" b="1" dirty="0"/>
+              <a:rPr lang="en-GB" sz="1600" b="1" dirty="0"/>
               <a:t>anomaly data (malignant cases). </a:t>
             </a:r>
           </a:p>
           <a:p>
+            <a:pPr marL="285750" indent="-285750">
+              <a:buFont typeface="Arial" panose="020B0604020202020204" pitchFamily="34" charset="0"/>
+              <a:buChar char="•"/>
+            </a:pPr>
+            <a:endParaRPr lang="en-GB" sz="1600" b="1" dirty="0"/>
+          </a:p>
+          <a:p>
             <a:r>
-              <a:rPr lang="en-GB" sz="1400" dirty="0"/>
-              <a:t>Half of the nominal data was used for training (178 samples), and the other half for testing. </a:t>
+              <a:rPr lang="en-GB" sz="1600" b="1" u="sng" dirty="0"/>
+              <a:t>Training data</a:t>
+            </a:r>
+            <a:r>
+              <a:rPr lang="en-GB" sz="1600" dirty="0"/>
+              <a:t>: Half of the nominal data (178 samples)</a:t>
             </a:r>
           </a:p>
           <a:p>
             <a:r>
-              <a:rPr lang="en-GB" sz="1400" dirty="0"/>
-              <a:t>The anomaly data was solely used for testing. </a:t>
+              <a:rPr lang="en-GB" sz="1600" b="1" u="sng" dirty="0"/>
+              <a:t>Testing data</a:t>
+            </a:r>
+            <a:r>
+              <a:rPr lang="en-GB" sz="1600" dirty="0"/>
+              <a:t>: 391 samples (179 nominal and 212 anomalies). </a:t>
             </a:r>
           </a:p>
           <a:p>
-            <a:endParaRPr lang="en-GB" sz="1400" dirty="0"/>
+            <a:endParaRPr lang="en-GB" sz="1600" dirty="0"/>
           </a:p>
           <a:p>
             <a:r>
-              <a:rPr lang="en-GB" sz="1400" dirty="0"/>
-              <a:t>Testing dataset consisted of 391 samples (179 nominal and 212 anomalies). </a:t>
+              <a:rPr lang="en-GB" sz="1600" dirty="0"/>
+              <a:t>Various thresholds (ε) were employed as stopping criteria, and these are reported in Table 3.</a:t>
             </a:r>
+            <a:endParaRPr lang="en-US" sz="1600" dirty="0"/>
           </a:p>
-          <a:p>
-            <a:endParaRPr lang="en-GB" sz="1400" dirty="0"/>
-          </a:p>
+        </p:txBody>
+      </p:sp>
+      <p:sp>
+        <p:nvSpPr>
+          <p:cNvPr id="9" name="TextBox 8">
+            <a:extLst>
+              <a:ext uri="{FF2B5EF4-FFF2-40B4-BE49-F238E27FC236}">
+                <a16:creationId xmlns:a16="http://schemas.microsoft.com/office/drawing/2014/main" id="{62998EA9-BCC6-071A-D21E-74672C661926}"/>
+              </a:ext>
+            </a:extLst>
+          </p:cNvPr>
+          <p:cNvSpPr txBox="1"/>
+          <p:nvPr/>
+        </p:nvSpPr>
+        <p:spPr>
+          <a:xfrm>
+            <a:off x="952871" y="1674344"/>
+            <a:ext cx="10031766" cy="584775"/>
+          </a:xfrm>
+          <a:prstGeom prst="rect">
+            <a:avLst/>
+          </a:prstGeom>
+          <a:noFill/>
+        </p:spPr>
+        <p:txBody>
+          <a:bodyPr wrap="square">
+            <a:spAutoFit/>
+          </a:bodyPr>
+          <a:lstStyle/>
           <a:p>
             <a:r>
-              <a:rPr lang="en-GB" sz="1400" dirty="0"/>
-              <a:t>Various thresholds (ε) were employed as stopping criteria, and these are reported in Table 3.</a:t>
+              <a:rPr lang="en-GB" sz="1600" dirty="0"/>
+              <a:t>The “Breast Cancer Wisconsin (Diagnostic)”, sourced from Kaggle, provides a comprehensive collection of information derived from digitized images of fine needle aspirates (FNA) of breast masses. </a:t>
             </a:r>
-            <a:endParaRPr lang="en-US" sz="1400" dirty="0"/>
           </a:p>
         </p:txBody>
       </p:sp>
@@ -30600,7 +31046,7 @@
         </p:nvSpPr>
         <p:spPr>
           <a:xfrm>
-            <a:off x="994299" y="2184897"/>
+            <a:off x="994299" y="2634885"/>
             <a:ext cx="5101701" cy="4030695"/>
           </a:xfrm>
           <a:prstGeom prst="rect">
@@ -30775,63 +31221,133 @@
           </a:lstStyle>
           <a:p>
             <a:pPr marL="0" indent="0">
+              <a:spcBef>
+                <a:spcPts val="0"/>
+              </a:spcBef>
               <a:buNone/>
             </a:pPr>
             <a:r>
-              <a:rPr lang="en-GB" sz="1400" dirty="0"/>
-              <a:t>The "Iranian Churn Dataset" from the UCI Machine Learning Repository is a collection of data randomly gathered from a telecommunications company in Iran, spanning a period of 12 months. </a:t>
+              <a:rPr lang="en-GB" sz="1600" dirty="0"/>
+              <a:t>Distinguishing between: </a:t>
+            </a:r>
+          </a:p>
+          <a:p>
+            <a:pPr>
+              <a:spcBef>
+                <a:spcPts val="0"/>
+              </a:spcBef>
+            </a:pPr>
+            <a:r>
+              <a:rPr lang="en-GB" sz="1600" dirty="0"/>
+              <a:t>Customers who have discontinued their services.</a:t>
+            </a:r>
+          </a:p>
+          <a:p>
+            <a:pPr>
+              <a:spcBef>
+                <a:spcPts val="0"/>
+              </a:spcBef>
+            </a:pPr>
+            <a:r>
+              <a:rPr lang="en-GB" sz="1600" dirty="0"/>
+              <a:t>Customers who have </a:t>
+            </a:r>
+            <a:r>
+              <a:rPr lang="en-GB" sz="1600" u="sng" dirty="0"/>
+              <a:t>not</a:t>
+            </a:r>
+            <a:r>
+              <a:rPr lang="en-GB" sz="1600" dirty="0"/>
+              <a:t> discontinued their services.</a:t>
             </a:r>
           </a:p>
           <a:p>
             <a:pPr marL="0" indent="0">
+              <a:spcBef>
+                <a:spcPts val="0"/>
+              </a:spcBef>
+              <a:buNone/>
+            </a:pPr>
+            <a:endParaRPr lang="en-GB" sz="1600" dirty="0"/>
+          </a:p>
+          <a:p>
+            <a:pPr marL="0" indent="0">
+              <a:spcBef>
+                <a:spcPts val="0"/>
+              </a:spcBef>
               <a:buNone/>
             </a:pPr>
             <a:r>
-              <a:rPr lang="en-GB" sz="1400" dirty="0"/>
-              <a:t>The primary aim is distinguishing the customers who have discontinued their services.</a:t>
+              <a:rPr lang="en-GB" sz="1600" dirty="0"/>
+              <a:t>This dataset consists of :</a:t>
             </a:r>
           </a:p>
           <a:p>
-            <a:pPr marL="0" indent="0">
-              <a:buNone/>
+            <a:pPr>
+              <a:spcBef>
+                <a:spcPts val="0"/>
+              </a:spcBef>
             </a:pPr>
             <a:r>
-              <a:rPr lang="en-GB" sz="1400" dirty="0"/>
-              <a:t>This dataset contains a total of </a:t>
-            </a:r>
-            <a:r>
-              <a:rPr lang="en-GB" sz="1400" b="1" dirty="0"/>
+              <a:rPr lang="en-GB" sz="1600" b="1" dirty="0"/>
               <a:t>3,150 samples</a:t>
             </a:r>
             <a:r>
-              <a:rPr lang="en-GB" sz="1400" dirty="0"/>
-              <a:t>, with each sample representing a unique customer and </a:t>
-            </a:r>
-            <a:r>
-              <a:rPr lang="en-GB" sz="1400" b="1" dirty="0"/>
-              <a:t>14 features</a:t>
-            </a:r>
-            <a:r>
-              <a:rPr lang="en-GB" sz="1400" dirty="0"/>
-              <a:t>.</a:t>
+              <a:rPr lang="en-GB" sz="1600" dirty="0"/>
+              <a:t>, with each sample representing a unique customer</a:t>
             </a:r>
           </a:p>
           <a:p>
-            <a:pPr marL="0" indent="0">
-              <a:buNone/>
+            <a:pPr>
+              <a:spcBef>
+                <a:spcPts val="0"/>
+              </a:spcBef>
             </a:pPr>
             <a:r>
-              <a:rPr lang="en-GB" sz="1400" dirty="0"/>
-              <a:t>This dataset does not contain any missing values.</a:t>
+              <a:rPr lang="en-GB" sz="1600" b="1" dirty="0"/>
+              <a:t>14 features</a:t>
             </a:r>
           </a:p>
           <a:p>
+            <a:pPr>
+              <a:spcBef>
+                <a:spcPts val="0"/>
+              </a:spcBef>
+            </a:pPr>
+            <a:endParaRPr lang="en-GB" sz="1600" dirty="0"/>
+          </a:p>
+          <a:p>
             <a:pPr marL="0" indent="0">
+              <a:spcBef>
+                <a:spcPts val="0"/>
+              </a:spcBef>
               <a:buNone/>
             </a:pPr>
             <a:r>
-              <a:rPr lang="en-GB" sz="1400" dirty="0"/>
-              <a:t>It comprises 2659 benign cases and 491 churn cases.</a:t>
+              <a:rPr lang="en-GB" sz="1600" dirty="0"/>
+              <a:t>It comprises of:</a:t>
+            </a:r>
+          </a:p>
+          <a:p>
+            <a:pPr>
+              <a:spcBef>
+                <a:spcPts val="0"/>
+              </a:spcBef>
+            </a:pPr>
+            <a:r>
+              <a:rPr lang="en-GB" sz="1600" dirty="0"/>
+              <a:t>2659 cases that didn’t churn </a:t>
+            </a:r>
+          </a:p>
+          <a:p>
+            <a:pPr>
+              <a:spcBef>
+                <a:spcPts val="0"/>
+              </a:spcBef>
+            </a:pPr>
+            <a:r>
+              <a:rPr lang="en-GB" sz="1600" dirty="0"/>
+              <a:t>491 churn cases.</a:t>
             </a:r>
           </a:p>
           <a:p>
@@ -30856,8 +31372,8 @@
         </p:nvSpPr>
         <p:spPr>
           <a:xfrm>
-            <a:off x="6096000" y="2184897"/>
-            <a:ext cx="5101701" cy="1815882"/>
+            <a:off x="6096000" y="2634885"/>
+            <a:ext cx="5101701" cy="2554545"/>
           </a:xfrm>
           <a:prstGeom prst="rect">
             <a:avLst/>
@@ -30871,43 +31387,95 @@
           <a:lstStyle/>
           <a:p>
             <a:r>
-              <a:rPr lang="en-GB" sz="1400" dirty="0"/>
-              <a:t>To create training and testing datasets, we first separated the </a:t>
+              <a:rPr lang="en-GB" sz="1600" dirty="0"/>
+              <a:t>To create training and testing datasets, we first separated:</a:t>
             </a:r>
+          </a:p>
+          <a:p>
+            <a:endParaRPr lang="en-GB" sz="1600" dirty="0"/>
+          </a:p>
+          <a:p>
+            <a:pPr marL="285750" indent="-285750">
+              <a:buFont typeface="Arial" panose="020B0604020202020204" pitchFamily="34" charset="0"/>
+              <a:buChar char="•"/>
+            </a:pPr>
             <a:r>
-              <a:rPr lang="en-GB" sz="1400" b="1" dirty="0"/>
+              <a:rPr lang="en-GB" sz="1600" b="1" dirty="0"/>
               <a:t>nominal data (no churn) </a:t>
             </a:r>
+          </a:p>
+          <a:p>
+            <a:pPr marL="285750" indent="-285750">
+              <a:buFont typeface="Arial" panose="020B0604020202020204" pitchFamily="34" charset="0"/>
+              <a:buChar char="•"/>
+            </a:pPr>
             <a:r>
-              <a:rPr lang="en-GB" sz="1400" dirty="0"/>
-              <a:t>and the </a:t>
-            </a:r>
-            <a:r>
-              <a:rPr lang="en-GB" sz="1400" b="1" dirty="0"/>
+              <a:rPr lang="en-GB" sz="1600" b="1" dirty="0"/>
               <a:t>anomaly data (churn). </a:t>
             </a:r>
           </a:p>
           <a:p>
+            <a:pPr marL="285750" indent="-285750">
+              <a:buFont typeface="Arial" panose="020B0604020202020204" pitchFamily="34" charset="0"/>
+              <a:buChar char="•"/>
+            </a:pPr>
+            <a:endParaRPr lang="en-GB" sz="1600" b="1" dirty="0"/>
+          </a:p>
+          <a:p>
             <a:r>
-              <a:rPr lang="en-GB" sz="1400" dirty="0"/>
-              <a:t>Half of the nominal data was used for training (1327 samples), and the other half for testing. </a:t>
+              <a:rPr lang="en-GB" sz="1600" b="1" dirty="0"/>
+              <a:t>Training data</a:t>
+            </a:r>
+            <a:r>
+              <a:rPr lang="en-GB" sz="1600" dirty="0"/>
+              <a:t>: Half of the nominal data (1327 samples) the</a:t>
             </a:r>
           </a:p>
           <a:p>
             <a:r>
-              <a:rPr lang="en-GB" sz="1400" dirty="0"/>
-              <a:t>The anomaly data was used just for testing. </a:t>
+              <a:rPr lang="en-GB" sz="1600" b="1" dirty="0"/>
+              <a:t>Testing data</a:t>
             </a:r>
+            <a:r>
+              <a:rPr lang="en-GB" sz="1600" dirty="0"/>
+              <a:t>: 1823 samples (1327 nominal and 495 anomalies).</a:t>
+            </a:r>
+            <a:endParaRPr lang="en-US" sz="1600" dirty="0"/>
           </a:p>
-          <a:p>
-            <a:endParaRPr lang="en-GB" sz="1400" dirty="0"/>
-          </a:p>
+        </p:txBody>
+      </p:sp>
+      <p:sp>
+        <p:nvSpPr>
+          <p:cNvPr id="3" name="TextBox 2">
+            <a:extLst>
+              <a:ext uri="{FF2B5EF4-FFF2-40B4-BE49-F238E27FC236}">
+                <a16:creationId xmlns:a16="http://schemas.microsoft.com/office/drawing/2014/main" id="{4BA9BFF9-AF59-4D11-7EAC-75B7806982A6}"/>
+              </a:ext>
+            </a:extLst>
+          </p:cNvPr>
+          <p:cNvSpPr txBox="1"/>
+          <p:nvPr/>
+        </p:nvSpPr>
+        <p:spPr>
+          <a:xfrm>
+            <a:off x="994299" y="1690688"/>
+            <a:ext cx="9942990" cy="584775"/>
+          </a:xfrm>
+          <a:prstGeom prst="rect">
+            <a:avLst/>
+          </a:prstGeom>
+          <a:noFill/>
+        </p:spPr>
+        <p:txBody>
+          <a:bodyPr wrap="square">
+            <a:spAutoFit/>
+          </a:bodyPr>
+          <a:lstStyle/>
           <a:p>
             <a:r>
-              <a:rPr lang="en-GB" sz="1400" dirty="0"/>
-              <a:t>The testing dataset comprised of 1823 samples (1327 nominal and 495 anomalies).</a:t>
+              <a:rPr lang="en-GB" sz="1600" dirty="0"/>
+              <a:t>The "Iranian Churn Dataset" from the UCI Machine Learning Repository is a collection of data randomly gathered from a telecommunications company in Iran, spanning a period of 12 months. </a:t>
             </a:r>
-            <a:endParaRPr lang="en-US" sz="1400" dirty="0"/>
           </a:p>
         </p:txBody>
       </p:sp>
@@ -39006,8 +39574,8 @@
           </a:prstGeom>
         </p:spPr>
       </p:pic>
-      <mc:AlternateContent xmlns:mc="http://schemas.openxmlformats.org/markup-compatibility/2006">
-        <mc:Choice xmlns:a14="http://schemas.microsoft.com/office/drawing/2010/main" Requires="a14">
+      <mc:AlternateContent xmlns:mc="http://schemas.openxmlformats.org/markup-compatibility/2006" xmlns:a14="http://schemas.microsoft.com/office/drawing/2010/main">
+        <mc:Choice Requires="a14">
           <p:sp>
             <p:nvSpPr>
               <p:cNvPr id="27" name="TextBox 26">
@@ -39313,7 +39881,7 @@
             </p:txBody>
           </p:sp>
         </mc:Choice>
-        <mc:Fallback>
+        <mc:Fallback xmlns="">
           <p:sp>
             <p:nvSpPr>
               <p:cNvPr id="27" name="TextBox 26">
@@ -39576,36 +40144,6 @@
           </a:p>
         </p:txBody>
       </p:sp>
-      <p:pic>
-        <p:nvPicPr>
-          <p:cNvPr id="6" name="Picture 5">
-            <a:extLst>
-              <a:ext uri="{FF2B5EF4-FFF2-40B4-BE49-F238E27FC236}">
-                <a16:creationId xmlns:a16="http://schemas.microsoft.com/office/drawing/2014/main" id="{BCD1863E-8012-1445-9099-47BB767F8123}"/>
-              </a:ext>
-            </a:extLst>
-          </p:cNvPr>
-          <p:cNvPicPr>
-            <a:picLocks noChangeAspect="1"/>
-          </p:cNvPicPr>
-          <p:nvPr/>
-        </p:nvPicPr>
-        <p:blipFill>
-          <a:blip r:embed="rId2"/>
-          <a:stretch>
-            <a:fillRect/>
-          </a:stretch>
-        </p:blipFill>
-        <p:spPr>
-          <a:xfrm>
-            <a:off x="5487598" y="595976"/>
-            <a:ext cx="4991797" cy="1918555"/>
-          </a:xfrm>
-          <a:prstGeom prst="rect">
-            <a:avLst/>
-          </a:prstGeom>
-        </p:spPr>
-      </p:pic>
       <p:sp>
         <p:nvSpPr>
           <p:cNvPr id="7" name="TextBox 6">
@@ -39677,7 +40215,7 @@
           <p:nvPr/>
         </p:nvPicPr>
         <p:blipFill>
-          <a:blip r:embed="rId3"/>
+          <a:blip r:embed="rId2"/>
           <a:stretch>
             <a:fillRect/>
           </a:stretch>
@@ -39707,7 +40245,7 @@
           <p:nvPr/>
         </p:nvPicPr>
         <p:blipFill>
-          <a:blip r:embed="rId4"/>
+          <a:blip r:embed="rId3"/>
           <a:stretch>
             <a:fillRect/>
           </a:stretch>
@@ -39737,7 +40275,7 @@
           <p:nvPr/>
         </p:nvPicPr>
         <p:blipFill>
-          <a:blip r:embed="rId5"/>
+          <a:blip r:embed="rId4"/>
           <a:stretch>
             <a:fillRect/>
           </a:stretch>
@@ -39767,7 +40305,7 @@
           <p:nvPr/>
         </p:nvPicPr>
         <p:blipFill>
-          <a:blip r:embed="rId6"/>
+          <a:blip r:embed="rId5"/>
           <a:stretch>
             <a:fillRect/>
           </a:stretch>
@@ -39834,6 +40372,95 @@
           </a:p>
         </p:txBody>
       </p:sp>
+      <p:grpSp>
+        <p:nvGrpSpPr>
+          <p:cNvPr id="10" name="Group 9">
+            <a:extLst>
+              <a:ext uri="{FF2B5EF4-FFF2-40B4-BE49-F238E27FC236}">
+                <a16:creationId xmlns:a16="http://schemas.microsoft.com/office/drawing/2014/main" id="{0FE7F7E1-EF5B-FECF-A928-F8401BF0D3EF}"/>
+              </a:ext>
+            </a:extLst>
+          </p:cNvPr>
+          <p:cNvGrpSpPr/>
+          <p:nvPr/>
+        </p:nvGrpSpPr>
+        <p:grpSpPr>
+          <a:xfrm>
+            <a:off x="5487598" y="595976"/>
+            <a:ext cx="4991797" cy="1918555"/>
+            <a:chOff x="5487598" y="595976"/>
+            <a:chExt cx="4991797" cy="1918555"/>
+          </a:xfrm>
+        </p:grpSpPr>
+        <p:pic>
+          <p:nvPicPr>
+            <p:cNvPr id="6" name="Picture 5">
+              <a:extLst>
+                <a:ext uri="{FF2B5EF4-FFF2-40B4-BE49-F238E27FC236}">
+                  <a16:creationId xmlns:a16="http://schemas.microsoft.com/office/drawing/2014/main" id="{BCD1863E-8012-1445-9099-47BB767F8123}"/>
+                </a:ext>
+              </a:extLst>
+            </p:cNvPr>
+            <p:cNvPicPr>
+              <a:picLocks noChangeAspect="1"/>
+            </p:cNvPicPr>
+            <p:nvPr/>
+          </p:nvPicPr>
+          <p:blipFill>
+            <a:blip r:embed="rId6"/>
+            <a:stretch>
+              <a:fillRect/>
+            </a:stretch>
+          </p:blipFill>
+          <p:spPr>
+            <a:xfrm>
+              <a:off x="5487598" y="595976"/>
+              <a:ext cx="4991797" cy="1918555"/>
+            </a:xfrm>
+            <a:prstGeom prst="rect">
+              <a:avLst/>
+            </a:prstGeom>
+          </p:spPr>
+        </p:pic>
+        <p:sp>
+          <p:nvSpPr>
+            <p:cNvPr id="4" name="TextBox 3">
+              <a:extLst>
+                <a:ext uri="{FF2B5EF4-FFF2-40B4-BE49-F238E27FC236}">
+                  <a16:creationId xmlns:a16="http://schemas.microsoft.com/office/drawing/2014/main" id="{A380F067-9810-A7FA-44C8-C641C460169B}"/>
+                </a:ext>
+              </a:extLst>
+            </p:cNvPr>
+            <p:cNvSpPr txBox="1"/>
+            <p:nvPr/>
+          </p:nvSpPr>
+          <p:spPr>
+            <a:xfrm>
+              <a:off x="7652552" y="1050981"/>
+              <a:ext cx="235962" cy="215444"/>
+            </a:xfrm>
+            <a:prstGeom prst="rect">
+              <a:avLst/>
+            </a:prstGeom>
+            <a:noFill/>
+          </p:spPr>
+          <p:txBody>
+            <a:bodyPr wrap="none" rtlCol="0">
+              <a:spAutoFit/>
+            </a:bodyPr>
+            <a:lstStyle/>
+            <a:p>
+              <a:r>
+                <a:rPr lang="en-US" sz="800" dirty="0">
+                  <a:latin typeface="Times New Roman" panose="02020603050405020304" pitchFamily="18" charset="0"/>
+                  <a:cs typeface="Times New Roman" panose="02020603050405020304" pitchFamily="18" charset="0"/>
+                </a:rPr>
+                <a:t>2</a:t>
+              </a:r>
+            </a:p>
+          </p:txBody>
+        </p:sp>
+      </p:grpSp>
     </p:spTree>
     <p:extLst>
       <p:ext uri="{BB962C8B-B14F-4D97-AF65-F5344CB8AC3E}">
@@ -42588,26 +43215,6 @@
 </file>
 
 <file path=customXml/item1.xml><?xml version="1.0" encoding="utf-8"?>
-<p:properties xmlns:p="http://schemas.microsoft.com/office/2006/metadata/properties" xmlns:xsi="http://www.w3.org/2001/XMLSchema-instance" xmlns:pc="http://schemas.microsoft.com/office/infopath/2007/PartnerControls">
-  <documentManagement>
-    <_ip_UnifiedCompliancePolicyUIAction xmlns="http://schemas.microsoft.com/sharepoint/v3" xsi:nil="true"/>
-    <Image xmlns="71af3243-3dd4-4a8d-8c0d-dd76da1f02a5">
-      <Url xsi:nil="true"/>
-      <Description xsi:nil="true"/>
-    </Image>
-    <Status xmlns="71af3243-3dd4-4a8d-8c0d-dd76da1f02a5">Not started</Status>
-    <Background xmlns="71af3243-3dd4-4a8d-8c0d-dd76da1f02a5">false</Background>
-    <_ip_UnifiedCompliancePolicyProperties xmlns="http://schemas.microsoft.com/sharepoint/v3" xsi:nil="true"/>
-    <ImageTagsTaxHTField xmlns="71af3243-3dd4-4a8d-8c0d-dd76da1f02a5">
-      <Terms xmlns="http://schemas.microsoft.com/office/infopath/2007/PartnerControls"/>
-    </ImageTagsTaxHTField>
-    <TaxCatchAll xmlns="230e9df3-be65-4c73-a93b-d1236ebd677e" xsi:nil="true"/>
-    <MediaServiceKeyPoints xmlns="71af3243-3dd4-4a8d-8c0d-dd76da1f02a5" xsi:nil="true"/>
-  </documentManagement>
-</p:properties>
-</file>
-
-<file path=customXml/item2.xml><?xml version="1.0" encoding="utf-8"?>
 <ct:contentTypeSchema xmlns:ct="http://schemas.microsoft.com/office/2006/metadata/contentType" xmlns:ma="http://schemas.microsoft.com/office/2006/metadata/properties/metaAttributes" ct:_="" ma:_="" ma:contentTypeName="Document" ma:contentTypeID="0x01010079F111ED35F8CC479449609E8A0923A6" ma:contentTypeVersion="27" ma:contentTypeDescription="Create a new document." ma:contentTypeScope="" ma:versionID="c6f9a84f66a9c8b9a21755b9ffafb945">
   <xsd:schema xmlns:xsd="http://www.w3.org/2001/XMLSchema" xmlns:xs="http://www.w3.org/2001/XMLSchema" xmlns:p="http://schemas.microsoft.com/office/2006/metadata/properties" xmlns:ns1="http://schemas.microsoft.com/sharepoint/v3" xmlns:ns2="71af3243-3dd4-4a8d-8c0d-dd76da1f02a5" xmlns:ns3="16c05727-aa75-4e4a-9b5f-8a80a1165891" xmlns:ns4="230e9df3-be65-4c73-a93b-d1236ebd677e" targetNamespace="http://schemas.microsoft.com/office/2006/metadata/properties" ma:root="true" ma:fieldsID="27df39e3e7036dff54f89ddd5805ce72" ns1:_="" ns2:_="" ns3:_="" ns4:_="">
     <xsd:import namespace="http://schemas.microsoft.com/sharepoint/v3"/>
@@ -42913,6 +43520,26 @@
 </ct:contentTypeSchema>
 </file>
 
+<file path=customXml/item2.xml><?xml version="1.0" encoding="utf-8"?>
+<p:properties xmlns:p="http://schemas.microsoft.com/office/2006/metadata/properties" xmlns:xsi="http://www.w3.org/2001/XMLSchema-instance" xmlns:pc="http://schemas.microsoft.com/office/infopath/2007/PartnerControls">
+  <documentManagement>
+    <_ip_UnifiedCompliancePolicyUIAction xmlns="http://schemas.microsoft.com/sharepoint/v3" xsi:nil="true"/>
+    <Image xmlns="71af3243-3dd4-4a8d-8c0d-dd76da1f02a5">
+      <Url xsi:nil="true"/>
+      <Description xsi:nil="true"/>
+    </Image>
+    <Status xmlns="71af3243-3dd4-4a8d-8c0d-dd76da1f02a5">Not started</Status>
+    <Background xmlns="71af3243-3dd4-4a8d-8c0d-dd76da1f02a5">false</Background>
+    <_ip_UnifiedCompliancePolicyProperties xmlns="http://schemas.microsoft.com/sharepoint/v3" xsi:nil="true"/>
+    <ImageTagsTaxHTField xmlns="71af3243-3dd4-4a8d-8c0d-dd76da1f02a5">
+      <Terms xmlns="http://schemas.microsoft.com/office/infopath/2007/PartnerControls"/>
+    </ImageTagsTaxHTField>
+    <TaxCatchAll xmlns="230e9df3-be65-4c73-a93b-d1236ebd677e" xsi:nil="true"/>
+    <MediaServiceKeyPoints xmlns="71af3243-3dd4-4a8d-8c0d-dd76da1f02a5" xsi:nil="true"/>
+  </documentManagement>
+</p:properties>
+</file>
+
 <file path=customXml/item3.xml><?xml version="1.0" encoding="utf-8"?>
 <?mso-contentType ?>
 <FormTemplates xmlns="http://schemas.microsoft.com/sharepoint/v3/contenttype/forms">
@@ -42923,18 +43550,6 @@
 </file>
 
 <file path=customXml/itemProps1.xml><?xml version="1.0" encoding="utf-8"?>
-<ds:datastoreItem xmlns:ds="http://schemas.openxmlformats.org/officeDocument/2006/customXml" ds:itemID="{6EA97235-BEC4-4F82-87A8-2F5DAD53B5F9}">
-  <ds:schemaRefs>
-    <ds:schemaRef ds:uri="http://schemas.microsoft.com/office/2006/metadata/properties"/>
-    <ds:schemaRef ds:uri="http://schemas.microsoft.com/office/infopath/2007/PartnerControls"/>
-    <ds:schemaRef ds:uri="http://schemas.microsoft.com/sharepoint/v3"/>
-    <ds:schemaRef ds:uri="71af3243-3dd4-4a8d-8c0d-dd76da1f02a5"/>
-    <ds:schemaRef ds:uri="230e9df3-be65-4c73-a93b-d1236ebd677e"/>
-  </ds:schemaRefs>
-</ds:datastoreItem>
-</file>
-
-<file path=customXml/itemProps2.xml><?xml version="1.0" encoding="utf-8"?>
 <ds:datastoreItem xmlns:ds="http://schemas.openxmlformats.org/officeDocument/2006/customXml" ds:itemID="{2C1F447F-FAA8-4106-988B-648F3C8EDB2D}">
   <ds:schemaRefs>
     <ds:schemaRef ds:uri="http://schemas.microsoft.com/office/2006/metadata/contentType"/>
@@ -42955,6 +43570,18 @@
 </ds:datastoreItem>
 </file>
 
+<file path=customXml/itemProps2.xml><?xml version="1.0" encoding="utf-8"?>
+<ds:datastoreItem xmlns:ds="http://schemas.openxmlformats.org/officeDocument/2006/customXml" ds:itemID="{6EA97235-BEC4-4F82-87A8-2F5DAD53B5F9}">
+  <ds:schemaRefs>
+    <ds:schemaRef ds:uri="http://schemas.microsoft.com/office/2006/metadata/properties"/>
+    <ds:schemaRef ds:uri="http://schemas.microsoft.com/office/infopath/2007/PartnerControls"/>
+    <ds:schemaRef ds:uri="http://schemas.microsoft.com/sharepoint/v3"/>
+    <ds:schemaRef ds:uri="71af3243-3dd4-4a8d-8c0d-dd76da1f02a5"/>
+    <ds:schemaRef ds:uri="230e9df3-be65-4c73-a93b-d1236ebd677e"/>
+  </ds:schemaRefs>
+</ds:datastoreItem>
+</file>
+
 <file path=customXml/itemProps3.xml><?xml version="1.0" encoding="utf-8"?>
 <ds:datastoreItem xmlns:ds="http://schemas.openxmlformats.org/officeDocument/2006/customXml" ds:itemID="{79BF405E-7930-4D5C-ABB3-493E9D6D6CEA}">
   <ds:schemaRefs>

--- a/Theory/Minimum Enclosing Ball for FW.pptx
+++ b/Theory/Minimum Enclosing Ball for FW.pptx
@@ -5,10 +5,10 @@
     <p:sldMasterId id="2147483666" r:id="rId4"/>
   </p:sldMasterIdLst>
   <p:notesMasterIdLst>
-    <p:notesMasterId r:id="rId28"/>
+    <p:notesMasterId r:id="rId29"/>
   </p:notesMasterIdLst>
   <p:handoutMasterIdLst>
-    <p:handoutMasterId r:id="rId29"/>
+    <p:handoutMasterId r:id="rId30"/>
   </p:handoutMasterIdLst>
   <p:sldIdLst>
     <p:sldId id="256" r:id="rId5"/>
@@ -16,24 +16,25 @@
     <p:sldId id="289" r:id="rId7"/>
     <p:sldId id="311" r:id="rId8"/>
     <p:sldId id="312" r:id="rId9"/>
-    <p:sldId id="261" r:id="rId10"/>
-    <p:sldId id="294" r:id="rId11"/>
-    <p:sldId id="295" r:id="rId12"/>
-    <p:sldId id="296" r:id="rId13"/>
-    <p:sldId id="300" r:id="rId14"/>
-    <p:sldId id="298" r:id="rId15"/>
-    <p:sldId id="307" r:id="rId16"/>
-    <p:sldId id="304" r:id="rId17"/>
-    <p:sldId id="308" r:id="rId18"/>
-    <p:sldId id="299" r:id="rId19"/>
-    <p:sldId id="302" r:id="rId20"/>
-    <p:sldId id="309" r:id="rId21"/>
-    <p:sldId id="305" r:id="rId22"/>
-    <p:sldId id="303" r:id="rId23"/>
-    <p:sldId id="310" r:id="rId24"/>
-    <p:sldId id="306" r:id="rId25"/>
-    <p:sldId id="275" r:id="rId26"/>
-    <p:sldId id="276" r:id="rId27"/>
+    <p:sldId id="313" r:id="rId10"/>
+    <p:sldId id="261" r:id="rId11"/>
+    <p:sldId id="294" r:id="rId12"/>
+    <p:sldId id="295" r:id="rId13"/>
+    <p:sldId id="296" r:id="rId14"/>
+    <p:sldId id="300" r:id="rId15"/>
+    <p:sldId id="298" r:id="rId16"/>
+    <p:sldId id="307" r:id="rId17"/>
+    <p:sldId id="304" r:id="rId18"/>
+    <p:sldId id="308" r:id="rId19"/>
+    <p:sldId id="299" r:id="rId20"/>
+    <p:sldId id="302" r:id="rId21"/>
+    <p:sldId id="309" r:id="rId22"/>
+    <p:sldId id="305" r:id="rId23"/>
+    <p:sldId id="303" r:id="rId24"/>
+    <p:sldId id="310" r:id="rId25"/>
+    <p:sldId id="306" r:id="rId26"/>
+    <p:sldId id="275" r:id="rId27"/>
+    <p:sldId id="276" r:id="rId28"/>
   </p:sldIdLst>
   <p:sldSz cx="12192000" cy="6858000"/>
   <p:notesSz cx="6858000" cy="9144000"/>
@@ -15864,6 +15865,623 @@
           <p:cNvPr id="2" name="Title 1">
             <a:extLst>
               <a:ext uri="{FF2B5EF4-FFF2-40B4-BE49-F238E27FC236}">
+                <a16:creationId xmlns:a16="http://schemas.microsoft.com/office/drawing/2014/main" id="{5CE54ABB-4929-4810-950B-2DAEA0A5BAB4}"/>
+              </a:ext>
+            </a:extLst>
+          </p:cNvPr>
+          <p:cNvSpPr>
+            <a:spLocks noGrp="1"/>
+          </p:cNvSpPr>
+          <p:nvPr>
+            <p:ph type="title"/>
+          </p:nvPr>
+        </p:nvSpPr>
+        <p:spPr>
+          <a:xfrm>
+            <a:off x="1885156" y="767890"/>
+            <a:ext cx="8421688" cy="1325563"/>
+          </a:xfrm>
+        </p:spPr>
+        <p:txBody>
+          <a:bodyPr/>
+          <a:lstStyle/>
+          <a:p>
+            <a:r>
+              <a:rPr lang="en-US" dirty="0"/>
+              <a:t>(1+ epsilon) approximation of </a:t>
+            </a:r>
+            <a:r>
+              <a:rPr lang="en-US" dirty="0" err="1"/>
+              <a:t>meb</a:t>
+            </a:r>
+            <a:endParaRPr lang="en-US" dirty="0"/>
+          </a:p>
+        </p:txBody>
+      </p:sp>
+      <p:sp>
+        <p:nvSpPr>
+          <p:cNvPr id="11" name="Slide Number Placeholder 10">
+            <a:extLst>
+              <a:ext uri="{FF2B5EF4-FFF2-40B4-BE49-F238E27FC236}">
+                <a16:creationId xmlns:a16="http://schemas.microsoft.com/office/drawing/2014/main" id="{BAD5B6F4-0A90-447A-A1AE-D75C934B6B29}"/>
+              </a:ext>
+            </a:extLst>
+          </p:cNvPr>
+          <p:cNvSpPr>
+            <a:spLocks noGrp="1"/>
+          </p:cNvSpPr>
+          <p:nvPr>
+            <p:ph type="sldNum" sz="quarter" idx="12"/>
+          </p:nvPr>
+        </p:nvSpPr>
+        <p:spPr>
+          <a:xfrm>
+            <a:off x="8610600" y="6356350"/>
+            <a:ext cx="2743200" cy="365125"/>
+          </a:xfrm>
+        </p:spPr>
+        <p:txBody>
+          <a:bodyPr/>
+          <a:lstStyle/>
+          <a:p>
+            <a:fld id="{B5CEABB6-07DC-46E8-9B57-56EC44A396E5}" type="slidenum">
+              <a:rPr lang="en-US" smtClean="0"/>
+              <a:pPr/>
+              <a:t>10</a:t>
+            </a:fld>
+            <a:endParaRPr lang="en-US" dirty="0"/>
+          </a:p>
+        </p:txBody>
+      </p:sp>
+      <p:pic>
+        <p:nvPicPr>
+          <p:cNvPr id="25" name="Picture 24">
+            <a:extLst>
+              <a:ext uri="{FF2B5EF4-FFF2-40B4-BE49-F238E27FC236}">
+                <a16:creationId xmlns:a16="http://schemas.microsoft.com/office/drawing/2014/main" id="{E15C0242-FF5E-7963-5E02-D5AACD316688}"/>
+              </a:ext>
+            </a:extLst>
+          </p:cNvPr>
+          <p:cNvPicPr>
+            <a:picLocks noChangeAspect="1"/>
+          </p:cNvPicPr>
+          <p:nvPr/>
+        </p:nvPicPr>
+        <p:blipFill>
+          <a:blip r:embed="rId2"/>
+          <a:stretch>
+            <a:fillRect/>
+          </a:stretch>
+        </p:blipFill>
+        <p:spPr>
+          <a:xfrm>
+            <a:off x="2471201" y="1849581"/>
+            <a:ext cx="7249598" cy="4689331"/>
+          </a:xfrm>
+          <a:prstGeom prst="rect">
+            <a:avLst/>
+          </a:prstGeom>
+        </p:spPr>
+      </p:pic>
+      <p:sp>
+        <p:nvSpPr>
+          <p:cNvPr id="6" name="TextBox 5">
+            <a:extLst>
+              <a:ext uri="{FF2B5EF4-FFF2-40B4-BE49-F238E27FC236}">
+                <a16:creationId xmlns:a16="http://schemas.microsoft.com/office/drawing/2014/main" id="{0D704434-C29C-7E42-BA3A-B539E99F24BC}"/>
+              </a:ext>
+            </a:extLst>
+          </p:cNvPr>
+          <p:cNvSpPr txBox="1"/>
+          <p:nvPr/>
+        </p:nvSpPr>
+        <p:spPr>
+          <a:xfrm>
+            <a:off x="7419107" y="2931093"/>
+            <a:ext cx="1614055" cy="276999"/>
+          </a:xfrm>
+          <a:prstGeom prst="rect">
+            <a:avLst/>
+          </a:prstGeom>
+          <a:noFill/>
+        </p:spPr>
+        <p:txBody>
+          <a:bodyPr wrap="square" rtlCol="0">
+            <a:spAutoFit/>
+          </a:bodyPr>
+          <a:lstStyle/>
+          <a:p>
+            <a:r>
+              <a:rPr lang="en-US" sz="1200" dirty="0"/>
+              <a:t>// Assign core set</a:t>
+            </a:r>
+            <a:endParaRPr lang="it-IT" sz="1200" dirty="0"/>
+          </a:p>
+        </p:txBody>
+      </p:sp>
+      <p:sp>
+        <p:nvSpPr>
+          <p:cNvPr id="7" name="TextBox 6">
+            <a:extLst>
+              <a:ext uri="{FF2B5EF4-FFF2-40B4-BE49-F238E27FC236}">
+                <a16:creationId xmlns:a16="http://schemas.microsoft.com/office/drawing/2014/main" id="{86C69535-8890-2123-4A51-3A1887913C8D}"/>
+              </a:ext>
+            </a:extLst>
+          </p:cNvPr>
+          <p:cNvSpPr txBox="1"/>
+          <p:nvPr/>
+        </p:nvSpPr>
+        <p:spPr>
+          <a:xfrm>
+            <a:off x="7419106" y="3142880"/>
+            <a:ext cx="1614055" cy="276999"/>
+          </a:xfrm>
+          <a:prstGeom prst="rect">
+            <a:avLst/>
+          </a:prstGeom>
+          <a:noFill/>
+        </p:spPr>
+        <p:txBody>
+          <a:bodyPr wrap="square" rtlCol="0">
+            <a:spAutoFit/>
+          </a:bodyPr>
+          <a:lstStyle/>
+          <a:p>
+            <a:r>
+              <a:rPr lang="en-US" sz="1200" dirty="0"/>
+              <a:t>// Assign center</a:t>
+            </a:r>
+            <a:endParaRPr lang="it-IT" sz="1200" dirty="0"/>
+          </a:p>
+        </p:txBody>
+      </p:sp>
+      <p:sp>
+        <p:nvSpPr>
+          <p:cNvPr id="8" name="TextBox 7">
+            <a:extLst>
+              <a:ext uri="{FF2B5EF4-FFF2-40B4-BE49-F238E27FC236}">
+                <a16:creationId xmlns:a16="http://schemas.microsoft.com/office/drawing/2014/main" id="{138E23EE-97B5-31AE-CF6E-CB58C1E471A0}"/>
+              </a:ext>
+            </a:extLst>
+          </p:cNvPr>
+          <p:cNvSpPr txBox="1"/>
+          <p:nvPr/>
+        </p:nvSpPr>
+        <p:spPr>
+          <a:xfrm>
+            <a:off x="7419108" y="3356463"/>
+            <a:ext cx="1614055" cy="276999"/>
+          </a:xfrm>
+          <a:prstGeom prst="rect">
+            <a:avLst/>
+          </a:prstGeom>
+          <a:noFill/>
+        </p:spPr>
+        <p:txBody>
+          <a:bodyPr wrap="square" rtlCol="0">
+            <a:spAutoFit/>
+          </a:bodyPr>
+          <a:lstStyle/>
+          <a:p>
+            <a:r>
+              <a:rPr lang="en-US" sz="1200" dirty="0"/>
+              <a:t>// Assign r</a:t>
+            </a:r>
+            <a:r>
+              <a:rPr lang="en-US" sz="1200" baseline="30000" dirty="0"/>
+              <a:t>2</a:t>
+            </a:r>
+            <a:endParaRPr lang="it-IT" sz="1200" baseline="30000" dirty="0"/>
+          </a:p>
+        </p:txBody>
+      </p:sp>
+      <p:sp>
+        <p:nvSpPr>
+          <p:cNvPr id="9" name="TextBox 8">
+            <a:extLst>
+              <a:ext uri="{FF2B5EF4-FFF2-40B4-BE49-F238E27FC236}">
+                <a16:creationId xmlns:a16="http://schemas.microsoft.com/office/drawing/2014/main" id="{D7A97AE7-A239-689C-531C-5F0556116A12}"/>
+              </a:ext>
+            </a:extLst>
+          </p:cNvPr>
+          <p:cNvSpPr txBox="1"/>
+          <p:nvPr/>
+        </p:nvSpPr>
+        <p:spPr>
+          <a:xfrm>
+            <a:off x="7419106" y="3523172"/>
+            <a:ext cx="1967348" cy="276999"/>
+          </a:xfrm>
+          <a:prstGeom prst="rect">
+            <a:avLst/>
+          </a:prstGeom>
+          <a:noFill/>
+        </p:spPr>
+        <p:txBody>
+          <a:bodyPr wrap="square" rtlCol="0">
+            <a:spAutoFit/>
+          </a:bodyPr>
+          <a:lstStyle/>
+          <a:p>
+            <a:r>
+              <a:rPr lang="en-US" sz="1200" dirty="0"/>
+              <a:t>// Find furthest point index</a:t>
+            </a:r>
+            <a:endParaRPr lang="it-IT" sz="1200" baseline="30000" dirty="0"/>
+          </a:p>
+        </p:txBody>
+      </p:sp>
+      <p:sp>
+        <p:nvSpPr>
+          <p:cNvPr id="10" name="TextBox 9">
+            <a:extLst>
+              <a:ext uri="{FF2B5EF4-FFF2-40B4-BE49-F238E27FC236}">
+                <a16:creationId xmlns:a16="http://schemas.microsoft.com/office/drawing/2014/main" id="{A86C5DEC-3729-DE05-CCA1-635C9B9271B7}"/>
+              </a:ext>
+            </a:extLst>
+          </p:cNvPr>
+          <p:cNvSpPr txBox="1"/>
+          <p:nvPr/>
+        </p:nvSpPr>
+        <p:spPr>
+          <a:xfrm>
+            <a:off x="7419103" y="2746493"/>
+            <a:ext cx="1614055" cy="276999"/>
+          </a:xfrm>
+          <a:prstGeom prst="rect">
+            <a:avLst/>
+          </a:prstGeom>
+          <a:noFill/>
+        </p:spPr>
+        <p:txBody>
+          <a:bodyPr wrap="square" rtlCol="0">
+            <a:spAutoFit/>
+          </a:bodyPr>
+          <a:lstStyle/>
+          <a:p>
+            <a:r>
+              <a:rPr lang="en-US" sz="1200" dirty="0"/>
+              <a:t>// Feasible solution</a:t>
+            </a:r>
+            <a:endParaRPr lang="it-IT" sz="1200" dirty="0"/>
+          </a:p>
+        </p:txBody>
+      </p:sp>
+      <p:sp>
+        <p:nvSpPr>
+          <p:cNvPr id="12" name="TextBox 11">
+            <a:extLst>
+              <a:ext uri="{FF2B5EF4-FFF2-40B4-BE49-F238E27FC236}">
+                <a16:creationId xmlns:a16="http://schemas.microsoft.com/office/drawing/2014/main" id="{AA687E54-10DE-7899-448C-6BB89C7713F3}"/>
+              </a:ext>
+            </a:extLst>
+          </p:cNvPr>
+          <p:cNvSpPr txBox="1"/>
+          <p:nvPr/>
+        </p:nvSpPr>
+        <p:spPr>
+          <a:xfrm>
+            <a:off x="7419106" y="3773235"/>
+            <a:ext cx="1967348" cy="276999"/>
+          </a:xfrm>
+          <a:prstGeom prst="rect">
+            <a:avLst/>
+          </a:prstGeom>
+          <a:noFill/>
+        </p:spPr>
+        <p:txBody>
+          <a:bodyPr wrap="square" rtlCol="0">
+            <a:spAutoFit/>
+          </a:bodyPr>
+          <a:lstStyle/>
+          <a:p>
+            <a:r>
+              <a:rPr lang="en-US" sz="1200" dirty="0"/>
+              <a:t>// Find error bound</a:t>
+            </a:r>
+            <a:endParaRPr lang="it-IT" sz="1200" baseline="30000" dirty="0"/>
+          </a:p>
+        </p:txBody>
+      </p:sp>
+      <p:sp>
+        <p:nvSpPr>
+          <p:cNvPr id="13" name="TextBox 12">
+            <a:extLst>
+              <a:ext uri="{FF2B5EF4-FFF2-40B4-BE49-F238E27FC236}">
+                <a16:creationId xmlns:a16="http://schemas.microsoft.com/office/drawing/2014/main" id="{1F98CF31-B168-3F7E-555C-A3748F4DCBA5}"/>
+              </a:ext>
+            </a:extLst>
+          </p:cNvPr>
+          <p:cNvSpPr txBox="1"/>
+          <p:nvPr/>
+        </p:nvSpPr>
+        <p:spPr>
+          <a:xfrm>
+            <a:off x="7419106" y="4527956"/>
+            <a:ext cx="1967348" cy="276999"/>
+          </a:xfrm>
+          <a:prstGeom prst="rect">
+            <a:avLst/>
+          </a:prstGeom>
+          <a:noFill/>
+        </p:spPr>
+        <p:txBody>
+          <a:bodyPr wrap="square" rtlCol="0">
+            <a:spAutoFit/>
+          </a:bodyPr>
+          <a:lstStyle/>
+          <a:p>
+            <a:r>
+              <a:rPr lang="en-US" sz="1200" dirty="0"/>
+              <a:t>// Update learning rate</a:t>
+            </a:r>
+            <a:endParaRPr lang="it-IT" sz="1200" baseline="30000" dirty="0"/>
+          </a:p>
+        </p:txBody>
+      </p:sp>
+      <p:sp>
+        <p:nvSpPr>
+          <p:cNvPr id="14" name="TextBox 13">
+            <a:extLst>
+              <a:ext uri="{FF2B5EF4-FFF2-40B4-BE49-F238E27FC236}">
+                <a16:creationId xmlns:a16="http://schemas.microsoft.com/office/drawing/2014/main" id="{E6D930B4-61EE-12E5-458B-367BE9B56188}"/>
+              </a:ext>
+            </a:extLst>
+          </p:cNvPr>
+          <p:cNvSpPr txBox="1"/>
+          <p:nvPr/>
+        </p:nvSpPr>
+        <p:spPr>
+          <a:xfrm>
+            <a:off x="7419105" y="4952891"/>
+            <a:ext cx="2362204" cy="276999"/>
+          </a:xfrm>
+          <a:prstGeom prst="rect">
+            <a:avLst/>
+          </a:prstGeom>
+          <a:noFill/>
+        </p:spPr>
+        <p:txBody>
+          <a:bodyPr wrap="square" rtlCol="0">
+            <a:spAutoFit/>
+          </a:bodyPr>
+          <a:lstStyle/>
+          <a:p>
+            <a:r>
+              <a:rPr lang="en-US" sz="1200" dirty="0"/>
+              <a:t>// Update </a:t>
+            </a:r>
+            <a:r>
+              <a:rPr lang="en-US" sz="1200" dirty="0" err="1"/>
+              <a:t>Lagrangian</a:t>
+            </a:r>
+            <a:r>
+              <a:rPr lang="en-US" sz="1200" dirty="0"/>
+              <a:t> Multipliers</a:t>
+            </a:r>
+            <a:endParaRPr lang="it-IT" sz="1200" dirty="0"/>
+          </a:p>
+        </p:txBody>
+      </p:sp>
+      <p:sp>
+        <p:nvSpPr>
+          <p:cNvPr id="15" name="TextBox 14">
+            <a:extLst>
+              <a:ext uri="{FF2B5EF4-FFF2-40B4-BE49-F238E27FC236}">
+                <a16:creationId xmlns:a16="http://schemas.microsoft.com/office/drawing/2014/main" id="{BEFBA349-AF72-2F3F-5F9F-D71DAE1AF226}"/>
+              </a:ext>
+            </a:extLst>
+          </p:cNvPr>
+          <p:cNvSpPr txBox="1"/>
+          <p:nvPr/>
+        </p:nvSpPr>
+        <p:spPr>
+          <a:xfrm>
+            <a:off x="7419105" y="5164678"/>
+            <a:ext cx="1614055" cy="276999"/>
+          </a:xfrm>
+          <a:prstGeom prst="rect">
+            <a:avLst/>
+          </a:prstGeom>
+          <a:noFill/>
+        </p:spPr>
+        <p:txBody>
+          <a:bodyPr wrap="square" rtlCol="0">
+            <a:spAutoFit/>
+          </a:bodyPr>
+          <a:lstStyle/>
+          <a:p>
+            <a:r>
+              <a:rPr lang="en-US" sz="1200" dirty="0"/>
+              <a:t>// Update center</a:t>
+            </a:r>
+            <a:endParaRPr lang="it-IT" sz="1200" dirty="0"/>
+          </a:p>
+        </p:txBody>
+      </p:sp>
+      <p:sp>
+        <p:nvSpPr>
+          <p:cNvPr id="16" name="TextBox 15">
+            <a:extLst>
+              <a:ext uri="{FF2B5EF4-FFF2-40B4-BE49-F238E27FC236}">
+                <a16:creationId xmlns:a16="http://schemas.microsoft.com/office/drawing/2014/main" id="{CCD18B71-D570-06DE-3C78-96850DB8DB76}"/>
+              </a:ext>
+            </a:extLst>
+          </p:cNvPr>
+          <p:cNvSpPr txBox="1"/>
+          <p:nvPr/>
+        </p:nvSpPr>
+        <p:spPr>
+          <a:xfrm>
+            <a:off x="7419105" y="5363009"/>
+            <a:ext cx="1614055" cy="276999"/>
+          </a:xfrm>
+          <a:prstGeom prst="rect">
+            <a:avLst/>
+          </a:prstGeom>
+          <a:noFill/>
+        </p:spPr>
+        <p:txBody>
+          <a:bodyPr wrap="square" rtlCol="0">
+            <a:spAutoFit/>
+          </a:bodyPr>
+          <a:lstStyle/>
+          <a:p>
+            <a:r>
+              <a:rPr lang="en-US" sz="1200" dirty="0"/>
+              <a:t>// Update core set</a:t>
+            </a:r>
+            <a:endParaRPr lang="it-IT" sz="1200" dirty="0"/>
+          </a:p>
+        </p:txBody>
+      </p:sp>
+      <p:sp>
+        <p:nvSpPr>
+          <p:cNvPr id="17" name="TextBox 16">
+            <a:extLst>
+              <a:ext uri="{FF2B5EF4-FFF2-40B4-BE49-F238E27FC236}">
+                <a16:creationId xmlns:a16="http://schemas.microsoft.com/office/drawing/2014/main" id="{9F4AAA0D-CF83-EDE0-9A3E-A1052781A855}"/>
+              </a:ext>
+            </a:extLst>
+          </p:cNvPr>
+          <p:cNvSpPr txBox="1"/>
+          <p:nvPr/>
+        </p:nvSpPr>
+        <p:spPr>
+          <a:xfrm>
+            <a:off x="7419104" y="5589394"/>
+            <a:ext cx="1614055" cy="276999"/>
+          </a:xfrm>
+          <a:prstGeom prst="rect">
+            <a:avLst/>
+          </a:prstGeom>
+          <a:noFill/>
+        </p:spPr>
+        <p:txBody>
+          <a:bodyPr wrap="square" rtlCol="0">
+            <a:spAutoFit/>
+          </a:bodyPr>
+          <a:lstStyle/>
+          <a:p>
+            <a:r>
+              <a:rPr lang="en-US" sz="1200" dirty="0"/>
+              <a:t>// Update r</a:t>
+            </a:r>
+            <a:r>
+              <a:rPr lang="en-US" sz="1200" baseline="30000" dirty="0"/>
+              <a:t>2</a:t>
+            </a:r>
+            <a:endParaRPr lang="it-IT" sz="1200" baseline="30000" dirty="0"/>
+          </a:p>
+        </p:txBody>
+      </p:sp>
+      <p:sp>
+        <p:nvSpPr>
+          <p:cNvPr id="18" name="TextBox 17">
+            <a:extLst>
+              <a:ext uri="{FF2B5EF4-FFF2-40B4-BE49-F238E27FC236}">
+                <a16:creationId xmlns:a16="http://schemas.microsoft.com/office/drawing/2014/main" id="{B3DBEEDA-33D1-3CF6-A396-F8C572EBEDD7}"/>
+              </a:ext>
+            </a:extLst>
+          </p:cNvPr>
+          <p:cNvSpPr txBox="1"/>
+          <p:nvPr/>
+        </p:nvSpPr>
+        <p:spPr>
+          <a:xfrm>
+            <a:off x="7419104" y="5787264"/>
+            <a:ext cx="1967348" cy="276999"/>
+          </a:xfrm>
+          <a:prstGeom prst="rect">
+            <a:avLst/>
+          </a:prstGeom>
+          <a:noFill/>
+        </p:spPr>
+        <p:txBody>
+          <a:bodyPr wrap="square" rtlCol="0">
+            <a:spAutoFit/>
+          </a:bodyPr>
+          <a:lstStyle/>
+          <a:p>
+            <a:r>
+              <a:rPr lang="en-US" sz="1200" dirty="0"/>
+              <a:t>// Find furthest point index</a:t>
+            </a:r>
+            <a:endParaRPr lang="it-IT" sz="1200" baseline="30000" dirty="0"/>
+          </a:p>
+        </p:txBody>
+      </p:sp>
+      <p:sp>
+        <p:nvSpPr>
+          <p:cNvPr id="19" name="TextBox 18">
+            <a:extLst>
+              <a:ext uri="{FF2B5EF4-FFF2-40B4-BE49-F238E27FC236}">
+                <a16:creationId xmlns:a16="http://schemas.microsoft.com/office/drawing/2014/main" id="{8E8CBA8A-5122-3201-B81A-8DC1F7D5C045}"/>
+              </a:ext>
+            </a:extLst>
+          </p:cNvPr>
+          <p:cNvSpPr txBox="1"/>
+          <p:nvPr/>
+        </p:nvSpPr>
+        <p:spPr>
+          <a:xfrm>
+            <a:off x="7419104" y="6004199"/>
+            <a:ext cx="1967348" cy="276999"/>
+          </a:xfrm>
+          <a:prstGeom prst="rect">
+            <a:avLst/>
+          </a:prstGeom>
+          <a:noFill/>
+        </p:spPr>
+        <p:txBody>
+          <a:bodyPr wrap="square" rtlCol="0">
+            <a:spAutoFit/>
+          </a:bodyPr>
+          <a:lstStyle/>
+          <a:p>
+            <a:r>
+              <a:rPr lang="en-US" sz="1200" dirty="0"/>
+              <a:t>// Find error bound</a:t>
+            </a:r>
+            <a:endParaRPr lang="it-IT" sz="1200" baseline="30000" dirty="0"/>
+          </a:p>
+        </p:txBody>
+      </p:sp>
+    </p:spTree>
+    <p:extLst>
+      <p:ext uri="{BB962C8B-B14F-4D97-AF65-F5344CB8AC3E}">
+        <p14:creationId xmlns:p14="http://schemas.microsoft.com/office/powerpoint/2010/main" val="3457760519"/>
+      </p:ext>
+    </p:extLst>
+  </p:cSld>
+  <p:clrMapOvr>
+    <a:masterClrMapping/>
+  </p:clrMapOvr>
+</p:sld>
+</file>
+
+<file path=ppt/slides/slide11.xml><?xml version="1.0" encoding="utf-8"?>
+<p:sld xmlns:a="http://schemas.openxmlformats.org/drawingml/2006/main" xmlns:r="http://schemas.openxmlformats.org/officeDocument/2006/relationships" xmlns:p="http://schemas.openxmlformats.org/presentationml/2006/main">
+  <p:cSld>
+    <p:spTree>
+      <p:nvGrpSpPr>
+        <p:cNvPr id="1" name=""/>
+        <p:cNvGrpSpPr/>
+        <p:nvPr/>
+      </p:nvGrpSpPr>
+      <p:grpSpPr>
+        <a:xfrm>
+          <a:off x="0" y="0"/>
+          <a:ext cx="0" cy="0"/>
+          <a:chOff x="0" y="0"/>
+          <a:chExt cx="0" cy="0"/>
+        </a:xfrm>
+      </p:grpSpPr>
+      <p:sp>
+        <p:nvSpPr>
+          <p:cNvPr id="2" name="Title 1">
+            <a:extLst>
+              <a:ext uri="{FF2B5EF4-FFF2-40B4-BE49-F238E27FC236}">
                 <a16:creationId xmlns:a16="http://schemas.microsoft.com/office/drawing/2014/main" id="{67708C79-A4AC-4B5D-92DF-600737E4D11A}"/>
               </a:ext>
             </a:extLst>
@@ -16142,8 +16760,8 @@
           </a:p>
         </p:txBody>
       </p:sp>
-      <mc:AlternateContent xmlns:mc="http://schemas.openxmlformats.org/markup-compatibility/2006">
-        <mc:Choice xmlns:a14="http://schemas.microsoft.com/office/drawing/2010/main" Requires="a14">
+      <mc:AlternateContent xmlns:mc="http://schemas.openxmlformats.org/markup-compatibility/2006" xmlns:a14="http://schemas.microsoft.com/office/drawing/2010/main">
+        <mc:Choice Requires="a14">
           <p:sp>
             <p:nvSpPr>
               <p:cNvPr id="10" name="Text Placeholder 9">
@@ -16499,7 +17117,7 @@
             </p:txBody>
           </p:sp>
         </mc:Choice>
-        <mc:Fallback>
+        <mc:Fallback xmlns="">
           <p:sp>
             <p:nvSpPr>
               <p:cNvPr id="10" name="Text Placeholder 9">
@@ -16572,7 +17190,7 @@
             <a:fld id="{B5CEABB6-07DC-46E8-9B57-56EC44A396E5}" type="slidenum">
               <a:rPr lang="en-US" smtClean="0"/>
               <a:pPr/>
-              <a:t>10</a:t>
+              <a:t>11</a:t>
             </a:fld>
             <a:endParaRPr lang="en-US" dirty="0"/>
           </a:p>
@@ -16591,7 +17209,7 @@
 </p:sld>
 </file>
 
-<file path=ppt/slides/slide11.xml><?xml version="1.0" encoding="utf-8"?>
+<file path=ppt/slides/slide12.xml><?xml version="1.0" encoding="utf-8"?>
 <p:sld xmlns:a="http://schemas.openxmlformats.org/drawingml/2006/main" xmlns:r="http://schemas.openxmlformats.org/officeDocument/2006/relationships" xmlns:p="http://schemas.openxmlformats.org/presentationml/2006/main">
   <p:cSld>
     <p:spTree>
@@ -16713,7 +17331,7 @@
             <a:fld id="{B5CEABB6-07DC-46E8-9B57-56EC44A396E5}" type="slidenum">
               <a:rPr lang="en-US" smtClean="0"/>
               <a:pPr/>
-              <a:t>11</a:t>
+              <a:t>12</a:t>
             </a:fld>
             <a:endParaRPr lang="en-US" dirty="0"/>
           </a:p>
@@ -17488,7 +18106,7 @@
 </p:sld>
 </file>
 
-<file path=ppt/slides/slide12.xml><?xml version="1.0" encoding="utf-8"?>
+<file path=ppt/slides/slide13.xml><?xml version="1.0" encoding="utf-8"?>
 <p:sld xmlns:a="http://schemas.openxmlformats.org/drawingml/2006/main" xmlns:r="http://schemas.openxmlformats.org/officeDocument/2006/relationships" xmlns:p="http://schemas.openxmlformats.org/presentationml/2006/main">
   <p:cSld>
     <p:spTree>
@@ -17576,7 +18194,7 @@
             <a:fld id="{B5CEABB6-07DC-46E8-9B57-56EC44A396E5}" type="slidenum">
               <a:rPr lang="en-US" smtClean="0"/>
               <a:pPr/>
-              <a:t>12</a:t>
+              <a:t>13</a:t>
             </a:fld>
             <a:endParaRPr lang="en-US" dirty="0"/>
           </a:p>
@@ -19721,7 +20339,7 @@
 </p:sld>
 </file>
 
-<file path=ppt/slides/slide13.xml><?xml version="1.0" encoding="utf-8"?>
+<file path=ppt/slides/slide14.xml><?xml version="1.0" encoding="utf-8"?>
 <p:sld xmlns:a="http://schemas.openxmlformats.org/drawingml/2006/main" xmlns:r="http://schemas.openxmlformats.org/officeDocument/2006/relationships" xmlns:p="http://schemas.openxmlformats.org/presentationml/2006/main">
   <p:cSld>
     <p:spTree>
@@ -19808,7 +20426,7 @@
             <a:fld id="{B5CEABB6-07DC-46E8-9B57-56EC44A396E5}" type="slidenum">
               <a:rPr lang="en-US" smtClean="0"/>
               <a:pPr/>
-              <a:t>13</a:t>
+              <a:t>14</a:t>
             </a:fld>
             <a:endParaRPr lang="en-US" dirty="0"/>
           </a:p>
@@ -20296,7 +20914,7 @@
 </p:sld>
 </file>
 
-<file path=ppt/slides/slide14.xml><?xml version="1.0" encoding="utf-8"?>
+<file path=ppt/slides/slide15.xml><?xml version="1.0" encoding="utf-8"?>
 <p:sld xmlns:a="http://schemas.openxmlformats.org/drawingml/2006/main" xmlns:r="http://schemas.openxmlformats.org/officeDocument/2006/relationships" xmlns:p="http://schemas.openxmlformats.org/presentationml/2006/main">
   <p:cSld>
     <p:spTree>
@@ -20384,7 +21002,7 @@
             <a:fld id="{B5CEABB6-07DC-46E8-9B57-56EC44A396E5}" type="slidenum">
               <a:rPr lang="en-US" smtClean="0"/>
               <a:pPr/>
-              <a:t>14</a:t>
+              <a:t>15</a:t>
             </a:fld>
             <a:endParaRPr lang="en-US" dirty="0"/>
           </a:p>
@@ -22567,7 +23185,7 @@
 </p:sld>
 </file>
 
-<file path=ppt/slides/slide15.xml><?xml version="1.0" encoding="utf-8"?>
+<file path=ppt/slides/slide16.xml><?xml version="1.0" encoding="utf-8"?>
 <p:sld xmlns:a="http://schemas.openxmlformats.org/drawingml/2006/main" xmlns:r="http://schemas.openxmlformats.org/officeDocument/2006/relationships" xmlns:p="http://schemas.openxmlformats.org/presentationml/2006/main">
   <p:cSld>
     <p:spTree>
@@ -22654,7 +23272,7 @@
             <a:fld id="{B5CEABB6-07DC-46E8-9B57-56EC44A396E5}" type="slidenum">
               <a:rPr lang="en-US" smtClean="0"/>
               <a:pPr/>
-              <a:t>15</a:t>
+              <a:t>16</a:t>
             </a:fld>
             <a:endParaRPr lang="en-US" dirty="0"/>
           </a:p>
@@ -22945,7 +23563,7 @@
 </p:sld>
 </file>
 
-<file path=ppt/slides/slide16.xml><?xml version="1.0" encoding="utf-8"?>
+<file path=ppt/slides/slide17.xml><?xml version="1.0" encoding="utf-8"?>
 <p:sld xmlns:a="http://schemas.openxmlformats.org/drawingml/2006/main" xmlns:r="http://schemas.openxmlformats.org/officeDocument/2006/relationships" xmlns:p="http://schemas.openxmlformats.org/presentationml/2006/main">
   <p:cSld>
     <p:spTree>
@@ -23032,7 +23650,7 @@
             <a:fld id="{B5CEABB6-07DC-46E8-9B57-56EC44A396E5}" type="slidenum">
               <a:rPr lang="en-US" smtClean="0"/>
               <a:pPr/>
-              <a:t>16</a:t>
+              <a:t>17</a:t>
             </a:fld>
             <a:endParaRPr lang="en-US" dirty="0"/>
           </a:p>
@@ -23395,7 +24013,7 @@
 </p:sld>
 </file>
 
-<file path=ppt/slides/slide17.xml><?xml version="1.0" encoding="utf-8"?>
+<file path=ppt/slides/slide18.xml><?xml version="1.0" encoding="utf-8"?>
 <p:sld xmlns:a="http://schemas.openxmlformats.org/drawingml/2006/main" xmlns:r="http://schemas.openxmlformats.org/officeDocument/2006/relationships" xmlns:p="http://schemas.openxmlformats.org/presentationml/2006/main">
   <p:cSld>
     <p:spTree>
@@ -23483,7 +24101,7 @@
             <a:fld id="{B5CEABB6-07DC-46E8-9B57-56EC44A396E5}" type="slidenum">
               <a:rPr lang="en-US" smtClean="0"/>
               <a:pPr/>
-              <a:t>17</a:t>
+              <a:t>18</a:t>
             </a:fld>
             <a:endParaRPr lang="en-US" dirty="0"/>
           </a:p>
@@ -30270,7 +30888,7 @@
 </p:sld>
 </file>
 
-<file path=ppt/slides/slide18.xml><?xml version="1.0" encoding="utf-8"?>
+<file path=ppt/slides/slide19.xml><?xml version="1.0" encoding="utf-8"?>
 <p:sld xmlns:a="http://schemas.openxmlformats.org/drawingml/2006/main" xmlns:r="http://schemas.openxmlformats.org/officeDocument/2006/relationships" xmlns:p="http://schemas.openxmlformats.org/presentationml/2006/main">
   <p:cSld>
     <p:spTree>
@@ -30357,7 +30975,7 @@
             <a:fld id="{B5CEABB6-07DC-46E8-9B57-56EC44A396E5}" type="slidenum">
               <a:rPr lang="en-US" smtClean="0"/>
               <a:pPr/>
-              <a:t>18</a:t>
+              <a:t>19</a:t>
             </a:fld>
             <a:endParaRPr lang="en-US" dirty="0"/>
           </a:p>
@@ -30845,7 +31463,208 @@
 </p:sld>
 </file>
 
-<file path=ppt/slides/slide19.xml><?xml version="1.0" encoding="utf-8"?>
+<file path=ppt/slides/slide2.xml><?xml version="1.0" encoding="utf-8"?>
+<p:sld xmlns:a="http://schemas.openxmlformats.org/drawingml/2006/main" xmlns:r="http://schemas.openxmlformats.org/officeDocument/2006/relationships" xmlns:p="http://schemas.openxmlformats.org/presentationml/2006/main">
+  <p:cSld>
+    <p:spTree>
+      <p:nvGrpSpPr>
+        <p:cNvPr id="1" name=""/>
+        <p:cNvGrpSpPr/>
+        <p:nvPr/>
+      </p:nvGrpSpPr>
+      <p:grpSpPr>
+        <a:xfrm>
+          <a:off x="0" y="0"/>
+          <a:ext cx="0" cy="0"/>
+          <a:chOff x="0" y="0"/>
+          <a:chExt cx="0" cy="0"/>
+        </a:xfrm>
+      </p:grpSpPr>
+      <p:sp>
+        <p:nvSpPr>
+          <p:cNvPr id="2" name="Title 1">
+            <a:extLst>
+              <a:ext uri="{FF2B5EF4-FFF2-40B4-BE49-F238E27FC236}">
+                <a16:creationId xmlns:a16="http://schemas.microsoft.com/office/drawing/2014/main" id="{6719F29B-F233-48AF-8261-F33A4E079E3E}"/>
+              </a:ext>
+              <a:ext uri="{C183D7F6-B498-43B3-948B-1728B52AA6E4}">
+                <adec:decorative xmlns:adec="http://schemas.microsoft.com/office/drawing/2017/decorative" val="0"/>
+              </a:ext>
+            </a:extLst>
+          </p:cNvPr>
+          <p:cNvSpPr>
+            <a:spLocks noGrp="1"/>
+          </p:cNvSpPr>
+          <p:nvPr>
+            <p:ph type="title"/>
+          </p:nvPr>
+        </p:nvSpPr>
+        <p:spPr>
+          <a:xfrm>
+            <a:off x="1333499" y="1438183"/>
+            <a:ext cx="3171825" cy="579352"/>
+          </a:xfrm>
+        </p:spPr>
+        <p:txBody>
+          <a:bodyPr>
+            <a:normAutofit/>
+          </a:bodyPr>
+          <a:lstStyle/>
+          <a:p>
+            <a:r>
+              <a:rPr lang="en-US" dirty="0"/>
+              <a:t>introduction</a:t>
+            </a:r>
+          </a:p>
+        </p:txBody>
+      </p:sp>
+      <p:sp>
+        <p:nvSpPr>
+          <p:cNvPr id="3" name="Subtitle 2">
+            <a:extLst>
+              <a:ext uri="{FF2B5EF4-FFF2-40B4-BE49-F238E27FC236}">
+                <a16:creationId xmlns:a16="http://schemas.microsoft.com/office/drawing/2014/main" id="{35E3EA69-4E0E-41BD-8095-A124225A2647}"/>
+              </a:ext>
+              <a:ext uri="{C183D7F6-B498-43B3-948B-1728B52AA6E4}">
+                <adec:decorative xmlns:adec="http://schemas.microsoft.com/office/drawing/2017/decorative" val="0"/>
+              </a:ext>
+            </a:extLst>
+          </p:cNvPr>
+          <p:cNvSpPr>
+            <a:spLocks noGrp="1"/>
+          </p:cNvSpPr>
+          <p:nvPr>
+            <p:ph idx="1"/>
+          </p:nvPr>
+        </p:nvSpPr>
+        <p:spPr>
+          <a:xfrm>
+            <a:off x="1333499" y="2232735"/>
+            <a:ext cx="3939837" cy="3187082"/>
+          </a:xfrm>
+        </p:spPr>
+        <p:txBody>
+          <a:bodyPr>
+            <a:normAutofit lnSpcReduction="10000"/>
+          </a:bodyPr>
+          <a:lstStyle/>
+          <a:p>
+            <a:pPr marL="0" marR="0" algn="just">
+              <a:lnSpc>
+                <a:spcPct val="107000"/>
+              </a:lnSpc>
+              <a:spcBef>
+                <a:spcPts val="0"/>
+              </a:spcBef>
+              <a:spcAft>
+                <a:spcPts val="800"/>
+              </a:spcAft>
+            </a:pPr>
+            <a:r>
+              <a:rPr lang="en-US" sz="1200" dirty="0">
+                <a:effectLst/>
+                <a:latin typeface="+mj-lt"/>
+                <a:ea typeface="Calibri" panose="020F0502020204030204" pitchFamily="34" charset="0"/>
+                <a:cs typeface="Times New Roman" panose="02020603050405020304" pitchFamily="18" charset="0"/>
+              </a:rPr>
+              <a:t>Minimum enclosing balls (MEBs) provide a very versatile data representation for a wide range of learning and analysis tasks. Use cases include accelerated training of support vector machines or other classifiers, analysis of data streams, and the use case that is the topic of our project - anomaly detection. </a:t>
+            </a:r>
+          </a:p>
+          <a:p>
+            <a:pPr marL="0" marR="0" algn="just">
+              <a:lnSpc>
+                <a:spcPct val="107000"/>
+              </a:lnSpc>
+              <a:spcBef>
+                <a:spcPts val="0"/>
+              </a:spcBef>
+              <a:spcAft>
+                <a:spcPts val="800"/>
+              </a:spcAft>
+            </a:pPr>
+            <a:r>
+              <a:rPr lang="en-US" sz="1200" dirty="0">
+                <a:effectLst/>
+                <a:latin typeface="+mj-lt"/>
+                <a:ea typeface="Calibri" panose="020F0502020204030204" pitchFamily="34" charset="0"/>
+                <a:cs typeface="Times New Roman" panose="02020603050405020304" pitchFamily="18" charset="0"/>
+              </a:rPr>
+              <a:t>While there exists a whole spectrum of algorithms for estimating the MEB of a given data set, a particularly general approach is to formalize the problem in terms of constrained quadratic optimization and we, too, will adhere to this strategy. </a:t>
+            </a:r>
+          </a:p>
+          <a:p>
+            <a:pPr marL="0" marR="0" algn="just">
+              <a:lnSpc>
+                <a:spcPct val="107000"/>
+              </a:lnSpc>
+              <a:spcBef>
+                <a:spcPts val="0"/>
+              </a:spcBef>
+              <a:spcAft>
+                <a:spcPts val="800"/>
+              </a:spcAft>
+            </a:pPr>
+            <a:r>
+              <a:rPr lang="en-US" sz="1200" dirty="0">
+                <a:effectLst/>
+                <a:latin typeface="+mj-lt"/>
+                <a:ea typeface="Calibri" panose="020F0502020204030204" pitchFamily="34" charset="0"/>
+                <a:cs typeface="Times New Roman" panose="02020603050405020304" pitchFamily="18" charset="0"/>
+              </a:rPr>
+              <a:t>We will adapt three algorithms with the goal of solving MEB problem and we will test them on artificial and real-world datasets for detecting anomalies. Finally, we will compare our results.</a:t>
+            </a:r>
+          </a:p>
+        </p:txBody>
+      </p:sp>
+      <p:sp>
+        <p:nvSpPr>
+          <p:cNvPr id="4" name="Slide Number Placeholder 3">
+            <a:extLst>
+              <a:ext uri="{FF2B5EF4-FFF2-40B4-BE49-F238E27FC236}">
+                <a16:creationId xmlns:a16="http://schemas.microsoft.com/office/drawing/2014/main" id="{328F602C-7F98-4C02-99D4-ED65E00D66A4}"/>
+              </a:ext>
+            </a:extLst>
+          </p:cNvPr>
+          <p:cNvSpPr>
+            <a:spLocks noGrp="1"/>
+          </p:cNvSpPr>
+          <p:nvPr>
+            <p:ph type="sldNum" sz="quarter" idx="12"/>
+          </p:nvPr>
+        </p:nvSpPr>
+        <p:spPr>
+          <a:xfrm>
+            <a:off x="5536305" y="6356350"/>
+            <a:ext cx="987552" cy="365125"/>
+          </a:xfrm>
+        </p:spPr>
+        <p:txBody>
+          <a:bodyPr/>
+          <a:lstStyle/>
+          <a:p>
+            <a:fld id="{19B51A1E-902D-48AF-9020-955120F399B6}" type="slidenum">
+              <a:rPr lang="en-US" smtClean="0"/>
+              <a:pPr/>
+              <a:t>2</a:t>
+            </a:fld>
+            <a:endParaRPr lang="en-US" dirty="0"/>
+          </a:p>
+        </p:txBody>
+      </p:sp>
+    </p:spTree>
+    <p:extLst>
+      <p:ext uri="{BB962C8B-B14F-4D97-AF65-F5344CB8AC3E}">
+        <p14:creationId xmlns:p14="http://schemas.microsoft.com/office/powerpoint/2010/main" val="2243494996"/>
+      </p:ext>
+    </p:extLst>
+  </p:cSld>
+  <p:clrMapOvr>
+    <a:masterClrMapping/>
+  </p:clrMapOvr>
+</p:sld>
+</file>
+
+<file path=ppt/slides/slide20.xml><?xml version="1.0" encoding="utf-8"?>
 <p:sld xmlns:a="http://schemas.openxmlformats.org/drawingml/2006/main" xmlns:r="http://schemas.openxmlformats.org/officeDocument/2006/relationships" xmlns:p="http://schemas.openxmlformats.org/presentationml/2006/main">
   <p:cSld>
     <p:spTree>
@@ -30932,7 +31751,7 @@
             <a:fld id="{B5CEABB6-07DC-46E8-9B57-56EC44A396E5}" type="slidenum">
               <a:rPr lang="en-US" smtClean="0"/>
               <a:pPr/>
-              <a:t>19</a:t>
+              <a:t>20</a:t>
             </a:fld>
             <a:endParaRPr lang="en-US" dirty="0"/>
           </a:p>
@@ -31492,208 +32311,7 @@
 </p:sld>
 </file>
 
-<file path=ppt/slides/slide2.xml><?xml version="1.0" encoding="utf-8"?>
-<p:sld xmlns:a="http://schemas.openxmlformats.org/drawingml/2006/main" xmlns:r="http://schemas.openxmlformats.org/officeDocument/2006/relationships" xmlns:p="http://schemas.openxmlformats.org/presentationml/2006/main">
-  <p:cSld>
-    <p:spTree>
-      <p:nvGrpSpPr>
-        <p:cNvPr id="1" name=""/>
-        <p:cNvGrpSpPr/>
-        <p:nvPr/>
-      </p:nvGrpSpPr>
-      <p:grpSpPr>
-        <a:xfrm>
-          <a:off x="0" y="0"/>
-          <a:ext cx="0" cy="0"/>
-          <a:chOff x="0" y="0"/>
-          <a:chExt cx="0" cy="0"/>
-        </a:xfrm>
-      </p:grpSpPr>
-      <p:sp>
-        <p:nvSpPr>
-          <p:cNvPr id="2" name="Title 1">
-            <a:extLst>
-              <a:ext uri="{FF2B5EF4-FFF2-40B4-BE49-F238E27FC236}">
-                <a16:creationId xmlns:a16="http://schemas.microsoft.com/office/drawing/2014/main" id="{6719F29B-F233-48AF-8261-F33A4E079E3E}"/>
-              </a:ext>
-              <a:ext uri="{C183D7F6-B498-43B3-948B-1728B52AA6E4}">
-                <adec:decorative xmlns:adec="http://schemas.microsoft.com/office/drawing/2017/decorative" val="0"/>
-              </a:ext>
-            </a:extLst>
-          </p:cNvPr>
-          <p:cNvSpPr>
-            <a:spLocks noGrp="1"/>
-          </p:cNvSpPr>
-          <p:nvPr>
-            <p:ph type="title"/>
-          </p:nvPr>
-        </p:nvSpPr>
-        <p:spPr>
-          <a:xfrm>
-            <a:off x="1333499" y="1438183"/>
-            <a:ext cx="3171825" cy="579352"/>
-          </a:xfrm>
-        </p:spPr>
-        <p:txBody>
-          <a:bodyPr>
-            <a:normAutofit/>
-          </a:bodyPr>
-          <a:lstStyle/>
-          <a:p>
-            <a:r>
-              <a:rPr lang="en-US" dirty="0"/>
-              <a:t>introduction</a:t>
-            </a:r>
-          </a:p>
-        </p:txBody>
-      </p:sp>
-      <p:sp>
-        <p:nvSpPr>
-          <p:cNvPr id="3" name="Subtitle 2">
-            <a:extLst>
-              <a:ext uri="{FF2B5EF4-FFF2-40B4-BE49-F238E27FC236}">
-                <a16:creationId xmlns:a16="http://schemas.microsoft.com/office/drawing/2014/main" id="{35E3EA69-4E0E-41BD-8095-A124225A2647}"/>
-              </a:ext>
-              <a:ext uri="{C183D7F6-B498-43B3-948B-1728B52AA6E4}">
-                <adec:decorative xmlns:adec="http://schemas.microsoft.com/office/drawing/2017/decorative" val="0"/>
-              </a:ext>
-            </a:extLst>
-          </p:cNvPr>
-          <p:cNvSpPr>
-            <a:spLocks noGrp="1"/>
-          </p:cNvSpPr>
-          <p:nvPr>
-            <p:ph idx="1"/>
-          </p:nvPr>
-        </p:nvSpPr>
-        <p:spPr>
-          <a:xfrm>
-            <a:off x="1333499" y="2232735"/>
-            <a:ext cx="3939837" cy="3187082"/>
-          </a:xfrm>
-        </p:spPr>
-        <p:txBody>
-          <a:bodyPr>
-            <a:normAutofit lnSpcReduction="10000"/>
-          </a:bodyPr>
-          <a:lstStyle/>
-          <a:p>
-            <a:pPr marL="0" marR="0" algn="just">
-              <a:lnSpc>
-                <a:spcPct val="107000"/>
-              </a:lnSpc>
-              <a:spcBef>
-                <a:spcPts val="0"/>
-              </a:spcBef>
-              <a:spcAft>
-                <a:spcPts val="800"/>
-              </a:spcAft>
-            </a:pPr>
-            <a:r>
-              <a:rPr lang="en-US" sz="1200" dirty="0">
-                <a:effectLst/>
-                <a:latin typeface="+mj-lt"/>
-                <a:ea typeface="Calibri" panose="020F0502020204030204" pitchFamily="34" charset="0"/>
-                <a:cs typeface="Times New Roman" panose="02020603050405020304" pitchFamily="18" charset="0"/>
-              </a:rPr>
-              <a:t>Minimum enclosing balls (MEBs) provide a very versatile data representation for a wide range of learning and analysis tasks. Use cases include accelerated training of support vector machines or other classifiers, analysis of data streams, and the use case that is the topic of our project - anomaly detection. </a:t>
-            </a:r>
-          </a:p>
-          <a:p>
-            <a:pPr marL="0" marR="0" algn="just">
-              <a:lnSpc>
-                <a:spcPct val="107000"/>
-              </a:lnSpc>
-              <a:spcBef>
-                <a:spcPts val="0"/>
-              </a:spcBef>
-              <a:spcAft>
-                <a:spcPts val="800"/>
-              </a:spcAft>
-            </a:pPr>
-            <a:r>
-              <a:rPr lang="en-US" sz="1200" dirty="0">
-                <a:effectLst/>
-                <a:latin typeface="+mj-lt"/>
-                <a:ea typeface="Calibri" panose="020F0502020204030204" pitchFamily="34" charset="0"/>
-                <a:cs typeface="Times New Roman" panose="02020603050405020304" pitchFamily="18" charset="0"/>
-              </a:rPr>
-              <a:t>While there exists a whole spectrum of algorithms for estimating the MEB of a given data set, a particularly general approach is to formalize the problem in terms of constrained quadratic optimization and we, too, will adhere to this strategy. </a:t>
-            </a:r>
-          </a:p>
-          <a:p>
-            <a:pPr marL="0" marR="0" algn="just">
-              <a:lnSpc>
-                <a:spcPct val="107000"/>
-              </a:lnSpc>
-              <a:spcBef>
-                <a:spcPts val="0"/>
-              </a:spcBef>
-              <a:spcAft>
-                <a:spcPts val="800"/>
-              </a:spcAft>
-            </a:pPr>
-            <a:r>
-              <a:rPr lang="en-US" sz="1200" dirty="0">
-                <a:effectLst/>
-                <a:latin typeface="+mj-lt"/>
-                <a:ea typeface="Calibri" panose="020F0502020204030204" pitchFamily="34" charset="0"/>
-                <a:cs typeface="Times New Roman" panose="02020603050405020304" pitchFamily="18" charset="0"/>
-              </a:rPr>
-              <a:t>We will adapt three algorithms with the goal of solving MEB problem and we will test them on artificial and real-world datasets for detecting anomalies. Finally, we will compare our results.</a:t>
-            </a:r>
-          </a:p>
-        </p:txBody>
-      </p:sp>
-      <p:sp>
-        <p:nvSpPr>
-          <p:cNvPr id="4" name="Slide Number Placeholder 3">
-            <a:extLst>
-              <a:ext uri="{FF2B5EF4-FFF2-40B4-BE49-F238E27FC236}">
-                <a16:creationId xmlns:a16="http://schemas.microsoft.com/office/drawing/2014/main" id="{328F602C-7F98-4C02-99D4-ED65E00D66A4}"/>
-              </a:ext>
-            </a:extLst>
-          </p:cNvPr>
-          <p:cNvSpPr>
-            <a:spLocks noGrp="1"/>
-          </p:cNvSpPr>
-          <p:nvPr>
-            <p:ph type="sldNum" sz="quarter" idx="12"/>
-          </p:nvPr>
-        </p:nvSpPr>
-        <p:spPr>
-          <a:xfrm>
-            <a:off x="5536305" y="6356350"/>
-            <a:ext cx="987552" cy="365125"/>
-          </a:xfrm>
-        </p:spPr>
-        <p:txBody>
-          <a:bodyPr/>
-          <a:lstStyle/>
-          <a:p>
-            <a:fld id="{19B51A1E-902D-48AF-9020-955120F399B6}" type="slidenum">
-              <a:rPr lang="en-US" smtClean="0"/>
-              <a:pPr/>
-              <a:t>2</a:t>
-            </a:fld>
-            <a:endParaRPr lang="en-US" dirty="0"/>
-          </a:p>
-        </p:txBody>
-      </p:sp>
-    </p:spTree>
-    <p:extLst>
-      <p:ext uri="{BB962C8B-B14F-4D97-AF65-F5344CB8AC3E}">
-        <p14:creationId xmlns:p14="http://schemas.microsoft.com/office/powerpoint/2010/main" val="2243494996"/>
-      </p:ext>
-    </p:extLst>
-  </p:cSld>
-  <p:clrMapOvr>
-    <a:masterClrMapping/>
-  </p:clrMapOvr>
-</p:sld>
-</file>
-
-<file path=ppt/slides/slide20.xml><?xml version="1.0" encoding="utf-8"?>
+<file path=ppt/slides/slide21.xml><?xml version="1.0" encoding="utf-8"?>
 <p:sld xmlns:a="http://schemas.openxmlformats.org/drawingml/2006/main" xmlns:r="http://schemas.openxmlformats.org/officeDocument/2006/relationships" xmlns:p="http://schemas.openxmlformats.org/presentationml/2006/main">
   <p:cSld>
     <p:spTree>
@@ -31781,7 +32399,7 @@
             <a:fld id="{B5CEABB6-07DC-46E8-9B57-56EC44A396E5}" type="slidenum">
               <a:rPr lang="en-US" smtClean="0"/>
               <a:pPr/>
-              <a:t>20</a:t>
+              <a:t>21</a:t>
             </a:fld>
             <a:endParaRPr lang="en-US" dirty="0"/>
           </a:p>
@@ -38568,7 +39186,7 @@
 </p:sld>
 </file>
 
-<file path=ppt/slides/slide21.xml><?xml version="1.0" encoding="utf-8"?>
+<file path=ppt/slides/slide22.xml><?xml version="1.0" encoding="utf-8"?>
 <p:sld xmlns:a="http://schemas.openxmlformats.org/drawingml/2006/main" xmlns:r="http://schemas.openxmlformats.org/officeDocument/2006/relationships" xmlns:p="http://schemas.openxmlformats.org/presentationml/2006/main">
   <p:cSld>
     <p:spTree>
@@ -38655,7 +39273,7 @@
             <a:fld id="{B5CEABB6-07DC-46E8-9B57-56EC44A396E5}" type="slidenum">
               <a:rPr lang="en-US" smtClean="0"/>
               <a:pPr/>
-              <a:t>21</a:t>
+              <a:t>22</a:t>
             </a:fld>
             <a:endParaRPr lang="en-US" dirty="0"/>
           </a:p>
@@ -39143,7 +39761,7 @@
 </p:sld>
 </file>
 
-<file path=ppt/slides/slide22.xml><?xml version="1.0" encoding="utf-8"?>
+<file path=ppt/slides/slide23.xml><?xml version="1.0" encoding="utf-8"?>
 <p:sld xmlns:a="http://schemas.openxmlformats.org/drawingml/2006/main" xmlns:r="http://schemas.openxmlformats.org/officeDocument/2006/relationships" xmlns:p="http://schemas.openxmlformats.org/presentationml/2006/main">
   <p:cSld>
     <p:spTree>
@@ -39288,7 +39906,7 @@
             <a:fld id="{B5CEABB6-07DC-46E8-9B57-56EC44A396E5}" type="slidenum">
               <a:rPr lang="en-US" smtClean="0"/>
               <a:pPr/>
-              <a:t>22</a:t>
+              <a:t>23</a:t>
             </a:fld>
             <a:endParaRPr lang="en-US" dirty="0"/>
           </a:p>
@@ -39307,7 +39925,7 @@
 </p:sld>
 </file>
 
-<file path=ppt/slides/slide23.xml><?xml version="1.0" encoding="utf-8"?>
+<file path=ppt/slides/slide24.xml><?xml version="1.0" encoding="utf-8"?>
 <p:sld xmlns:a="http://schemas.openxmlformats.org/drawingml/2006/main" xmlns:r="http://schemas.openxmlformats.org/officeDocument/2006/relationships" xmlns:p="http://schemas.openxmlformats.org/presentationml/2006/main">
   <p:cSld>
     <p:spTree>
@@ -39432,7 +40050,7 @@
             <a:fld id="{B5CEABB6-07DC-46E8-9B57-56EC44A396E5}" type="slidenum">
               <a:rPr lang="en-US" smtClean="0"/>
               <a:pPr/>
-              <a:t>23</a:t>
+              <a:t>24</a:t>
             </a:fld>
             <a:endParaRPr lang="en-US" dirty="0"/>
           </a:p>
@@ -41175,6 +41793,1049 @@
           <p:cNvPr id="2" name="Title 1">
             <a:extLst>
               <a:ext uri="{FF2B5EF4-FFF2-40B4-BE49-F238E27FC236}">
+                <a16:creationId xmlns:a16="http://schemas.microsoft.com/office/drawing/2014/main" id="{75031FE9-9059-4FE8-B4AC-9771F23A1B89}"/>
+              </a:ext>
+            </a:extLst>
+          </p:cNvPr>
+          <p:cNvSpPr>
+            <a:spLocks noGrp="1"/>
+          </p:cNvSpPr>
+          <p:nvPr>
+            <p:ph type="title"/>
+          </p:nvPr>
+        </p:nvSpPr>
+        <p:spPr>
+          <a:xfrm>
+            <a:off x="1146087" y="4115650"/>
+            <a:ext cx="3992468" cy="1720612"/>
+          </a:xfrm>
+        </p:spPr>
+        <p:txBody>
+          <a:bodyPr>
+            <a:normAutofit/>
+          </a:bodyPr>
+          <a:lstStyle/>
+          <a:p>
+            <a:r>
+              <a:rPr lang="en-GB" sz="2000" b="1" dirty="0"/>
+              <a:t>From Lagrange multipliers to MEB parameters</a:t>
+            </a:r>
+            <a:endParaRPr lang="en-US" sz="2000" b="1" dirty="0"/>
+          </a:p>
+        </p:txBody>
+      </p:sp>
+      <p:sp>
+        <p:nvSpPr>
+          <p:cNvPr id="22" name="Slide Number Placeholder 21">
+            <a:extLst>
+              <a:ext uri="{FF2B5EF4-FFF2-40B4-BE49-F238E27FC236}">
+                <a16:creationId xmlns:a16="http://schemas.microsoft.com/office/drawing/2014/main" id="{5D1BD041-3428-4D62-934F-F3FF6D36F90F}"/>
+              </a:ext>
+            </a:extLst>
+          </p:cNvPr>
+          <p:cNvSpPr>
+            <a:spLocks noGrp="1"/>
+          </p:cNvSpPr>
+          <p:nvPr>
+            <p:ph type="sldNum" sz="quarter" idx="22"/>
+          </p:nvPr>
+        </p:nvSpPr>
+        <p:spPr>
+          <a:xfrm>
+            <a:off x="10700656" y="6356350"/>
+            <a:ext cx="653143" cy="365125"/>
+          </a:xfrm>
+        </p:spPr>
+        <p:txBody>
+          <a:bodyPr/>
+          <a:lstStyle/>
+          <a:p>
+            <a:fld id="{B5CEABB6-07DC-46E8-9B57-56EC44A396E5}" type="slidenum">
+              <a:rPr lang="en-US" smtClean="0"/>
+              <a:pPr/>
+              <a:t>6</a:t>
+            </a:fld>
+            <a:endParaRPr lang="en-US" dirty="0"/>
+          </a:p>
+        </p:txBody>
+      </p:sp>
+      <mc:AlternateContent xmlns:mc="http://schemas.openxmlformats.org/markup-compatibility/2006">
+        <mc:Choice xmlns:a14="http://schemas.microsoft.com/office/drawing/2010/main" Requires="a14">
+          <p:sp>
+            <p:nvSpPr>
+              <p:cNvPr id="7" name="TextBox 6">
+                <a:extLst>
+                  <a:ext uri="{FF2B5EF4-FFF2-40B4-BE49-F238E27FC236}">
+                    <a16:creationId xmlns:a16="http://schemas.microsoft.com/office/drawing/2014/main" id="{3554DC00-94DE-13F9-D960-060509FF1005}"/>
+                  </a:ext>
+                </a:extLst>
+              </p:cNvPr>
+              <p:cNvSpPr txBox="1"/>
+              <p:nvPr/>
+            </p:nvSpPr>
+            <p:spPr>
+              <a:xfrm>
+                <a:off x="5805933" y="4975102"/>
+                <a:ext cx="1439112" cy="923330"/>
+              </a:xfrm>
+              <a:prstGeom prst="rect">
+                <a:avLst/>
+              </a:prstGeom>
+              <a:noFill/>
+            </p:spPr>
+            <p:txBody>
+              <a:bodyPr wrap="none" rtlCol="0">
+                <a:spAutoFit/>
+              </a:bodyPr>
+              <a:lstStyle/>
+              <a:p>
+                <a:endParaRPr lang="en-US" sz="1200" dirty="0">
+                  <a:effectLst/>
+                  <a:latin typeface="Arial" panose="020B0604020202020204" pitchFamily="34" charset="0"/>
+                  <a:ea typeface="Calibri" panose="020F0502020204030204" pitchFamily="34" charset="0"/>
+                </a:endParaRPr>
+              </a:p>
+              <a:p>
+                <a:r>
+                  <a:rPr lang="en-US" sz="1600" b="1" dirty="0">
+                    <a:effectLst/>
+                    <a:cs typeface="Arial" panose="020B0604020202020204" pitchFamily="34" charset="0"/>
+                  </a:rPr>
+                  <a:t> </a:t>
+                </a:r>
+                <a14:m>
+                  <m:oMath xmlns:m="http://schemas.openxmlformats.org/officeDocument/2006/math">
+                    <m:sSup>
+                      <m:sSupPr>
+                        <m:ctrlPr>
+                          <a:rPr lang="en-US" sz="2400" b="1" i="1" smtClean="0">
+                            <a:effectLst/>
+                            <a:latin typeface="Cambria Math" panose="02040503050406030204" pitchFamily="18" charset="0"/>
+                            <a:cs typeface="Arial" panose="020B0604020202020204" pitchFamily="34" charset="0"/>
+                          </a:rPr>
+                        </m:ctrlPr>
+                      </m:sSupPr>
+                      <m:e>
+                        <m:r>
+                          <a:rPr lang="en-US" sz="2400" b="1" i="1">
+                            <a:effectLst/>
+                            <a:latin typeface="Cambria Math" panose="02040503050406030204" pitchFamily="18" charset="0"/>
+                            <a:ea typeface="Calibri" panose="020F0502020204030204" pitchFamily="34" charset="0"/>
+                            <a:cs typeface="Arial" panose="020B0604020202020204" pitchFamily="34" charset="0"/>
+                          </a:rPr>
+                          <m:t>𝒄</m:t>
+                        </m:r>
+                      </m:e>
+                      <m:sup>
+                        <m:r>
+                          <a:rPr lang="en-US" sz="2400" b="1" i="1">
+                            <a:effectLst/>
+                            <a:latin typeface="Cambria Math" panose="02040503050406030204" pitchFamily="18" charset="0"/>
+                            <a:ea typeface="Calibri" panose="020F0502020204030204" pitchFamily="34" charset="0"/>
+                            <a:cs typeface="Arial" panose="020B0604020202020204" pitchFamily="34" charset="0"/>
+                          </a:rPr>
+                          <m:t>∗</m:t>
+                        </m:r>
+                      </m:sup>
+                    </m:sSup>
+                    <m:r>
+                      <a:rPr lang="en-US" sz="2400" i="1">
+                        <a:effectLst/>
+                        <a:latin typeface="Cambria Math" panose="02040503050406030204" pitchFamily="18" charset="0"/>
+                        <a:ea typeface="Calibri" panose="020F0502020204030204" pitchFamily="34" charset="0"/>
+                        <a:cs typeface="Arial" panose="020B0604020202020204" pitchFamily="34" charset="0"/>
+                      </a:rPr>
+                      <m:t>=</m:t>
+                    </m:r>
+                    <m:r>
+                      <a:rPr lang="en-US" sz="2400" b="1" i="1">
+                        <a:effectLst/>
+                        <a:latin typeface="Cambria Math" panose="02040503050406030204" pitchFamily="18" charset="0"/>
+                        <a:ea typeface="Calibri" panose="020F0502020204030204" pitchFamily="34" charset="0"/>
+                        <a:cs typeface="Arial" panose="020B0604020202020204" pitchFamily="34" charset="0"/>
+                      </a:rPr>
+                      <m:t>𝑨</m:t>
+                    </m:r>
+                    <m:sSup>
+                      <m:sSupPr>
+                        <m:ctrlPr>
+                          <a:rPr lang="en-US" sz="2400" b="1" i="1">
+                            <a:effectLst/>
+                            <a:latin typeface="Cambria Math" panose="02040503050406030204" pitchFamily="18" charset="0"/>
+                            <a:cs typeface="Arial" panose="020B0604020202020204" pitchFamily="34" charset="0"/>
+                          </a:rPr>
+                        </m:ctrlPr>
+                      </m:sSupPr>
+                      <m:e>
+                        <m:r>
+                          <a:rPr lang="en-US" sz="2400" b="1" i="1">
+                            <a:effectLst/>
+                            <a:latin typeface="Cambria Math" panose="02040503050406030204" pitchFamily="18" charset="0"/>
+                            <a:ea typeface="Calibri" panose="020F0502020204030204" pitchFamily="34" charset="0"/>
+                            <a:cs typeface="Arial" panose="020B0604020202020204" pitchFamily="34" charset="0"/>
+                          </a:rPr>
+                          <m:t>𝒖</m:t>
+                        </m:r>
+                      </m:e>
+                      <m:sup>
+                        <m:r>
+                          <a:rPr lang="en-US" sz="2400" b="1" i="1">
+                            <a:effectLst/>
+                            <a:latin typeface="Cambria Math" panose="02040503050406030204" pitchFamily="18" charset="0"/>
+                            <a:ea typeface="Calibri" panose="020F0502020204030204" pitchFamily="34" charset="0"/>
+                            <a:cs typeface="Arial" panose="020B0604020202020204" pitchFamily="34" charset="0"/>
+                          </a:rPr>
+                          <m:t>∗</m:t>
+                        </m:r>
+                      </m:sup>
+                    </m:sSup>
+                  </m:oMath>
+                </a14:m>
+                <a:endParaRPr lang="en-US" sz="900" i="1" dirty="0"/>
+              </a:p>
+              <a:p>
+                <a:endParaRPr lang="en-US" sz="900" i="1" dirty="0"/>
+              </a:p>
+              <a:p>
+                <a:endParaRPr lang="en-US" sz="900" i="1" dirty="0"/>
+              </a:p>
+            </p:txBody>
+          </p:sp>
+        </mc:Choice>
+        <mc:Fallback>
+          <p:sp>
+            <p:nvSpPr>
+              <p:cNvPr id="7" name="TextBox 6">
+                <a:extLst>
+                  <a:ext uri="{FF2B5EF4-FFF2-40B4-BE49-F238E27FC236}">
+                    <a16:creationId xmlns:a16="http://schemas.microsoft.com/office/drawing/2014/main" id="{3554DC00-94DE-13F9-D960-060509FF1005}"/>
+                  </a:ext>
+                </a:extLst>
+              </p:cNvPr>
+              <p:cNvSpPr txBox="1">
+                <a:spLocks noRot="1" noChangeAspect="1" noMove="1" noResize="1" noEditPoints="1" noAdjustHandles="1" noChangeArrowheads="1" noChangeShapeType="1" noTextEdit="1"/>
+              </p:cNvSpPr>
+              <p:nvPr/>
+            </p:nvSpPr>
+            <p:spPr>
+              <a:xfrm>
+                <a:off x="5805933" y="4975102"/>
+                <a:ext cx="1439112" cy="923330"/>
+              </a:xfrm>
+              <a:prstGeom prst="rect">
+                <a:avLst/>
+              </a:prstGeom>
+              <a:blipFill>
+                <a:blip r:embed="rId2"/>
+                <a:stretch>
+                  <a:fillRect/>
+                </a:stretch>
+              </a:blipFill>
+            </p:spPr>
+            <p:txBody>
+              <a:bodyPr/>
+              <a:lstStyle/>
+              <a:p>
+                <a:r>
+                  <a:rPr lang="en-US">
+                    <a:noFill/>
+                  </a:rPr>
+                  <a:t> </a:t>
+                </a:r>
+              </a:p>
+            </p:txBody>
+          </p:sp>
+        </mc:Fallback>
+      </mc:AlternateContent>
+      <p:pic>
+        <p:nvPicPr>
+          <p:cNvPr id="14" name="Picture 13">
+            <a:extLst>
+              <a:ext uri="{FF2B5EF4-FFF2-40B4-BE49-F238E27FC236}">
+                <a16:creationId xmlns:a16="http://schemas.microsoft.com/office/drawing/2014/main" id="{08510062-4567-F8F6-6D95-5492FCD092DE}"/>
+              </a:ext>
+            </a:extLst>
+          </p:cNvPr>
+          <p:cNvPicPr>
+            <a:picLocks noChangeAspect="1"/>
+          </p:cNvPicPr>
+          <p:nvPr/>
+        </p:nvPicPr>
+        <p:blipFill>
+          <a:blip r:embed="rId3"/>
+          <a:stretch>
+            <a:fillRect/>
+          </a:stretch>
+        </p:blipFill>
+        <p:spPr>
+          <a:xfrm>
+            <a:off x="7543802" y="4968203"/>
+            <a:ext cx="2714214" cy="868059"/>
+          </a:xfrm>
+          <a:prstGeom prst="rect">
+            <a:avLst/>
+          </a:prstGeom>
+        </p:spPr>
+      </p:pic>
+      <p:sp>
+        <p:nvSpPr>
+          <p:cNvPr id="9" name="TextBox 8">
+            <a:extLst>
+              <a:ext uri="{FF2B5EF4-FFF2-40B4-BE49-F238E27FC236}">
+                <a16:creationId xmlns:a16="http://schemas.microsoft.com/office/drawing/2014/main" id="{A492F658-67F3-8945-A91A-3BB32E18B6DF}"/>
+              </a:ext>
+            </a:extLst>
+          </p:cNvPr>
+          <p:cNvSpPr txBox="1"/>
+          <p:nvPr/>
+        </p:nvSpPr>
+        <p:spPr>
+          <a:xfrm>
+            <a:off x="1146087" y="3266466"/>
+            <a:ext cx="6098958" cy="400110"/>
+          </a:xfrm>
+          <a:prstGeom prst="rect">
+            <a:avLst/>
+          </a:prstGeom>
+          <a:noFill/>
+        </p:spPr>
+        <p:txBody>
+          <a:bodyPr wrap="square">
+            <a:spAutoFit/>
+          </a:bodyPr>
+          <a:lstStyle/>
+          <a:p>
+            <a:r>
+              <a:rPr lang="en-US" sz="2000" b="1" dirty="0">
+                <a:latin typeface="+mj-lt"/>
+              </a:rPr>
+              <a:t>THE DUAL MEB PROBLEM</a:t>
+            </a:r>
+          </a:p>
+        </p:txBody>
+      </p:sp>
+      <p:sp>
+        <p:nvSpPr>
+          <p:cNvPr id="12" name="TextBox 11">
+            <a:extLst>
+              <a:ext uri="{FF2B5EF4-FFF2-40B4-BE49-F238E27FC236}">
+                <a16:creationId xmlns:a16="http://schemas.microsoft.com/office/drawing/2014/main" id="{3B6BB658-2628-0EA5-CB92-3275F4F25DB2}"/>
+              </a:ext>
+            </a:extLst>
+          </p:cNvPr>
+          <p:cNvSpPr txBox="1"/>
+          <p:nvPr/>
+        </p:nvSpPr>
+        <p:spPr>
+          <a:xfrm>
+            <a:off x="1146087" y="1671341"/>
+            <a:ext cx="6098958" cy="400110"/>
+          </a:xfrm>
+          <a:prstGeom prst="rect">
+            <a:avLst/>
+          </a:prstGeom>
+          <a:noFill/>
+        </p:spPr>
+        <p:txBody>
+          <a:bodyPr wrap="square">
+            <a:spAutoFit/>
+          </a:bodyPr>
+          <a:lstStyle/>
+          <a:p>
+            <a:r>
+              <a:rPr lang="en-US" sz="2000" b="1" dirty="0">
+                <a:latin typeface="+mj-lt"/>
+              </a:rPr>
+              <a:t>THE PRIMAL MEB PROBLEM</a:t>
+            </a:r>
+          </a:p>
+        </p:txBody>
+      </p:sp>
+      <p:pic>
+        <p:nvPicPr>
+          <p:cNvPr id="17" name="Picture 16">
+            <a:extLst>
+              <a:ext uri="{FF2B5EF4-FFF2-40B4-BE49-F238E27FC236}">
+                <a16:creationId xmlns:a16="http://schemas.microsoft.com/office/drawing/2014/main" id="{D9C2EABA-D194-E501-04B5-388AE6B5845F}"/>
+              </a:ext>
+            </a:extLst>
+          </p:cNvPr>
+          <p:cNvPicPr>
+            <a:picLocks noChangeAspect="1"/>
+          </p:cNvPicPr>
+          <p:nvPr/>
+        </p:nvPicPr>
+        <p:blipFill>
+          <a:blip r:embed="rId4"/>
+          <a:stretch>
+            <a:fillRect/>
+          </a:stretch>
+        </p:blipFill>
+        <p:spPr>
+          <a:xfrm>
+            <a:off x="5145757" y="3000315"/>
+            <a:ext cx="5554899" cy="477043"/>
+          </a:xfrm>
+          <a:prstGeom prst="rect">
+            <a:avLst/>
+          </a:prstGeom>
+        </p:spPr>
+      </p:pic>
+      <p:pic>
+        <p:nvPicPr>
+          <p:cNvPr id="18" name="Picture 17">
+            <a:extLst>
+              <a:ext uri="{FF2B5EF4-FFF2-40B4-BE49-F238E27FC236}">
+                <a16:creationId xmlns:a16="http://schemas.microsoft.com/office/drawing/2014/main" id="{6DAFB731-F4FE-6748-C90D-CA2CAFA7FA7B}"/>
+              </a:ext>
+            </a:extLst>
+          </p:cNvPr>
+          <p:cNvPicPr>
+            <a:picLocks noChangeAspect="1"/>
+          </p:cNvPicPr>
+          <p:nvPr/>
+        </p:nvPicPr>
+        <p:blipFill>
+          <a:blip r:embed="rId5"/>
+          <a:stretch>
+            <a:fillRect/>
+          </a:stretch>
+        </p:blipFill>
+        <p:spPr>
+          <a:xfrm>
+            <a:off x="5138555" y="3591534"/>
+            <a:ext cx="5801117" cy="447806"/>
+          </a:xfrm>
+          <a:prstGeom prst="rect">
+            <a:avLst/>
+          </a:prstGeom>
+        </p:spPr>
+      </p:pic>
+      <mc:AlternateContent xmlns:mc="http://schemas.openxmlformats.org/markup-compatibility/2006">
+        <mc:Choice xmlns:a14="http://schemas.microsoft.com/office/drawing/2010/main" Requires="a14">
+          <p:sp>
+            <p:nvSpPr>
+              <p:cNvPr id="20" name="TextBox 19">
+                <a:extLst>
+                  <a:ext uri="{FF2B5EF4-FFF2-40B4-BE49-F238E27FC236}">
+                    <a16:creationId xmlns:a16="http://schemas.microsoft.com/office/drawing/2014/main" id="{977DF55A-8F8C-28BE-E3EA-51D714B089DA}"/>
+                  </a:ext>
+                </a:extLst>
+              </p:cNvPr>
+              <p:cNvSpPr txBox="1"/>
+              <p:nvPr/>
+            </p:nvSpPr>
+            <p:spPr>
+              <a:xfrm>
+                <a:off x="5033638" y="1655889"/>
+                <a:ext cx="5985228" cy="831125"/>
+              </a:xfrm>
+              <a:prstGeom prst="rect">
+                <a:avLst/>
+              </a:prstGeom>
+              <a:noFill/>
+            </p:spPr>
+            <p:txBody>
+              <a:bodyPr wrap="none" rtlCol="0">
+                <a:spAutoFit/>
+              </a:bodyPr>
+              <a:lstStyle/>
+              <a:p>
+                <a14:m>
+                  <m:oMathPara xmlns:m="http://schemas.openxmlformats.org/officeDocument/2006/math">
+                    <m:oMathParaPr>
+                      <m:jc m:val="centerGroup"/>
+                    </m:oMathParaPr>
+                    <m:oMath xmlns:m="http://schemas.openxmlformats.org/officeDocument/2006/math">
+                      <m:sSup>
+                        <m:sSupPr>
+                          <m:ctrlPr>
+                            <a:rPr lang="en-US" sz="1800" i="1" smtClean="0">
+                              <a:effectLst/>
+                              <a:latin typeface="Cambria Math" panose="02040503050406030204" pitchFamily="18" charset="0"/>
+                              <a:cs typeface="Arial" panose="020B0604020202020204" pitchFamily="34" charset="0"/>
+                            </a:rPr>
+                          </m:ctrlPr>
+                        </m:sSupPr>
+                        <m:e>
+                          <m:r>
+                            <a:rPr lang="en-US" sz="1800" b="1" i="1">
+                              <a:effectLst/>
+                              <a:latin typeface="Cambria Math" panose="02040503050406030204" pitchFamily="18" charset="0"/>
+                              <a:ea typeface="Calibri" panose="020F0502020204030204" pitchFamily="34" charset="0"/>
+                              <a:cs typeface="Arial" panose="020B0604020202020204" pitchFamily="34" charset="0"/>
+                            </a:rPr>
+                            <m:t>𝒄</m:t>
+                          </m:r>
+                        </m:e>
+                        <m:sup>
+                          <m:r>
+                            <a:rPr lang="en-US" sz="1800" i="1">
+                              <a:effectLst/>
+                              <a:latin typeface="Cambria Math" panose="02040503050406030204" pitchFamily="18" charset="0"/>
+                              <a:ea typeface="Calibri" panose="020F0502020204030204" pitchFamily="34" charset="0"/>
+                              <a:cs typeface="Arial" panose="020B0604020202020204" pitchFamily="34" charset="0"/>
+                            </a:rPr>
+                            <m:t>∗</m:t>
+                          </m:r>
+                        </m:sup>
+                      </m:sSup>
+                      <m:r>
+                        <a:rPr lang="en-US" sz="1800" i="1">
+                          <a:effectLst/>
+                          <a:latin typeface="Cambria Math" panose="02040503050406030204" pitchFamily="18" charset="0"/>
+                          <a:ea typeface="Calibri" panose="020F0502020204030204" pitchFamily="34" charset="0"/>
+                          <a:cs typeface="Arial" panose="020B0604020202020204" pitchFamily="34" charset="0"/>
+                        </a:rPr>
+                        <m:t>,</m:t>
+                      </m:r>
+                      <m:r>
+                        <a:rPr lang="en-US" sz="1800" b="1" i="1">
+                          <a:effectLst/>
+                          <a:latin typeface="Cambria Math" panose="02040503050406030204" pitchFamily="18" charset="0"/>
+                          <a:ea typeface="Calibri" panose="020F0502020204030204" pitchFamily="34" charset="0"/>
+                          <a:cs typeface="Arial" panose="020B0604020202020204" pitchFamily="34" charset="0"/>
+                        </a:rPr>
+                        <m:t> </m:t>
+                      </m:r>
+                      <m:sSup>
+                        <m:sSupPr>
+                          <m:ctrlPr>
+                            <a:rPr lang="en-US" sz="1800" b="1" i="1">
+                              <a:effectLst/>
+                              <a:latin typeface="Cambria Math" panose="02040503050406030204" pitchFamily="18" charset="0"/>
+                              <a:cs typeface="Arial" panose="020B0604020202020204" pitchFamily="34" charset="0"/>
+                            </a:rPr>
+                          </m:ctrlPr>
+                        </m:sSupPr>
+                        <m:e>
+                          <m:r>
+                            <a:rPr lang="en-US" sz="1800" i="1">
+                              <a:effectLst/>
+                              <a:latin typeface="Cambria Math" panose="02040503050406030204" pitchFamily="18" charset="0"/>
+                              <a:ea typeface="Calibri" panose="020F0502020204030204" pitchFamily="34" charset="0"/>
+                              <a:cs typeface="Arial" panose="020B0604020202020204" pitchFamily="34" charset="0"/>
+                            </a:rPr>
+                            <m:t>𝑟</m:t>
+                          </m:r>
+                        </m:e>
+                        <m:sup>
+                          <m:r>
+                            <a:rPr lang="en-US" sz="1800" b="1" i="1">
+                              <a:effectLst/>
+                              <a:latin typeface="Cambria Math" panose="02040503050406030204" pitchFamily="18" charset="0"/>
+                              <a:ea typeface="Calibri" panose="020F0502020204030204" pitchFamily="34" charset="0"/>
+                              <a:cs typeface="Arial" panose="020B0604020202020204" pitchFamily="34" charset="0"/>
+                            </a:rPr>
+                            <m:t>∗</m:t>
+                          </m:r>
+                        </m:sup>
+                      </m:sSup>
+                      <m:r>
+                        <a:rPr lang="en-US" sz="1800" i="1">
+                          <a:effectLst/>
+                          <a:latin typeface="Cambria Math" panose="02040503050406030204" pitchFamily="18" charset="0"/>
+                          <a:ea typeface="Calibri" panose="020F0502020204030204" pitchFamily="34" charset="0"/>
+                          <a:cs typeface="Arial" panose="020B0604020202020204" pitchFamily="34" charset="0"/>
+                        </a:rPr>
+                        <m:t>=</m:t>
+                      </m:r>
+                      <m:func>
+                        <m:funcPr>
+                          <m:ctrlPr>
+                            <a:rPr lang="en-US" sz="1800" i="1">
+                              <a:effectLst/>
+                              <a:latin typeface="Cambria Math" panose="02040503050406030204" pitchFamily="18" charset="0"/>
+                              <a:cs typeface="Arial" panose="020B0604020202020204" pitchFamily="34" charset="0"/>
+                            </a:rPr>
+                          </m:ctrlPr>
+                        </m:funcPr>
+                        <m:fName>
+                          <m:limLow>
+                            <m:limLowPr>
+                              <m:ctrlPr>
+                                <a:rPr lang="en-US" sz="1800" i="1">
+                                  <a:effectLst/>
+                                  <a:latin typeface="Cambria Math" panose="02040503050406030204" pitchFamily="18" charset="0"/>
+                                  <a:cs typeface="Arial" panose="020B0604020202020204" pitchFamily="34" charset="0"/>
+                                </a:rPr>
+                              </m:ctrlPr>
+                            </m:limLowPr>
+                            <m:e>
+                              <m:r>
+                                <m:rPr>
+                                  <m:sty m:val="p"/>
+                                </m:rPr>
+                                <a:rPr lang="en-US" sz="1800">
+                                  <a:effectLst/>
+                                  <a:latin typeface="Cambria Math" panose="02040503050406030204" pitchFamily="18" charset="0"/>
+                                  <a:ea typeface="Calibri" panose="020F0502020204030204" pitchFamily="34" charset="0"/>
+                                  <a:cs typeface="Arial" panose="020B0604020202020204" pitchFamily="34" charset="0"/>
+                                </a:rPr>
+                                <m:t>argmin</m:t>
+                              </m:r>
+                            </m:e>
+                            <m:lim>
+                              <m:r>
+                                <a:rPr lang="en-US" sz="1800" b="1" i="1">
+                                  <a:effectLst/>
+                                  <a:latin typeface="Cambria Math" panose="02040503050406030204" pitchFamily="18" charset="0"/>
+                                  <a:ea typeface="Calibri" panose="020F0502020204030204" pitchFamily="34" charset="0"/>
+                                  <a:cs typeface="Arial" panose="020B0604020202020204" pitchFamily="34" charset="0"/>
+                                </a:rPr>
+                                <m:t>𝒄</m:t>
+                              </m:r>
+                              <m:r>
+                                <a:rPr lang="en-US" sz="1800" i="1">
+                                  <a:effectLst/>
+                                  <a:latin typeface="Cambria Math" panose="02040503050406030204" pitchFamily="18" charset="0"/>
+                                  <a:ea typeface="Calibri" panose="020F0502020204030204" pitchFamily="34" charset="0"/>
+                                  <a:cs typeface="Arial" panose="020B0604020202020204" pitchFamily="34" charset="0"/>
+                                </a:rPr>
+                                <m:t>,  </m:t>
+                              </m:r>
+                              <m:r>
+                                <a:rPr lang="en-US" sz="1800" i="1">
+                                  <a:effectLst/>
+                                  <a:latin typeface="Cambria Math" panose="02040503050406030204" pitchFamily="18" charset="0"/>
+                                  <a:ea typeface="Calibri" panose="020F0502020204030204" pitchFamily="34" charset="0"/>
+                                  <a:cs typeface="Arial" panose="020B0604020202020204" pitchFamily="34" charset="0"/>
+                                </a:rPr>
+                                <m:t>𝛾</m:t>
+                              </m:r>
+                            </m:lim>
+                          </m:limLow>
+                        </m:fName>
+                        <m:e>
+                          <m:r>
+                            <a:rPr lang="en-US" sz="1800" i="1">
+                              <a:effectLst/>
+                              <a:latin typeface="Cambria Math" panose="02040503050406030204" pitchFamily="18" charset="0"/>
+                              <a:ea typeface="Calibri" panose="020F0502020204030204" pitchFamily="34" charset="0"/>
+                              <a:cs typeface="Arial" panose="020B0604020202020204" pitchFamily="34" charset="0"/>
+                            </a:rPr>
+                            <m:t>𝛾</m:t>
+                          </m:r>
+                        </m:e>
+                      </m:func>
+                      <m:r>
+                        <a:rPr lang="en-US" sz="1800" i="1">
+                          <a:effectLst/>
+                          <a:latin typeface="Cambria Math" panose="02040503050406030204" pitchFamily="18" charset="0"/>
+                          <a:ea typeface="Calibri" panose="020F0502020204030204" pitchFamily="34" charset="0"/>
+                          <a:cs typeface="Arial" panose="020B0604020202020204" pitchFamily="34" charset="0"/>
+                        </a:rPr>
+                        <m:t>, </m:t>
+                      </m:r>
+                      <m:r>
+                        <a:rPr lang="en-US" sz="1800" i="1">
+                          <a:effectLst/>
+                          <a:latin typeface="Cambria Math" panose="02040503050406030204" pitchFamily="18" charset="0"/>
+                          <a:ea typeface="Times New Roman" panose="02020603050405020304" pitchFamily="18" charset="0"/>
+                          <a:cs typeface="Arial" panose="020B0604020202020204" pitchFamily="34" charset="0"/>
+                        </a:rPr>
+                        <m:t> </m:t>
+                      </m:r>
+                      <m:r>
+                        <m:rPr>
+                          <m:sty m:val="p"/>
+                        </m:rPr>
+                        <a:rPr lang="en-US" sz="1800">
+                          <a:effectLst/>
+                          <a:latin typeface="Cambria Math" panose="02040503050406030204" pitchFamily="18" charset="0"/>
+                          <a:ea typeface="Calibri" panose="020F0502020204030204" pitchFamily="34" charset="0"/>
+                          <a:cs typeface="Arial" panose="020B0604020202020204" pitchFamily="34" charset="0"/>
+                        </a:rPr>
+                        <m:t>s</m:t>
+                      </m:r>
+                      <m:r>
+                        <a:rPr lang="en-US" sz="1800">
+                          <a:effectLst/>
+                          <a:latin typeface="Cambria Math" panose="02040503050406030204" pitchFamily="18" charset="0"/>
+                          <a:ea typeface="Calibri" panose="020F0502020204030204" pitchFamily="34" charset="0"/>
+                          <a:cs typeface="Arial" panose="020B0604020202020204" pitchFamily="34" charset="0"/>
+                        </a:rPr>
+                        <m:t>.</m:t>
+                      </m:r>
+                      <m:r>
+                        <m:rPr>
+                          <m:sty m:val="p"/>
+                        </m:rPr>
+                        <a:rPr lang="en-US" sz="1800">
+                          <a:effectLst/>
+                          <a:latin typeface="Cambria Math" panose="02040503050406030204" pitchFamily="18" charset="0"/>
+                          <a:ea typeface="Calibri" panose="020F0502020204030204" pitchFamily="34" charset="0"/>
+                          <a:cs typeface="Arial" panose="020B0604020202020204" pitchFamily="34" charset="0"/>
+                        </a:rPr>
+                        <m:t>t</m:t>
+                      </m:r>
+                      <m:r>
+                        <a:rPr lang="en-US" sz="1800">
+                          <a:effectLst/>
+                          <a:latin typeface="Cambria Math" panose="02040503050406030204" pitchFamily="18" charset="0"/>
+                          <a:ea typeface="Calibri" panose="020F0502020204030204" pitchFamily="34" charset="0"/>
+                          <a:cs typeface="Arial" panose="020B0604020202020204" pitchFamily="34" charset="0"/>
+                        </a:rPr>
+                        <m:t>. </m:t>
+                      </m:r>
+                      <m:r>
+                        <a:rPr lang="en-US" sz="1800" i="1">
+                          <a:effectLst/>
+                          <a:latin typeface="Cambria Math" panose="02040503050406030204" pitchFamily="18" charset="0"/>
+                          <a:ea typeface="Calibri" panose="020F0502020204030204" pitchFamily="34" charset="0"/>
+                          <a:cs typeface="Arial" panose="020B0604020202020204" pitchFamily="34" charset="0"/>
+                        </a:rPr>
+                        <m:t>    </m:t>
+                      </m:r>
+                      <m:sSubSup>
+                        <m:sSubSupPr>
+                          <m:ctrlPr>
+                            <a:rPr lang="en-US" sz="1800" b="1" i="1">
+                              <a:effectLst/>
+                              <a:latin typeface="Cambria Math" panose="02040503050406030204" pitchFamily="18" charset="0"/>
+                              <a:cs typeface="Arial" panose="020B0604020202020204" pitchFamily="34" charset="0"/>
+                            </a:rPr>
+                          </m:ctrlPr>
+                        </m:sSubSupPr>
+                        <m:e>
+                          <m:r>
+                            <a:rPr lang="en-US" sz="1800" b="1" i="1">
+                              <a:effectLst/>
+                              <a:latin typeface="Cambria Math" panose="02040503050406030204" pitchFamily="18" charset="0"/>
+                              <a:ea typeface="Calibri" panose="020F0502020204030204" pitchFamily="34" charset="0"/>
+                              <a:cs typeface="Arial" panose="020B0604020202020204" pitchFamily="34" charset="0"/>
+                            </a:rPr>
+                            <m:t>𝒂</m:t>
+                          </m:r>
+                        </m:e>
+                        <m:sub>
+                          <m:r>
+                            <a:rPr lang="en-US" sz="1800" b="1" i="1">
+                              <a:effectLst/>
+                              <a:latin typeface="Cambria Math" panose="02040503050406030204" pitchFamily="18" charset="0"/>
+                              <a:ea typeface="Calibri" panose="020F0502020204030204" pitchFamily="34" charset="0"/>
+                              <a:cs typeface="Arial" panose="020B0604020202020204" pitchFamily="34" charset="0"/>
+                            </a:rPr>
+                            <m:t>𝒊</m:t>
+                          </m:r>
+                        </m:sub>
+                        <m:sup>
+                          <m:r>
+                            <a:rPr lang="en-US" sz="1800" b="1" i="1">
+                              <a:effectLst/>
+                              <a:latin typeface="Cambria Math" panose="02040503050406030204" pitchFamily="18" charset="0"/>
+                              <a:ea typeface="Calibri" panose="020F0502020204030204" pitchFamily="34" charset="0"/>
+                              <a:cs typeface="Arial" panose="020B0604020202020204" pitchFamily="34" charset="0"/>
+                            </a:rPr>
+                            <m:t>𝑻</m:t>
+                          </m:r>
+                        </m:sup>
+                      </m:sSubSup>
+                      <m:sSub>
+                        <m:sSubPr>
+                          <m:ctrlPr>
+                            <a:rPr lang="en-US" sz="1800" b="1" i="1">
+                              <a:effectLst/>
+                              <a:latin typeface="Cambria Math" panose="02040503050406030204" pitchFamily="18" charset="0"/>
+                              <a:cs typeface="Arial" panose="020B0604020202020204" pitchFamily="34" charset="0"/>
+                            </a:rPr>
+                          </m:ctrlPr>
+                        </m:sSubPr>
+                        <m:e>
+                          <m:r>
+                            <a:rPr lang="en-US" sz="1800" b="1" i="1">
+                              <a:effectLst/>
+                              <a:latin typeface="Cambria Math" panose="02040503050406030204" pitchFamily="18" charset="0"/>
+                              <a:ea typeface="Calibri" panose="020F0502020204030204" pitchFamily="34" charset="0"/>
+                              <a:cs typeface="Arial" panose="020B0604020202020204" pitchFamily="34" charset="0"/>
+                            </a:rPr>
+                            <m:t>𝒂</m:t>
+                          </m:r>
+                        </m:e>
+                        <m:sub>
+                          <m:r>
+                            <a:rPr lang="en-US" sz="1800" b="1" i="1">
+                              <a:effectLst/>
+                              <a:latin typeface="Cambria Math" panose="02040503050406030204" pitchFamily="18" charset="0"/>
+                              <a:ea typeface="Calibri" panose="020F0502020204030204" pitchFamily="34" charset="0"/>
+                              <a:cs typeface="Arial" panose="020B0604020202020204" pitchFamily="34" charset="0"/>
+                            </a:rPr>
+                            <m:t>𝒊</m:t>
+                          </m:r>
+                        </m:sub>
+                      </m:sSub>
+                      <m:r>
+                        <a:rPr lang="en-US" sz="1800" i="1">
+                          <a:effectLst/>
+                          <a:latin typeface="Cambria Math" panose="02040503050406030204" pitchFamily="18" charset="0"/>
+                          <a:ea typeface="Calibri" panose="020F0502020204030204" pitchFamily="34" charset="0"/>
+                          <a:cs typeface="Arial" panose="020B0604020202020204" pitchFamily="34" charset="0"/>
+                        </a:rPr>
+                        <m:t>−2</m:t>
+                      </m:r>
+                      <m:sSubSup>
+                        <m:sSubSupPr>
+                          <m:ctrlPr>
+                            <a:rPr lang="en-US" sz="1800" b="1" i="1">
+                              <a:effectLst/>
+                              <a:latin typeface="Cambria Math" panose="02040503050406030204" pitchFamily="18" charset="0"/>
+                              <a:cs typeface="Arial" panose="020B0604020202020204" pitchFamily="34" charset="0"/>
+                            </a:rPr>
+                          </m:ctrlPr>
+                        </m:sSubSupPr>
+                        <m:e>
+                          <m:r>
+                            <a:rPr lang="en-US" sz="1800" b="1" i="1">
+                              <a:effectLst/>
+                              <a:latin typeface="Cambria Math" panose="02040503050406030204" pitchFamily="18" charset="0"/>
+                              <a:ea typeface="Calibri" panose="020F0502020204030204" pitchFamily="34" charset="0"/>
+                              <a:cs typeface="Arial" panose="020B0604020202020204" pitchFamily="34" charset="0"/>
+                            </a:rPr>
+                            <m:t>𝒂</m:t>
+                          </m:r>
+                        </m:e>
+                        <m:sub>
+                          <m:r>
+                            <a:rPr lang="en-US" sz="1800" b="1" i="1">
+                              <a:effectLst/>
+                              <a:latin typeface="Cambria Math" panose="02040503050406030204" pitchFamily="18" charset="0"/>
+                              <a:ea typeface="Calibri" panose="020F0502020204030204" pitchFamily="34" charset="0"/>
+                              <a:cs typeface="Arial" panose="020B0604020202020204" pitchFamily="34" charset="0"/>
+                            </a:rPr>
+                            <m:t>𝒊</m:t>
+                          </m:r>
+                        </m:sub>
+                        <m:sup>
+                          <m:r>
+                            <a:rPr lang="en-US" sz="1800" b="1" i="1">
+                              <a:effectLst/>
+                              <a:latin typeface="Cambria Math" panose="02040503050406030204" pitchFamily="18" charset="0"/>
+                              <a:ea typeface="Calibri" panose="020F0502020204030204" pitchFamily="34" charset="0"/>
+                              <a:cs typeface="Arial" panose="020B0604020202020204" pitchFamily="34" charset="0"/>
+                            </a:rPr>
+                            <m:t>𝑻</m:t>
+                          </m:r>
+                        </m:sup>
+                      </m:sSubSup>
+                      <m:r>
+                        <a:rPr lang="en-US" sz="1800" b="1" i="1">
+                          <a:effectLst/>
+                          <a:latin typeface="Cambria Math" panose="02040503050406030204" pitchFamily="18" charset="0"/>
+                          <a:ea typeface="Calibri" panose="020F0502020204030204" pitchFamily="34" charset="0"/>
+                          <a:cs typeface="Arial" panose="020B0604020202020204" pitchFamily="34" charset="0"/>
+                        </a:rPr>
+                        <m:t>𝒄</m:t>
+                      </m:r>
+                      <m:r>
+                        <a:rPr lang="en-US" sz="1800" i="1">
+                          <a:effectLst/>
+                          <a:latin typeface="Cambria Math" panose="02040503050406030204" pitchFamily="18" charset="0"/>
+                          <a:ea typeface="Calibri" panose="020F0502020204030204" pitchFamily="34" charset="0"/>
+                          <a:cs typeface="Arial" panose="020B0604020202020204" pitchFamily="34" charset="0"/>
+                        </a:rPr>
+                        <m:t>+</m:t>
+                      </m:r>
+                      <m:sSup>
+                        <m:sSupPr>
+                          <m:ctrlPr>
+                            <a:rPr lang="en-US" sz="1800" b="1" i="1">
+                              <a:effectLst/>
+                              <a:latin typeface="Cambria Math" panose="02040503050406030204" pitchFamily="18" charset="0"/>
+                              <a:cs typeface="Arial" panose="020B0604020202020204" pitchFamily="34" charset="0"/>
+                            </a:rPr>
+                          </m:ctrlPr>
+                        </m:sSupPr>
+                        <m:e>
+                          <m:r>
+                            <a:rPr lang="en-US" sz="1800" b="1" i="1">
+                              <a:effectLst/>
+                              <a:latin typeface="Cambria Math" panose="02040503050406030204" pitchFamily="18" charset="0"/>
+                              <a:ea typeface="Calibri" panose="020F0502020204030204" pitchFamily="34" charset="0"/>
+                              <a:cs typeface="Arial" panose="020B0604020202020204" pitchFamily="34" charset="0"/>
+                            </a:rPr>
+                            <m:t>𝒄</m:t>
+                          </m:r>
+                        </m:e>
+                        <m:sup>
+                          <m:r>
+                            <a:rPr lang="en-US" sz="1800" b="1" i="1">
+                              <a:effectLst/>
+                              <a:latin typeface="Cambria Math" panose="02040503050406030204" pitchFamily="18" charset="0"/>
+                              <a:ea typeface="Calibri" panose="020F0502020204030204" pitchFamily="34" charset="0"/>
+                              <a:cs typeface="Arial" panose="020B0604020202020204" pitchFamily="34" charset="0"/>
+                            </a:rPr>
+                            <m:t>𝑻</m:t>
+                          </m:r>
+                        </m:sup>
+                      </m:sSup>
+                      <m:r>
+                        <a:rPr lang="en-US" sz="1800" b="1" i="1">
+                          <a:effectLst/>
+                          <a:latin typeface="Cambria Math" panose="02040503050406030204" pitchFamily="18" charset="0"/>
+                          <a:ea typeface="Calibri" panose="020F0502020204030204" pitchFamily="34" charset="0"/>
+                          <a:cs typeface="Arial" panose="020B0604020202020204" pitchFamily="34" charset="0"/>
+                        </a:rPr>
+                        <m:t>𝒄</m:t>
+                      </m:r>
+                      <m:r>
+                        <a:rPr lang="en-US" sz="1800" i="1">
+                          <a:effectLst/>
+                          <a:latin typeface="Cambria Math" panose="02040503050406030204" pitchFamily="18" charset="0"/>
+                          <a:ea typeface="Calibri" panose="020F0502020204030204" pitchFamily="34" charset="0"/>
+                          <a:cs typeface="Arial" panose="020B0604020202020204" pitchFamily="34" charset="0"/>
+                        </a:rPr>
+                        <m:t>−</m:t>
+                      </m:r>
+                      <m:r>
+                        <a:rPr lang="en-US" sz="1800" i="1">
+                          <a:effectLst/>
+                          <a:latin typeface="Cambria Math" panose="02040503050406030204" pitchFamily="18" charset="0"/>
+                          <a:ea typeface="Calibri" panose="020F0502020204030204" pitchFamily="34" charset="0"/>
+                          <a:cs typeface="Arial" panose="020B0604020202020204" pitchFamily="34" charset="0"/>
+                        </a:rPr>
+                        <m:t>𝛾</m:t>
+                      </m:r>
+                      <m:r>
+                        <a:rPr lang="en-US" sz="1800" i="1">
+                          <a:effectLst/>
+                          <a:latin typeface="Cambria Math" panose="02040503050406030204" pitchFamily="18" charset="0"/>
+                          <a:ea typeface="Calibri" panose="020F0502020204030204" pitchFamily="34" charset="0"/>
+                          <a:cs typeface="Arial" panose="020B0604020202020204" pitchFamily="34" charset="0"/>
+                        </a:rPr>
+                        <m:t>≤0 ,  </m:t>
+                      </m:r>
+                    </m:oMath>
+                  </m:oMathPara>
+                </a14:m>
+                <a:endParaRPr lang="en-US" sz="1800" i="1" dirty="0">
+                  <a:effectLst/>
+                  <a:latin typeface="Cambria Math" panose="02040503050406030204" pitchFamily="18" charset="0"/>
+                  <a:ea typeface="Calibri" panose="020F0502020204030204" pitchFamily="34" charset="0"/>
+                  <a:cs typeface="Arial" panose="020B0604020202020204" pitchFamily="34" charset="0"/>
+                </a:endParaRPr>
+              </a:p>
+              <a:p>
+                <a14:m>
+                  <m:oMathPara xmlns:m="http://schemas.openxmlformats.org/officeDocument/2006/math">
+                    <m:oMathParaPr>
+                      <m:jc m:val="centerGroup"/>
+                    </m:oMathParaPr>
+                    <m:oMath xmlns:m="http://schemas.openxmlformats.org/officeDocument/2006/math">
+                      <m:r>
+                        <a:rPr lang="en-US" sz="1800" i="1">
+                          <a:effectLst/>
+                          <a:latin typeface="Cambria Math" panose="02040503050406030204" pitchFamily="18" charset="0"/>
+                          <a:ea typeface="Calibri" panose="020F0502020204030204" pitchFamily="34" charset="0"/>
+                          <a:cs typeface="Arial" panose="020B0604020202020204" pitchFamily="34" charset="0"/>
+                        </a:rPr>
+                        <m:t>𝑖</m:t>
+                      </m:r>
+                      <m:r>
+                        <a:rPr lang="en-US" sz="1800" i="1">
+                          <a:effectLst/>
+                          <a:latin typeface="Cambria Math" panose="02040503050406030204" pitchFamily="18" charset="0"/>
+                          <a:ea typeface="Calibri" panose="020F0502020204030204" pitchFamily="34" charset="0"/>
+                          <a:cs typeface="Arial" panose="020B0604020202020204" pitchFamily="34" charset="0"/>
+                        </a:rPr>
+                        <m:t>=1,…, </m:t>
+                      </m:r>
+                      <m:r>
+                        <a:rPr lang="en-US" sz="1800" i="1">
+                          <a:effectLst/>
+                          <a:latin typeface="Cambria Math" panose="02040503050406030204" pitchFamily="18" charset="0"/>
+                          <a:ea typeface="Calibri" panose="020F0502020204030204" pitchFamily="34" charset="0"/>
+                          <a:cs typeface="Arial" panose="020B0604020202020204" pitchFamily="34" charset="0"/>
+                        </a:rPr>
+                        <m:t>𝑚</m:t>
+                      </m:r>
+                    </m:oMath>
+                  </m:oMathPara>
+                </a14:m>
+                <a:endParaRPr lang="en-US" dirty="0"/>
+              </a:p>
+            </p:txBody>
+          </p:sp>
+        </mc:Choice>
+        <mc:Fallback>
+          <p:sp>
+            <p:nvSpPr>
+              <p:cNvPr id="20" name="TextBox 19">
+                <a:extLst>
+                  <a:ext uri="{FF2B5EF4-FFF2-40B4-BE49-F238E27FC236}">
+                    <a16:creationId xmlns:a16="http://schemas.microsoft.com/office/drawing/2014/main" id="{977DF55A-8F8C-28BE-E3EA-51D714B089DA}"/>
+                  </a:ext>
+                </a:extLst>
+              </p:cNvPr>
+              <p:cNvSpPr txBox="1">
+                <a:spLocks noRot="1" noChangeAspect="1" noMove="1" noResize="1" noEditPoints="1" noAdjustHandles="1" noChangeArrowheads="1" noChangeShapeType="1" noTextEdit="1"/>
+              </p:cNvSpPr>
+              <p:nvPr/>
+            </p:nvSpPr>
+            <p:spPr>
+              <a:xfrm>
+                <a:off x="5033638" y="1655889"/>
+                <a:ext cx="5985228" cy="831125"/>
+              </a:xfrm>
+              <a:prstGeom prst="rect">
+                <a:avLst/>
+              </a:prstGeom>
+              <a:blipFill>
+                <a:blip r:embed="rId6"/>
+                <a:stretch>
+                  <a:fillRect/>
+                </a:stretch>
+              </a:blipFill>
+            </p:spPr>
+            <p:txBody>
+              <a:bodyPr/>
+              <a:lstStyle/>
+              <a:p>
+                <a:r>
+                  <a:rPr lang="en-US">
+                    <a:noFill/>
+                  </a:rPr>
+                  <a:t> </a:t>
+                </a:r>
+              </a:p>
+            </p:txBody>
+          </p:sp>
+        </mc:Fallback>
+      </mc:AlternateContent>
+    </p:spTree>
+    <p:extLst>
+      <p:ext uri="{BB962C8B-B14F-4D97-AF65-F5344CB8AC3E}">
+        <p14:creationId xmlns:p14="http://schemas.microsoft.com/office/powerpoint/2010/main" val="3609195718"/>
+      </p:ext>
+    </p:extLst>
+  </p:cSld>
+  <p:clrMapOvr>
+    <a:masterClrMapping/>
+  </p:clrMapOvr>
+</p:sld>
+</file>
+
+<file path=ppt/slides/slide7.xml><?xml version="1.0" encoding="utf-8"?>
+<p:sld xmlns:a="http://schemas.openxmlformats.org/drawingml/2006/main" xmlns:r="http://schemas.openxmlformats.org/officeDocument/2006/relationships" xmlns:p="http://schemas.openxmlformats.org/presentationml/2006/main">
+  <p:cSld>
+    <p:spTree>
+      <p:nvGrpSpPr>
+        <p:cNvPr id="1" name=""/>
+        <p:cNvGrpSpPr/>
+        <p:nvPr/>
+      </p:nvGrpSpPr>
+      <p:grpSpPr>
+        <a:xfrm>
+          <a:off x="0" y="0"/>
+          <a:ext cx="0" cy="0"/>
+          <a:chOff x="0" y="0"/>
+          <a:chExt cx="0" cy="0"/>
+        </a:xfrm>
+      </p:grpSpPr>
+      <p:sp>
+        <p:nvSpPr>
+          <p:cNvPr id="2" name="Title 1">
+            <a:extLst>
+              <a:ext uri="{FF2B5EF4-FFF2-40B4-BE49-F238E27FC236}">
                 <a16:creationId xmlns:a16="http://schemas.microsoft.com/office/drawing/2014/main" id="{67708C79-A4AC-4B5D-92DF-600737E4D11A}"/>
               </a:ext>
             </a:extLst>
@@ -41526,7 +43187,7 @@
             <a:fld id="{B5CEABB6-07DC-46E8-9B57-56EC44A396E5}" type="slidenum">
               <a:rPr lang="en-US" smtClean="0"/>
               <a:pPr/>
-              <a:t>6</a:t>
+              <a:t>7</a:t>
             </a:fld>
             <a:endParaRPr lang="en-US" dirty="0"/>
           </a:p>
@@ -41545,7 +43206,7 @@
 </p:sld>
 </file>
 
-<file path=ppt/slides/slide7.xml><?xml version="1.0" encoding="utf-8"?>
+<file path=ppt/slides/slide8.xml><?xml version="1.0" encoding="utf-8"?>
 <p:sld xmlns:a="http://schemas.openxmlformats.org/drawingml/2006/main" xmlns:r="http://schemas.openxmlformats.org/officeDocument/2006/relationships" xmlns:p="http://schemas.openxmlformats.org/presentationml/2006/main">
   <p:cSld>
     <p:spTree>
@@ -41629,7 +43290,7 @@
             <a:fld id="{B5CEABB6-07DC-46E8-9B57-56EC44A396E5}" type="slidenum">
               <a:rPr lang="en-US" smtClean="0"/>
               <a:pPr/>
-              <a:t>7</a:t>
+              <a:t>8</a:t>
             </a:fld>
             <a:endParaRPr lang="en-US" dirty="0"/>
           </a:p>
@@ -41678,7 +43339,7 @@
 </p:sld>
 </file>
 
-<file path=ppt/slides/slide8.xml><?xml version="1.0" encoding="utf-8"?>
+<file path=ppt/slides/slide9.xml><?xml version="1.0" encoding="utf-8"?>
 <p:sld xmlns:a="http://schemas.openxmlformats.org/drawingml/2006/main" xmlns:r="http://schemas.openxmlformats.org/officeDocument/2006/relationships" xmlns:p="http://schemas.openxmlformats.org/presentationml/2006/main">
   <p:cSld>
     <p:spTree>
@@ -41725,139 +43386,6 @@
               <a:rPr lang="en-US" dirty="0"/>
               <a:t>Blended pairwise conditional gradient</a:t>
             </a:r>
-          </a:p>
-        </p:txBody>
-      </p:sp>
-      <p:sp>
-        <p:nvSpPr>
-          <p:cNvPr id="11" name="Slide Number Placeholder 10">
-            <a:extLst>
-              <a:ext uri="{FF2B5EF4-FFF2-40B4-BE49-F238E27FC236}">
-                <a16:creationId xmlns:a16="http://schemas.microsoft.com/office/drawing/2014/main" id="{BAD5B6F4-0A90-447A-A1AE-D75C934B6B29}"/>
-              </a:ext>
-            </a:extLst>
-          </p:cNvPr>
-          <p:cNvSpPr>
-            <a:spLocks noGrp="1"/>
-          </p:cNvSpPr>
-          <p:nvPr>
-            <p:ph type="sldNum" sz="quarter" idx="12"/>
-          </p:nvPr>
-        </p:nvSpPr>
-        <p:spPr>
-          <a:xfrm>
-            <a:off x="8610600" y="6356350"/>
-            <a:ext cx="2743200" cy="365125"/>
-          </a:xfrm>
-        </p:spPr>
-        <p:txBody>
-          <a:bodyPr/>
-          <a:lstStyle/>
-          <a:p>
-            <a:fld id="{B5CEABB6-07DC-46E8-9B57-56EC44A396E5}" type="slidenum">
-              <a:rPr lang="en-US" smtClean="0"/>
-              <a:pPr/>
-              <a:t>8</a:t>
-            </a:fld>
-            <a:endParaRPr lang="en-US" dirty="0"/>
-          </a:p>
-        </p:txBody>
-      </p:sp>
-      <p:pic>
-        <p:nvPicPr>
-          <p:cNvPr id="25" name="Picture 24">
-            <a:extLst>
-              <a:ext uri="{FF2B5EF4-FFF2-40B4-BE49-F238E27FC236}">
-                <a16:creationId xmlns:a16="http://schemas.microsoft.com/office/drawing/2014/main" id="{448A4346-1542-9C16-C7E7-C3E88B9C2405}"/>
-              </a:ext>
-            </a:extLst>
-          </p:cNvPr>
-          <p:cNvPicPr>
-            <a:picLocks noChangeAspect="1"/>
-          </p:cNvPicPr>
-          <p:nvPr/>
-        </p:nvPicPr>
-        <p:blipFill>
-          <a:blip r:embed="rId2"/>
-          <a:stretch>
-            <a:fillRect/>
-          </a:stretch>
-        </p:blipFill>
-        <p:spPr>
-          <a:xfrm>
-            <a:off x="2555386" y="1904692"/>
-            <a:ext cx="7081227" cy="4451658"/>
-          </a:xfrm>
-          <a:prstGeom prst="rect">
-            <a:avLst/>
-          </a:prstGeom>
-        </p:spPr>
-      </p:pic>
-    </p:spTree>
-    <p:extLst>
-      <p:ext uri="{BB962C8B-B14F-4D97-AF65-F5344CB8AC3E}">
-        <p14:creationId xmlns:p14="http://schemas.microsoft.com/office/powerpoint/2010/main" val="2006960613"/>
-      </p:ext>
-    </p:extLst>
-  </p:cSld>
-  <p:clrMapOvr>
-    <a:masterClrMapping/>
-  </p:clrMapOvr>
-</p:sld>
-</file>
-
-<file path=ppt/slides/slide9.xml><?xml version="1.0" encoding="utf-8"?>
-<p:sld xmlns:a="http://schemas.openxmlformats.org/drawingml/2006/main" xmlns:r="http://schemas.openxmlformats.org/officeDocument/2006/relationships" xmlns:p="http://schemas.openxmlformats.org/presentationml/2006/main">
-  <p:cSld>
-    <p:spTree>
-      <p:nvGrpSpPr>
-        <p:cNvPr id="1" name=""/>
-        <p:cNvGrpSpPr/>
-        <p:nvPr/>
-      </p:nvGrpSpPr>
-      <p:grpSpPr>
-        <a:xfrm>
-          <a:off x="0" y="0"/>
-          <a:ext cx="0" cy="0"/>
-          <a:chOff x="0" y="0"/>
-          <a:chExt cx="0" cy="0"/>
-        </a:xfrm>
-      </p:grpSpPr>
-      <p:sp>
-        <p:nvSpPr>
-          <p:cNvPr id="2" name="Title 1">
-            <a:extLst>
-              <a:ext uri="{FF2B5EF4-FFF2-40B4-BE49-F238E27FC236}">
-                <a16:creationId xmlns:a16="http://schemas.microsoft.com/office/drawing/2014/main" id="{5CE54ABB-4929-4810-950B-2DAEA0A5BAB4}"/>
-              </a:ext>
-            </a:extLst>
-          </p:cNvPr>
-          <p:cNvSpPr>
-            <a:spLocks noGrp="1"/>
-          </p:cNvSpPr>
-          <p:nvPr>
-            <p:ph type="title"/>
-          </p:nvPr>
-        </p:nvSpPr>
-        <p:spPr>
-          <a:xfrm>
-            <a:off x="1885156" y="767890"/>
-            <a:ext cx="8421688" cy="1325563"/>
-          </a:xfrm>
-        </p:spPr>
-        <p:txBody>
-          <a:bodyPr/>
-          <a:lstStyle/>
-          <a:p>
-            <a:r>
-              <a:rPr lang="en-US" dirty="0"/>
-              <a:t>(1+ epsilon) approximation of </a:t>
-            </a:r>
-            <a:r>
-              <a:rPr lang="en-US" dirty="0" err="1"/>
-              <a:t>meb</a:t>
-            </a:r>
-            <a:endParaRPr lang="en-US" dirty="0"/>
           </a:p>
         </p:txBody>
       </p:sp>
@@ -41901,7 +43429,7 @@
           <p:cNvPr id="25" name="Picture 24">
             <a:extLst>
               <a:ext uri="{FF2B5EF4-FFF2-40B4-BE49-F238E27FC236}">
-                <a16:creationId xmlns:a16="http://schemas.microsoft.com/office/drawing/2014/main" id="{E15C0242-FF5E-7963-5E02-D5AACD316688}"/>
+                <a16:creationId xmlns:a16="http://schemas.microsoft.com/office/drawing/2014/main" id="{448A4346-1542-9C16-C7E7-C3E88B9C2405}"/>
               </a:ext>
             </a:extLst>
           </p:cNvPr>
@@ -41918,502 +43446,18 @@
         </p:blipFill>
         <p:spPr>
           <a:xfrm>
-            <a:off x="2471201" y="1849581"/>
-            <a:ext cx="7249598" cy="4689331"/>
+            <a:off x="2555386" y="1904692"/>
+            <a:ext cx="7081227" cy="4451658"/>
           </a:xfrm>
           <a:prstGeom prst="rect">
             <a:avLst/>
           </a:prstGeom>
         </p:spPr>
       </p:pic>
-      <p:sp>
-        <p:nvSpPr>
-          <p:cNvPr id="6" name="TextBox 5">
-            <a:extLst>
-              <a:ext uri="{FF2B5EF4-FFF2-40B4-BE49-F238E27FC236}">
-                <a16:creationId xmlns:a16="http://schemas.microsoft.com/office/drawing/2014/main" id="{0D704434-C29C-7E42-BA3A-B539E99F24BC}"/>
-              </a:ext>
-            </a:extLst>
-          </p:cNvPr>
-          <p:cNvSpPr txBox="1"/>
-          <p:nvPr/>
-        </p:nvSpPr>
-        <p:spPr>
-          <a:xfrm>
-            <a:off x="7419107" y="2931093"/>
-            <a:ext cx="1614055" cy="276999"/>
-          </a:xfrm>
-          <a:prstGeom prst="rect">
-            <a:avLst/>
-          </a:prstGeom>
-          <a:noFill/>
-        </p:spPr>
-        <p:txBody>
-          <a:bodyPr wrap="square" rtlCol="0">
-            <a:spAutoFit/>
-          </a:bodyPr>
-          <a:lstStyle/>
-          <a:p>
-            <a:r>
-              <a:rPr lang="en-US" sz="1200" dirty="0"/>
-              <a:t>// Assign core set</a:t>
-            </a:r>
-            <a:endParaRPr lang="it-IT" sz="1200" dirty="0"/>
-          </a:p>
-        </p:txBody>
-      </p:sp>
-      <p:sp>
-        <p:nvSpPr>
-          <p:cNvPr id="7" name="TextBox 6">
-            <a:extLst>
-              <a:ext uri="{FF2B5EF4-FFF2-40B4-BE49-F238E27FC236}">
-                <a16:creationId xmlns:a16="http://schemas.microsoft.com/office/drawing/2014/main" id="{86C69535-8890-2123-4A51-3A1887913C8D}"/>
-              </a:ext>
-            </a:extLst>
-          </p:cNvPr>
-          <p:cNvSpPr txBox="1"/>
-          <p:nvPr/>
-        </p:nvSpPr>
-        <p:spPr>
-          <a:xfrm>
-            <a:off x="7419106" y="3142880"/>
-            <a:ext cx="1614055" cy="276999"/>
-          </a:xfrm>
-          <a:prstGeom prst="rect">
-            <a:avLst/>
-          </a:prstGeom>
-          <a:noFill/>
-        </p:spPr>
-        <p:txBody>
-          <a:bodyPr wrap="square" rtlCol="0">
-            <a:spAutoFit/>
-          </a:bodyPr>
-          <a:lstStyle/>
-          <a:p>
-            <a:r>
-              <a:rPr lang="en-US" sz="1200" dirty="0"/>
-              <a:t>// Assign center</a:t>
-            </a:r>
-            <a:endParaRPr lang="it-IT" sz="1200" dirty="0"/>
-          </a:p>
-        </p:txBody>
-      </p:sp>
-      <p:sp>
-        <p:nvSpPr>
-          <p:cNvPr id="8" name="TextBox 7">
-            <a:extLst>
-              <a:ext uri="{FF2B5EF4-FFF2-40B4-BE49-F238E27FC236}">
-                <a16:creationId xmlns:a16="http://schemas.microsoft.com/office/drawing/2014/main" id="{138E23EE-97B5-31AE-CF6E-CB58C1E471A0}"/>
-              </a:ext>
-            </a:extLst>
-          </p:cNvPr>
-          <p:cNvSpPr txBox="1"/>
-          <p:nvPr/>
-        </p:nvSpPr>
-        <p:spPr>
-          <a:xfrm>
-            <a:off x="7419108" y="3356463"/>
-            <a:ext cx="1614055" cy="276999"/>
-          </a:xfrm>
-          <a:prstGeom prst="rect">
-            <a:avLst/>
-          </a:prstGeom>
-          <a:noFill/>
-        </p:spPr>
-        <p:txBody>
-          <a:bodyPr wrap="square" rtlCol="0">
-            <a:spAutoFit/>
-          </a:bodyPr>
-          <a:lstStyle/>
-          <a:p>
-            <a:r>
-              <a:rPr lang="en-US" sz="1200" dirty="0"/>
-              <a:t>// Assign r</a:t>
-            </a:r>
-            <a:r>
-              <a:rPr lang="en-US" sz="1200" baseline="30000" dirty="0"/>
-              <a:t>2</a:t>
-            </a:r>
-            <a:endParaRPr lang="it-IT" sz="1200" baseline="30000" dirty="0"/>
-          </a:p>
-        </p:txBody>
-      </p:sp>
-      <p:sp>
-        <p:nvSpPr>
-          <p:cNvPr id="9" name="TextBox 8">
-            <a:extLst>
-              <a:ext uri="{FF2B5EF4-FFF2-40B4-BE49-F238E27FC236}">
-                <a16:creationId xmlns:a16="http://schemas.microsoft.com/office/drawing/2014/main" id="{D7A97AE7-A239-689C-531C-5F0556116A12}"/>
-              </a:ext>
-            </a:extLst>
-          </p:cNvPr>
-          <p:cNvSpPr txBox="1"/>
-          <p:nvPr/>
-        </p:nvSpPr>
-        <p:spPr>
-          <a:xfrm>
-            <a:off x="7419106" y="3523172"/>
-            <a:ext cx="1967348" cy="276999"/>
-          </a:xfrm>
-          <a:prstGeom prst="rect">
-            <a:avLst/>
-          </a:prstGeom>
-          <a:noFill/>
-        </p:spPr>
-        <p:txBody>
-          <a:bodyPr wrap="square" rtlCol="0">
-            <a:spAutoFit/>
-          </a:bodyPr>
-          <a:lstStyle/>
-          <a:p>
-            <a:r>
-              <a:rPr lang="en-US" sz="1200" dirty="0"/>
-              <a:t>// Find furthest point index</a:t>
-            </a:r>
-            <a:endParaRPr lang="it-IT" sz="1200" baseline="30000" dirty="0"/>
-          </a:p>
-        </p:txBody>
-      </p:sp>
-      <p:sp>
-        <p:nvSpPr>
-          <p:cNvPr id="10" name="TextBox 9">
-            <a:extLst>
-              <a:ext uri="{FF2B5EF4-FFF2-40B4-BE49-F238E27FC236}">
-                <a16:creationId xmlns:a16="http://schemas.microsoft.com/office/drawing/2014/main" id="{A86C5DEC-3729-DE05-CCA1-635C9B9271B7}"/>
-              </a:ext>
-            </a:extLst>
-          </p:cNvPr>
-          <p:cNvSpPr txBox="1"/>
-          <p:nvPr/>
-        </p:nvSpPr>
-        <p:spPr>
-          <a:xfrm>
-            <a:off x="7419103" y="2746493"/>
-            <a:ext cx="1614055" cy="276999"/>
-          </a:xfrm>
-          <a:prstGeom prst="rect">
-            <a:avLst/>
-          </a:prstGeom>
-          <a:noFill/>
-        </p:spPr>
-        <p:txBody>
-          <a:bodyPr wrap="square" rtlCol="0">
-            <a:spAutoFit/>
-          </a:bodyPr>
-          <a:lstStyle/>
-          <a:p>
-            <a:r>
-              <a:rPr lang="en-US" sz="1200" dirty="0"/>
-              <a:t>// Feasible solution</a:t>
-            </a:r>
-            <a:endParaRPr lang="it-IT" sz="1200" dirty="0"/>
-          </a:p>
-        </p:txBody>
-      </p:sp>
-      <p:sp>
-        <p:nvSpPr>
-          <p:cNvPr id="12" name="TextBox 11">
-            <a:extLst>
-              <a:ext uri="{FF2B5EF4-FFF2-40B4-BE49-F238E27FC236}">
-                <a16:creationId xmlns:a16="http://schemas.microsoft.com/office/drawing/2014/main" id="{AA687E54-10DE-7899-448C-6BB89C7713F3}"/>
-              </a:ext>
-            </a:extLst>
-          </p:cNvPr>
-          <p:cNvSpPr txBox="1"/>
-          <p:nvPr/>
-        </p:nvSpPr>
-        <p:spPr>
-          <a:xfrm>
-            <a:off x="7419106" y="3773235"/>
-            <a:ext cx="1967348" cy="276999"/>
-          </a:xfrm>
-          <a:prstGeom prst="rect">
-            <a:avLst/>
-          </a:prstGeom>
-          <a:noFill/>
-        </p:spPr>
-        <p:txBody>
-          <a:bodyPr wrap="square" rtlCol="0">
-            <a:spAutoFit/>
-          </a:bodyPr>
-          <a:lstStyle/>
-          <a:p>
-            <a:r>
-              <a:rPr lang="en-US" sz="1200" dirty="0"/>
-              <a:t>// Find error bound</a:t>
-            </a:r>
-            <a:endParaRPr lang="it-IT" sz="1200" baseline="30000" dirty="0"/>
-          </a:p>
-        </p:txBody>
-      </p:sp>
-      <p:sp>
-        <p:nvSpPr>
-          <p:cNvPr id="13" name="TextBox 12">
-            <a:extLst>
-              <a:ext uri="{FF2B5EF4-FFF2-40B4-BE49-F238E27FC236}">
-                <a16:creationId xmlns:a16="http://schemas.microsoft.com/office/drawing/2014/main" id="{1F98CF31-B168-3F7E-555C-A3748F4DCBA5}"/>
-              </a:ext>
-            </a:extLst>
-          </p:cNvPr>
-          <p:cNvSpPr txBox="1"/>
-          <p:nvPr/>
-        </p:nvSpPr>
-        <p:spPr>
-          <a:xfrm>
-            <a:off x="7419106" y="4527956"/>
-            <a:ext cx="1967348" cy="276999"/>
-          </a:xfrm>
-          <a:prstGeom prst="rect">
-            <a:avLst/>
-          </a:prstGeom>
-          <a:noFill/>
-        </p:spPr>
-        <p:txBody>
-          <a:bodyPr wrap="square" rtlCol="0">
-            <a:spAutoFit/>
-          </a:bodyPr>
-          <a:lstStyle/>
-          <a:p>
-            <a:r>
-              <a:rPr lang="en-US" sz="1200" dirty="0"/>
-              <a:t>// Update learning rate</a:t>
-            </a:r>
-            <a:endParaRPr lang="it-IT" sz="1200" baseline="30000" dirty="0"/>
-          </a:p>
-        </p:txBody>
-      </p:sp>
-      <p:sp>
-        <p:nvSpPr>
-          <p:cNvPr id="14" name="TextBox 13">
-            <a:extLst>
-              <a:ext uri="{FF2B5EF4-FFF2-40B4-BE49-F238E27FC236}">
-                <a16:creationId xmlns:a16="http://schemas.microsoft.com/office/drawing/2014/main" id="{E6D930B4-61EE-12E5-458B-367BE9B56188}"/>
-              </a:ext>
-            </a:extLst>
-          </p:cNvPr>
-          <p:cNvSpPr txBox="1"/>
-          <p:nvPr/>
-        </p:nvSpPr>
-        <p:spPr>
-          <a:xfrm>
-            <a:off x="7419105" y="4952891"/>
-            <a:ext cx="2362204" cy="276999"/>
-          </a:xfrm>
-          <a:prstGeom prst="rect">
-            <a:avLst/>
-          </a:prstGeom>
-          <a:noFill/>
-        </p:spPr>
-        <p:txBody>
-          <a:bodyPr wrap="square" rtlCol="0">
-            <a:spAutoFit/>
-          </a:bodyPr>
-          <a:lstStyle/>
-          <a:p>
-            <a:r>
-              <a:rPr lang="en-US" sz="1200" dirty="0"/>
-              <a:t>// Update </a:t>
-            </a:r>
-            <a:r>
-              <a:rPr lang="en-US" sz="1200" dirty="0" err="1"/>
-              <a:t>Lagrangian</a:t>
-            </a:r>
-            <a:r>
-              <a:rPr lang="en-US" sz="1200" dirty="0"/>
-              <a:t> Multipliers</a:t>
-            </a:r>
-            <a:endParaRPr lang="it-IT" sz="1200" dirty="0"/>
-          </a:p>
-        </p:txBody>
-      </p:sp>
-      <p:sp>
-        <p:nvSpPr>
-          <p:cNvPr id="15" name="TextBox 14">
-            <a:extLst>
-              <a:ext uri="{FF2B5EF4-FFF2-40B4-BE49-F238E27FC236}">
-                <a16:creationId xmlns:a16="http://schemas.microsoft.com/office/drawing/2014/main" id="{BEFBA349-AF72-2F3F-5F9F-D71DAE1AF226}"/>
-              </a:ext>
-            </a:extLst>
-          </p:cNvPr>
-          <p:cNvSpPr txBox="1"/>
-          <p:nvPr/>
-        </p:nvSpPr>
-        <p:spPr>
-          <a:xfrm>
-            <a:off x="7419105" y="5164678"/>
-            <a:ext cx="1614055" cy="276999"/>
-          </a:xfrm>
-          <a:prstGeom prst="rect">
-            <a:avLst/>
-          </a:prstGeom>
-          <a:noFill/>
-        </p:spPr>
-        <p:txBody>
-          <a:bodyPr wrap="square" rtlCol="0">
-            <a:spAutoFit/>
-          </a:bodyPr>
-          <a:lstStyle/>
-          <a:p>
-            <a:r>
-              <a:rPr lang="en-US" sz="1200" dirty="0"/>
-              <a:t>// Update center</a:t>
-            </a:r>
-            <a:endParaRPr lang="it-IT" sz="1200" dirty="0"/>
-          </a:p>
-        </p:txBody>
-      </p:sp>
-      <p:sp>
-        <p:nvSpPr>
-          <p:cNvPr id="16" name="TextBox 15">
-            <a:extLst>
-              <a:ext uri="{FF2B5EF4-FFF2-40B4-BE49-F238E27FC236}">
-                <a16:creationId xmlns:a16="http://schemas.microsoft.com/office/drawing/2014/main" id="{CCD18B71-D570-06DE-3C78-96850DB8DB76}"/>
-              </a:ext>
-            </a:extLst>
-          </p:cNvPr>
-          <p:cNvSpPr txBox="1"/>
-          <p:nvPr/>
-        </p:nvSpPr>
-        <p:spPr>
-          <a:xfrm>
-            <a:off x="7419105" y="5363009"/>
-            <a:ext cx="1614055" cy="276999"/>
-          </a:xfrm>
-          <a:prstGeom prst="rect">
-            <a:avLst/>
-          </a:prstGeom>
-          <a:noFill/>
-        </p:spPr>
-        <p:txBody>
-          <a:bodyPr wrap="square" rtlCol="0">
-            <a:spAutoFit/>
-          </a:bodyPr>
-          <a:lstStyle/>
-          <a:p>
-            <a:r>
-              <a:rPr lang="en-US" sz="1200" dirty="0"/>
-              <a:t>// Update core set</a:t>
-            </a:r>
-            <a:endParaRPr lang="it-IT" sz="1200" dirty="0"/>
-          </a:p>
-        </p:txBody>
-      </p:sp>
-      <p:sp>
-        <p:nvSpPr>
-          <p:cNvPr id="17" name="TextBox 16">
-            <a:extLst>
-              <a:ext uri="{FF2B5EF4-FFF2-40B4-BE49-F238E27FC236}">
-                <a16:creationId xmlns:a16="http://schemas.microsoft.com/office/drawing/2014/main" id="{9F4AAA0D-CF83-EDE0-9A3E-A1052781A855}"/>
-              </a:ext>
-            </a:extLst>
-          </p:cNvPr>
-          <p:cNvSpPr txBox="1"/>
-          <p:nvPr/>
-        </p:nvSpPr>
-        <p:spPr>
-          <a:xfrm>
-            <a:off x="7419104" y="5589394"/>
-            <a:ext cx="1614055" cy="276999"/>
-          </a:xfrm>
-          <a:prstGeom prst="rect">
-            <a:avLst/>
-          </a:prstGeom>
-          <a:noFill/>
-        </p:spPr>
-        <p:txBody>
-          <a:bodyPr wrap="square" rtlCol="0">
-            <a:spAutoFit/>
-          </a:bodyPr>
-          <a:lstStyle/>
-          <a:p>
-            <a:r>
-              <a:rPr lang="en-US" sz="1200" dirty="0"/>
-              <a:t>// Update r</a:t>
-            </a:r>
-            <a:r>
-              <a:rPr lang="en-US" sz="1200" baseline="30000" dirty="0"/>
-              <a:t>2</a:t>
-            </a:r>
-            <a:endParaRPr lang="it-IT" sz="1200" baseline="30000" dirty="0"/>
-          </a:p>
-        </p:txBody>
-      </p:sp>
-      <p:sp>
-        <p:nvSpPr>
-          <p:cNvPr id="18" name="TextBox 17">
-            <a:extLst>
-              <a:ext uri="{FF2B5EF4-FFF2-40B4-BE49-F238E27FC236}">
-                <a16:creationId xmlns:a16="http://schemas.microsoft.com/office/drawing/2014/main" id="{B3DBEEDA-33D1-3CF6-A396-F8C572EBEDD7}"/>
-              </a:ext>
-            </a:extLst>
-          </p:cNvPr>
-          <p:cNvSpPr txBox="1"/>
-          <p:nvPr/>
-        </p:nvSpPr>
-        <p:spPr>
-          <a:xfrm>
-            <a:off x="7419104" y="5787264"/>
-            <a:ext cx="1967348" cy="276999"/>
-          </a:xfrm>
-          <a:prstGeom prst="rect">
-            <a:avLst/>
-          </a:prstGeom>
-          <a:noFill/>
-        </p:spPr>
-        <p:txBody>
-          <a:bodyPr wrap="square" rtlCol="0">
-            <a:spAutoFit/>
-          </a:bodyPr>
-          <a:lstStyle/>
-          <a:p>
-            <a:r>
-              <a:rPr lang="en-US" sz="1200" dirty="0"/>
-              <a:t>// Find furthest point index</a:t>
-            </a:r>
-            <a:endParaRPr lang="it-IT" sz="1200" baseline="30000" dirty="0"/>
-          </a:p>
-        </p:txBody>
-      </p:sp>
-      <p:sp>
-        <p:nvSpPr>
-          <p:cNvPr id="19" name="TextBox 18">
-            <a:extLst>
-              <a:ext uri="{FF2B5EF4-FFF2-40B4-BE49-F238E27FC236}">
-                <a16:creationId xmlns:a16="http://schemas.microsoft.com/office/drawing/2014/main" id="{8E8CBA8A-5122-3201-B81A-8DC1F7D5C045}"/>
-              </a:ext>
-            </a:extLst>
-          </p:cNvPr>
-          <p:cNvSpPr txBox="1"/>
-          <p:nvPr/>
-        </p:nvSpPr>
-        <p:spPr>
-          <a:xfrm>
-            <a:off x="7419104" y="6004199"/>
-            <a:ext cx="1967348" cy="276999"/>
-          </a:xfrm>
-          <a:prstGeom prst="rect">
-            <a:avLst/>
-          </a:prstGeom>
-          <a:noFill/>
-        </p:spPr>
-        <p:txBody>
-          <a:bodyPr wrap="square" rtlCol="0">
-            <a:spAutoFit/>
-          </a:bodyPr>
-          <a:lstStyle/>
-          <a:p>
-            <a:r>
-              <a:rPr lang="en-US" sz="1200" dirty="0"/>
-              <a:t>// Find error bound</a:t>
-            </a:r>
-            <a:endParaRPr lang="it-IT" sz="1200" baseline="30000" dirty="0"/>
-          </a:p>
-        </p:txBody>
-      </p:sp>
     </p:spTree>
     <p:extLst>
       <p:ext uri="{BB962C8B-B14F-4D97-AF65-F5344CB8AC3E}">
-        <p14:creationId xmlns:p14="http://schemas.microsoft.com/office/powerpoint/2010/main" val="3457760519"/>
+        <p14:creationId xmlns:p14="http://schemas.microsoft.com/office/powerpoint/2010/main" val="2006960613"/>
       </p:ext>
     </p:extLst>
   </p:cSld>
@@ -43215,6 +44259,26 @@
 </file>
 
 <file path=customXml/item1.xml><?xml version="1.0" encoding="utf-8"?>
+<p:properties xmlns:p="http://schemas.microsoft.com/office/2006/metadata/properties" xmlns:xsi="http://www.w3.org/2001/XMLSchema-instance" xmlns:pc="http://schemas.microsoft.com/office/infopath/2007/PartnerControls">
+  <documentManagement>
+    <_ip_UnifiedCompliancePolicyUIAction xmlns="http://schemas.microsoft.com/sharepoint/v3" xsi:nil="true"/>
+    <Image xmlns="71af3243-3dd4-4a8d-8c0d-dd76da1f02a5">
+      <Url xsi:nil="true"/>
+      <Description xsi:nil="true"/>
+    </Image>
+    <Status xmlns="71af3243-3dd4-4a8d-8c0d-dd76da1f02a5">Not started</Status>
+    <Background xmlns="71af3243-3dd4-4a8d-8c0d-dd76da1f02a5">false</Background>
+    <_ip_UnifiedCompliancePolicyProperties xmlns="http://schemas.microsoft.com/sharepoint/v3" xsi:nil="true"/>
+    <ImageTagsTaxHTField xmlns="71af3243-3dd4-4a8d-8c0d-dd76da1f02a5">
+      <Terms xmlns="http://schemas.microsoft.com/office/infopath/2007/PartnerControls"/>
+    </ImageTagsTaxHTField>
+    <TaxCatchAll xmlns="230e9df3-be65-4c73-a93b-d1236ebd677e" xsi:nil="true"/>
+    <MediaServiceKeyPoints xmlns="71af3243-3dd4-4a8d-8c0d-dd76da1f02a5" xsi:nil="true"/>
+  </documentManagement>
+</p:properties>
+</file>
+
+<file path=customXml/item2.xml><?xml version="1.0" encoding="utf-8"?>
 <ct:contentTypeSchema xmlns:ct="http://schemas.microsoft.com/office/2006/metadata/contentType" xmlns:ma="http://schemas.microsoft.com/office/2006/metadata/properties/metaAttributes" ct:_="" ma:_="" ma:contentTypeName="Document" ma:contentTypeID="0x01010079F111ED35F8CC479449609E8A0923A6" ma:contentTypeVersion="27" ma:contentTypeDescription="Create a new document." ma:contentTypeScope="" ma:versionID="c6f9a84f66a9c8b9a21755b9ffafb945">
   <xsd:schema xmlns:xsd="http://www.w3.org/2001/XMLSchema" xmlns:xs="http://www.w3.org/2001/XMLSchema" xmlns:p="http://schemas.microsoft.com/office/2006/metadata/properties" xmlns:ns1="http://schemas.microsoft.com/sharepoint/v3" xmlns:ns2="71af3243-3dd4-4a8d-8c0d-dd76da1f02a5" xmlns:ns3="16c05727-aa75-4e4a-9b5f-8a80a1165891" xmlns:ns4="230e9df3-be65-4c73-a93b-d1236ebd677e" targetNamespace="http://schemas.microsoft.com/office/2006/metadata/properties" ma:root="true" ma:fieldsID="27df39e3e7036dff54f89ddd5805ce72" ns1:_="" ns2:_="" ns3:_="" ns4:_="">
     <xsd:import namespace="http://schemas.microsoft.com/sharepoint/v3"/>
@@ -43520,26 +44584,6 @@
 </ct:contentTypeSchema>
 </file>
 
-<file path=customXml/item2.xml><?xml version="1.0" encoding="utf-8"?>
-<p:properties xmlns:p="http://schemas.microsoft.com/office/2006/metadata/properties" xmlns:xsi="http://www.w3.org/2001/XMLSchema-instance" xmlns:pc="http://schemas.microsoft.com/office/infopath/2007/PartnerControls">
-  <documentManagement>
-    <_ip_UnifiedCompliancePolicyUIAction xmlns="http://schemas.microsoft.com/sharepoint/v3" xsi:nil="true"/>
-    <Image xmlns="71af3243-3dd4-4a8d-8c0d-dd76da1f02a5">
-      <Url xsi:nil="true"/>
-      <Description xsi:nil="true"/>
-    </Image>
-    <Status xmlns="71af3243-3dd4-4a8d-8c0d-dd76da1f02a5">Not started</Status>
-    <Background xmlns="71af3243-3dd4-4a8d-8c0d-dd76da1f02a5">false</Background>
-    <_ip_UnifiedCompliancePolicyProperties xmlns="http://schemas.microsoft.com/sharepoint/v3" xsi:nil="true"/>
-    <ImageTagsTaxHTField xmlns="71af3243-3dd4-4a8d-8c0d-dd76da1f02a5">
-      <Terms xmlns="http://schemas.microsoft.com/office/infopath/2007/PartnerControls"/>
-    </ImageTagsTaxHTField>
-    <TaxCatchAll xmlns="230e9df3-be65-4c73-a93b-d1236ebd677e" xsi:nil="true"/>
-    <MediaServiceKeyPoints xmlns="71af3243-3dd4-4a8d-8c0d-dd76da1f02a5" xsi:nil="true"/>
-  </documentManagement>
-</p:properties>
-</file>
-
 <file path=customXml/item3.xml><?xml version="1.0" encoding="utf-8"?>
 <?mso-contentType ?>
 <FormTemplates xmlns="http://schemas.microsoft.com/sharepoint/v3/contenttype/forms">
@@ -43550,6 +44594,18 @@
 </file>
 
 <file path=customXml/itemProps1.xml><?xml version="1.0" encoding="utf-8"?>
+<ds:datastoreItem xmlns:ds="http://schemas.openxmlformats.org/officeDocument/2006/customXml" ds:itemID="{6EA97235-BEC4-4F82-87A8-2F5DAD53B5F9}">
+  <ds:schemaRefs>
+    <ds:schemaRef ds:uri="http://schemas.microsoft.com/office/2006/metadata/properties"/>
+    <ds:schemaRef ds:uri="http://schemas.microsoft.com/office/infopath/2007/PartnerControls"/>
+    <ds:schemaRef ds:uri="http://schemas.microsoft.com/sharepoint/v3"/>
+    <ds:schemaRef ds:uri="71af3243-3dd4-4a8d-8c0d-dd76da1f02a5"/>
+    <ds:schemaRef ds:uri="230e9df3-be65-4c73-a93b-d1236ebd677e"/>
+  </ds:schemaRefs>
+</ds:datastoreItem>
+</file>
+
+<file path=customXml/itemProps2.xml><?xml version="1.0" encoding="utf-8"?>
 <ds:datastoreItem xmlns:ds="http://schemas.openxmlformats.org/officeDocument/2006/customXml" ds:itemID="{2C1F447F-FAA8-4106-988B-648F3C8EDB2D}">
   <ds:schemaRefs>
     <ds:schemaRef ds:uri="http://schemas.microsoft.com/office/2006/metadata/contentType"/>
@@ -43570,18 +44626,6 @@
 </ds:datastoreItem>
 </file>
 
-<file path=customXml/itemProps2.xml><?xml version="1.0" encoding="utf-8"?>
-<ds:datastoreItem xmlns:ds="http://schemas.openxmlformats.org/officeDocument/2006/customXml" ds:itemID="{6EA97235-BEC4-4F82-87A8-2F5DAD53B5F9}">
-  <ds:schemaRefs>
-    <ds:schemaRef ds:uri="http://schemas.microsoft.com/office/2006/metadata/properties"/>
-    <ds:schemaRef ds:uri="http://schemas.microsoft.com/office/infopath/2007/PartnerControls"/>
-    <ds:schemaRef ds:uri="http://schemas.microsoft.com/sharepoint/v3"/>
-    <ds:schemaRef ds:uri="71af3243-3dd4-4a8d-8c0d-dd76da1f02a5"/>
-    <ds:schemaRef ds:uri="230e9df3-be65-4c73-a93b-d1236ebd677e"/>
-  </ds:schemaRefs>
-</ds:datastoreItem>
-</file>
-
 <file path=customXml/itemProps3.xml><?xml version="1.0" encoding="utf-8"?>
 <ds:datastoreItem xmlns:ds="http://schemas.openxmlformats.org/officeDocument/2006/customXml" ds:itemID="{79BF405E-7930-4D5C-ABB3-493E9D6D6CEA}">
   <ds:schemaRefs>
